--- a/Presentation/Thesis.pptx
+++ b/Presentation/Thesis.pptx
@@ -4208,7 +4208,7 @@
                 <a16:creationId xmlns:a16="http://schemas.microsoft.com/office/drawing/2014/main" id="{1DB7C82F-AB7E-4F0C-B829-FA1B9C415180}"/>
               </a:ext>
               <a:ext uri="{C183D7F6-B498-43B3-948B-1728B52AA6E4}">
-                <adec:decorative xmlns:adec="http://schemas.microsoft.com/office/drawing/2017/decorative" xmlns="" val="1"/>
+                <adec:decorative xmlns="" xmlns:adec="http://schemas.microsoft.com/office/drawing/2017/decorative" val="1"/>
               </a:ext>
             </a:extLst>
           </p:cNvPr>
@@ -4591,7 +4591,7 @@
                 <a16:creationId xmlns:a16="http://schemas.microsoft.com/office/drawing/2014/main" id="{4F74D28C-3268-4E35-8EE1-D92CB4A85A7D}"/>
               </a:ext>
               <a:ext uri="{C183D7F6-B498-43B3-948B-1728B52AA6E4}">
-                <adec:decorative xmlns:adec="http://schemas.microsoft.com/office/drawing/2017/decorative" xmlns="" val="1"/>
+                <adec:decorative xmlns="" xmlns:adec="http://schemas.microsoft.com/office/drawing/2017/decorative" val="1"/>
               </a:ext>
             </a:extLst>
           </p:cNvPr>
@@ -4992,7 +4992,7 @@
                 <a:ea typeface="Gentium Plus" panose="02000503060000020004" pitchFamily="2" charset="0"/>
                 <a:cs typeface="Gentium Plus" panose="02000503060000020004" pitchFamily="2" charset="0"/>
               </a:rPr>
-              <a:t>Throw away beer (!)</a:t>
+              <a:t>Throw away beer sample (!)</a:t>
             </a:r>
           </a:p>
         </p:txBody>
@@ -5075,7 +5075,7 @@
                 <a16:creationId xmlns:a16="http://schemas.microsoft.com/office/drawing/2014/main" id="{CF62D2A7-8207-488C-9F46-316BA81A16C8}"/>
               </a:ext>
               <a:ext uri="{C183D7F6-B498-43B3-948B-1728B52AA6E4}">
-                <adec:decorative xmlns:adec="http://schemas.microsoft.com/office/drawing/2017/decorative" xmlns="" val="1"/>
+                <adec:decorative xmlns="" xmlns:adec="http://schemas.microsoft.com/office/drawing/2017/decorative" val="1"/>
               </a:ext>
             </a:extLst>
           </p:cNvPr>
@@ -5360,8 +5360,8 @@
         </p:nvSpPr>
         <p:spPr>
           <a:xfrm>
-            <a:off x="695739" y="1603512"/>
-            <a:ext cx="5314543" cy="3600851"/>
+            <a:off x="937591" y="1470993"/>
+            <a:ext cx="4482549" cy="3773128"/>
           </a:xfrm>
         </p:spPr>
         <p:txBody>
@@ -5518,7 +5518,7 @@
         </p:nvSpPr>
         <p:spPr>
           <a:xfrm>
-            <a:off x="357809" y="251791"/>
+            <a:off x="348987" y="450574"/>
             <a:ext cx="5652473" cy="830997"/>
           </a:xfrm>
           <a:prstGeom prst="rect">
@@ -5589,7 +5589,7 @@
                 <a16:creationId xmlns:a16="http://schemas.microsoft.com/office/drawing/2014/main" id="{3BAF1561-20C4-41FD-A35F-BF2B9E727F3E}"/>
               </a:ext>
               <a:ext uri="{C183D7F6-B498-43B3-948B-1728B52AA6E4}">
-                <adec:decorative xmlns="" xmlns:adec="http://schemas.microsoft.com/office/drawing/2017/decorative" val="1"/>
+                <adec:decorative xmlns:adec="http://schemas.microsoft.com/office/drawing/2017/decorative" xmlns="" val="1"/>
               </a:ext>
             </a:extLst>
           </p:cNvPr>
@@ -5687,7 +5687,7 @@
                 <a16:creationId xmlns:a16="http://schemas.microsoft.com/office/drawing/2014/main" id="{839DC788-B140-4F3E-A91E-CB3E70ED940A}"/>
               </a:ext>
               <a:ext uri="{C183D7F6-B498-43B3-948B-1728B52AA6E4}">
-                <adec:decorative xmlns="" xmlns:adec="http://schemas.microsoft.com/office/drawing/2017/decorative" val="1"/>
+                <adec:decorative xmlns:adec="http://schemas.microsoft.com/office/drawing/2017/decorative" xmlns="" val="1"/>
               </a:ext>
             </a:extLst>
           </p:cNvPr>
@@ -5782,7 +5782,7 @@
                 <a16:creationId xmlns:a16="http://schemas.microsoft.com/office/drawing/2014/main" id="{FC18D930-0EEE-448F-ABF1-2AA3C83DA552}"/>
               </a:ext>
               <a:ext uri="{C183D7F6-B498-43B3-948B-1728B52AA6E4}">
-                <adec:decorative xmlns="" xmlns:adec="http://schemas.microsoft.com/office/drawing/2017/decorative" val="1"/>
+                <adec:decorative xmlns:adec="http://schemas.microsoft.com/office/drawing/2017/decorative" xmlns="" val="1"/>
               </a:ext>
             </a:extLst>
           </p:cNvPr>
@@ -6099,7 +6099,7 @@
                 <a16:creationId xmlns:a16="http://schemas.microsoft.com/office/drawing/2014/main" id="{3BAF1561-20C4-41FD-A35F-BF2B9E727F3E}"/>
               </a:ext>
               <a:ext uri="{C183D7F6-B498-43B3-948B-1728B52AA6E4}">
-                <adec:decorative xmlns="" xmlns:adec="http://schemas.microsoft.com/office/drawing/2017/decorative" val="1"/>
+                <adec:decorative xmlns:adec="http://schemas.microsoft.com/office/drawing/2017/decorative" xmlns="" val="1"/>
               </a:ext>
             </a:extLst>
           </p:cNvPr>
@@ -6197,7 +6197,7 @@
                 <a16:creationId xmlns:a16="http://schemas.microsoft.com/office/drawing/2014/main" id="{839DC788-B140-4F3E-A91E-CB3E70ED940A}"/>
               </a:ext>
               <a:ext uri="{C183D7F6-B498-43B3-948B-1728B52AA6E4}">
-                <adec:decorative xmlns="" xmlns:adec="http://schemas.microsoft.com/office/drawing/2017/decorative" val="1"/>
+                <adec:decorative xmlns:adec="http://schemas.microsoft.com/office/drawing/2017/decorative" xmlns="" val="1"/>
               </a:ext>
             </a:extLst>
           </p:cNvPr>
@@ -6292,7 +6292,7 @@
                 <a16:creationId xmlns:a16="http://schemas.microsoft.com/office/drawing/2014/main" id="{FC18D930-0EEE-448F-ABF1-2AA3C83DA552}"/>
               </a:ext>
               <a:ext uri="{C183D7F6-B498-43B3-948B-1728B52AA6E4}">
-                <adec:decorative xmlns="" xmlns:adec="http://schemas.microsoft.com/office/drawing/2017/decorative" val="1"/>
+                <adec:decorative xmlns:adec="http://schemas.microsoft.com/office/drawing/2017/decorative" xmlns="" val="1"/>
               </a:ext>
             </a:extLst>
           </p:cNvPr>
@@ -6820,7 +6820,7 @@
                 <a16:creationId xmlns:a16="http://schemas.microsoft.com/office/drawing/2014/main" id="{9228552E-C8B1-4A80-8448-0787CE0FC704}"/>
               </a:ext>
               <a:ext uri="{C183D7F6-B498-43B3-948B-1728B52AA6E4}">
-                <adec:decorative xmlns="" xmlns:adec="http://schemas.microsoft.com/office/drawing/2017/decorative" val="1"/>
+                <adec:decorative xmlns:adec="http://schemas.microsoft.com/office/drawing/2017/decorative" xmlns="" val="1"/>
               </a:ext>
             </a:extLst>
           </p:cNvPr>

--- a/Presentation/Thesis.pptx
+++ b/Presentation/Thesis.pptx
@@ -5,19 +5,20 @@
     <p:sldMasterId id="2147483648" r:id="rId1"/>
   </p:sldMasterIdLst>
   <p:notesMasterIdLst>
-    <p:notesMasterId r:id="rId12"/>
+    <p:notesMasterId r:id="rId13"/>
   </p:notesMasterIdLst>
   <p:sldIdLst>
     <p:sldId id="258" r:id="rId2"/>
     <p:sldId id="256" r:id="rId3"/>
     <p:sldId id="257" r:id="rId4"/>
-    <p:sldId id="262" r:id="rId5"/>
-    <p:sldId id="265" r:id="rId6"/>
-    <p:sldId id="266" r:id="rId7"/>
-    <p:sldId id="263" r:id="rId8"/>
-    <p:sldId id="264" r:id="rId9"/>
-    <p:sldId id="267" r:id="rId10"/>
-    <p:sldId id="268" r:id="rId11"/>
+    <p:sldId id="269" r:id="rId5"/>
+    <p:sldId id="262" r:id="rId6"/>
+    <p:sldId id="265" r:id="rId7"/>
+    <p:sldId id="266" r:id="rId8"/>
+    <p:sldId id="263" r:id="rId9"/>
+    <p:sldId id="264" r:id="rId10"/>
+    <p:sldId id="267" r:id="rId11"/>
+    <p:sldId id="268" r:id="rId12"/>
   </p:sldIdLst>
   <p:sldSz cx="12192000" cy="6858000"/>
   <p:notesSz cx="6858000" cy="9144000"/>
@@ -118,7 +119,7 @@
   </p:defaultTextStyle>
   <p:extLst>
     <p:ext uri="{EFAFB233-063F-42B5-8137-9DF3F51BA10A}">
-      <p15:sldGuideLst xmlns:p15="http://schemas.microsoft.com/office/powerpoint/2012/main"/>
+      <p15:sldGuideLst xmlns:p15="http://schemas.microsoft.com/office/powerpoint/2012/main" xmlns=""/>
     </p:ext>
   </p:extLst>
 </p:presentation>
@@ -210,7 +211,7 @@
           <a:p>
             <a:fld id="{C2C5A345-03B4-4DF1-8132-044CD8D1D6AE}" type="datetimeFigureOut">
               <a:rPr lang="en-US" smtClean="0"/>
-              <a:t>2018-06-09</a:t>
+              <a:t>6/14/2018</a:t>
             </a:fld>
             <a:endParaRPr lang="en-US"/>
           </a:p>
@@ -499,7 +500,7 @@
           <p:cNvPr id="2" name="Title 1">
             <a:extLst>
               <a:ext uri="{FF2B5EF4-FFF2-40B4-BE49-F238E27FC236}">
-                <a16:creationId xmlns:a16="http://schemas.microsoft.com/office/drawing/2014/main" id="{7BA3E1B1-61BC-4F5F-ACDF-27529077A169}"/>
+                <a16:creationId xmlns:a16="http://schemas.microsoft.com/office/drawing/2014/main" xmlns="" id="{7BA3E1B1-61BC-4F5F-ACDF-27529077A169}"/>
               </a:ext>
             </a:extLst>
           </p:cNvPr>
@@ -536,7 +537,7 @@
           <p:cNvPr id="3" name="Subtitle 2">
             <a:extLst>
               <a:ext uri="{FF2B5EF4-FFF2-40B4-BE49-F238E27FC236}">
-                <a16:creationId xmlns:a16="http://schemas.microsoft.com/office/drawing/2014/main" id="{EABF5C9F-8DAE-43EE-8D3D-D07FBE0DCFC8}"/>
+                <a16:creationId xmlns:a16="http://schemas.microsoft.com/office/drawing/2014/main" xmlns="" id="{EABF5C9F-8DAE-43EE-8D3D-D07FBE0DCFC8}"/>
               </a:ext>
             </a:extLst>
           </p:cNvPr>
@@ -606,7 +607,7 @@
           <p:cNvPr id="4" name="Date Placeholder 3">
             <a:extLst>
               <a:ext uri="{FF2B5EF4-FFF2-40B4-BE49-F238E27FC236}">
-                <a16:creationId xmlns:a16="http://schemas.microsoft.com/office/drawing/2014/main" id="{981AD33A-4EAD-472C-A52A-03CB1D4CBFBF}"/>
+                <a16:creationId xmlns:a16="http://schemas.microsoft.com/office/drawing/2014/main" xmlns="" id="{981AD33A-4EAD-472C-A52A-03CB1D4CBFBF}"/>
               </a:ext>
             </a:extLst>
           </p:cNvPr>
@@ -624,7 +625,7 @@
           <a:p>
             <a:fld id="{7BAEFB5C-A2D7-4F98-A06A-5F5838F3D20B}" type="datetime1">
               <a:rPr lang="en-US" smtClean="0"/>
-              <a:t>2018-06-09</a:t>
+              <a:t>6/14/2018</a:t>
             </a:fld>
             <a:endParaRPr lang="en-US"/>
           </a:p>
@@ -635,7 +636,7 @@
           <p:cNvPr id="5" name="Footer Placeholder 4">
             <a:extLst>
               <a:ext uri="{FF2B5EF4-FFF2-40B4-BE49-F238E27FC236}">
-                <a16:creationId xmlns:a16="http://schemas.microsoft.com/office/drawing/2014/main" id="{7164C06C-07E9-4E9C-8DEE-2D4317CC3B23}"/>
+                <a16:creationId xmlns:a16="http://schemas.microsoft.com/office/drawing/2014/main" xmlns="" id="{7164C06C-07E9-4E9C-8DEE-2D4317CC3B23}"/>
               </a:ext>
             </a:extLst>
           </p:cNvPr>
@@ -660,7 +661,7 @@
           <p:cNvPr id="6" name="Slide Number Placeholder 5">
             <a:extLst>
               <a:ext uri="{FF2B5EF4-FFF2-40B4-BE49-F238E27FC236}">
-                <a16:creationId xmlns:a16="http://schemas.microsoft.com/office/drawing/2014/main" id="{23211F9D-992E-48B2-B263-7C5C52124C64}"/>
+                <a16:creationId xmlns:a16="http://schemas.microsoft.com/office/drawing/2014/main" xmlns="" id="{23211F9D-992E-48B2-B263-7C5C52124C64}"/>
               </a:ext>
             </a:extLst>
           </p:cNvPr>
@@ -719,7 +720,7 @@
           <p:cNvPr id="2" name="Title 1">
             <a:extLst>
               <a:ext uri="{FF2B5EF4-FFF2-40B4-BE49-F238E27FC236}">
-                <a16:creationId xmlns:a16="http://schemas.microsoft.com/office/drawing/2014/main" id="{EE6C0697-C9A3-413A-8023-86ED445EB5E0}"/>
+                <a16:creationId xmlns:a16="http://schemas.microsoft.com/office/drawing/2014/main" xmlns="" id="{EE6C0697-C9A3-413A-8023-86ED445EB5E0}"/>
               </a:ext>
             </a:extLst>
           </p:cNvPr>
@@ -747,7 +748,7 @@
           <p:cNvPr id="3" name="Vertical Text Placeholder 2">
             <a:extLst>
               <a:ext uri="{FF2B5EF4-FFF2-40B4-BE49-F238E27FC236}">
-                <a16:creationId xmlns:a16="http://schemas.microsoft.com/office/drawing/2014/main" id="{303BECD0-D0E8-4658-B279-6294799B7803}"/>
+                <a16:creationId xmlns:a16="http://schemas.microsoft.com/office/drawing/2014/main" xmlns="" id="{303BECD0-D0E8-4658-B279-6294799B7803}"/>
               </a:ext>
             </a:extLst>
           </p:cNvPr>
@@ -804,7 +805,7 @@
           <p:cNvPr id="4" name="Date Placeholder 3">
             <a:extLst>
               <a:ext uri="{FF2B5EF4-FFF2-40B4-BE49-F238E27FC236}">
-                <a16:creationId xmlns:a16="http://schemas.microsoft.com/office/drawing/2014/main" id="{799C3D41-2E5D-4FDF-B2C9-92C27E3BED63}"/>
+                <a16:creationId xmlns:a16="http://schemas.microsoft.com/office/drawing/2014/main" xmlns="" id="{799C3D41-2E5D-4FDF-B2C9-92C27E3BED63}"/>
               </a:ext>
             </a:extLst>
           </p:cNvPr>
@@ -822,7 +823,7 @@
           <a:p>
             <a:fld id="{3F0EBFB3-09AB-4D4E-914D-B2D6379CC03D}" type="datetime1">
               <a:rPr lang="en-US" smtClean="0"/>
-              <a:t>2018-06-09</a:t>
+              <a:t>6/14/2018</a:t>
             </a:fld>
             <a:endParaRPr lang="en-US"/>
           </a:p>
@@ -833,7 +834,7 @@
           <p:cNvPr id="5" name="Footer Placeholder 4">
             <a:extLst>
               <a:ext uri="{FF2B5EF4-FFF2-40B4-BE49-F238E27FC236}">
-                <a16:creationId xmlns:a16="http://schemas.microsoft.com/office/drawing/2014/main" id="{67CC13A4-AADD-491D-94C8-781A15A621E5}"/>
+                <a16:creationId xmlns:a16="http://schemas.microsoft.com/office/drawing/2014/main" xmlns="" id="{67CC13A4-AADD-491D-94C8-781A15A621E5}"/>
               </a:ext>
             </a:extLst>
           </p:cNvPr>
@@ -858,7 +859,7 @@
           <p:cNvPr id="6" name="Slide Number Placeholder 5">
             <a:extLst>
               <a:ext uri="{FF2B5EF4-FFF2-40B4-BE49-F238E27FC236}">
-                <a16:creationId xmlns:a16="http://schemas.microsoft.com/office/drawing/2014/main" id="{2A8733F5-1595-4E0F-A5AE-40BEC6A887BC}"/>
+                <a16:creationId xmlns:a16="http://schemas.microsoft.com/office/drawing/2014/main" xmlns="" id="{2A8733F5-1595-4E0F-A5AE-40BEC6A887BC}"/>
               </a:ext>
             </a:extLst>
           </p:cNvPr>
@@ -917,7 +918,7 @@
           <p:cNvPr id="2" name="Vertical Title 1">
             <a:extLst>
               <a:ext uri="{FF2B5EF4-FFF2-40B4-BE49-F238E27FC236}">
-                <a16:creationId xmlns:a16="http://schemas.microsoft.com/office/drawing/2014/main" id="{4EAD10EC-05EF-4121-80F7-51294BC9D9CB}"/>
+                <a16:creationId xmlns:a16="http://schemas.microsoft.com/office/drawing/2014/main" xmlns="" id="{4EAD10EC-05EF-4121-80F7-51294BC9D9CB}"/>
               </a:ext>
             </a:extLst>
           </p:cNvPr>
@@ -950,7 +951,7 @@
           <p:cNvPr id="3" name="Vertical Text Placeholder 2">
             <a:extLst>
               <a:ext uri="{FF2B5EF4-FFF2-40B4-BE49-F238E27FC236}">
-                <a16:creationId xmlns:a16="http://schemas.microsoft.com/office/drawing/2014/main" id="{D6E78960-4AE0-4AED-8078-3388A8C053CF}"/>
+                <a16:creationId xmlns:a16="http://schemas.microsoft.com/office/drawing/2014/main" xmlns="" id="{D6E78960-4AE0-4AED-8078-3388A8C053CF}"/>
               </a:ext>
             </a:extLst>
           </p:cNvPr>
@@ -1012,7 +1013,7 @@
           <p:cNvPr id="4" name="Date Placeholder 3">
             <a:extLst>
               <a:ext uri="{FF2B5EF4-FFF2-40B4-BE49-F238E27FC236}">
-                <a16:creationId xmlns:a16="http://schemas.microsoft.com/office/drawing/2014/main" id="{9E703848-EB4B-45FE-8CEC-DE022E97004F}"/>
+                <a16:creationId xmlns:a16="http://schemas.microsoft.com/office/drawing/2014/main" xmlns="" id="{9E703848-EB4B-45FE-8CEC-DE022E97004F}"/>
               </a:ext>
             </a:extLst>
           </p:cNvPr>
@@ -1030,7 +1031,7 @@
           <a:p>
             <a:fld id="{1B487FDC-AD35-4C7A-994E-A136DAA4A537}" type="datetime1">
               <a:rPr lang="en-US" smtClean="0"/>
-              <a:t>2018-06-09</a:t>
+              <a:t>6/14/2018</a:t>
             </a:fld>
             <a:endParaRPr lang="en-US"/>
           </a:p>
@@ -1041,7 +1042,7 @@
           <p:cNvPr id="5" name="Footer Placeholder 4">
             <a:extLst>
               <a:ext uri="{FF2B5EF4-FFF2-40B4-BE49-F238E27FC236}">
-                <a16:creationId xmlns:a16="http://schemas.microsoft.com/office/drawing/2014/main" id="{EDC10FEC-82B8-483C-BBA1-F730188875B9}"/>
+                <a16:creationId xmlns:a16="http://schemas.microsoft.com/office/drawing/2014/main" xmlns="" id="{EDC10FEC-82B8-483C-BBA1-F730188875B9}"/>
               </a:ext>
             </a:extLst>
           </p:cNvPr>
@@ -1066,7 +1067,7 @@
           <p:cNvPr id="6" name="Slide Number Placeholder 5">
             <a:extLst>
               <a:ext uri="{FF2B5EF4-FFF2-40B4-BE49-F238E27FC236}">
-                <a16:creationId xmlns:a16="http://schemas.microsoft.com/office/drawing/2014/main" id="{8AFB8BA3-D026-447E-B9F5-57E53184CDD2}"/>
+                <a16:creationId xmlns:a16="http://schemas.microsoft.com/office/drawing/2014/main" xmlns="" id="{8AFB8BA3-D026-447E-B9F5-57E53184CDD2}"/>
               </a:ext>
             </a:extLst>
           </p:cNvPr>
@@ -1125,7 +1126,7 @@
           <p:cNvPr id="2" name="Title 1">
             <a:extLst>
               <a:ext uri="{FF2B5EF4-FFF2-40B4-BE49-F238E27FC236}">
-                <a16:creationId xmlns:a16="http://schemas.microsoft.com/office/drawing/2014/main" id="{6DEB2747-5407-4784-BB87-936EB5202934}"/>
+                <a16:creationId xmlns:a16="http://schemas.microsoft.com/office/drawing/2014/main" xmlns="" id="{6DEB2747-5407-4784-BB87-936EB5202934}"/>
               </a:ext>
             </a:extLst>
           </p:cNvPr>
@@ -1153,7 +1154,7 @@
           <p:cNvPr id="3" name="Content Placeholder 2">
             <a:extLst>
               <a:ext uri="{FF2B5EF4-FFF2-40B4-BE49-F238E27FC236}">
-                <a16:creationId xmlns:a16="http://schemas.microsoft.com/office/drawing/2014/main" id="{81F6F0D0-461A-4D21-84EA-D24720E6A599}"/>
+                <a16:creationId xmlns:a16="http://schemas.microsoft.com/office/drawing/2014/main" xmlns="" id="{81F6F0D0-461A-4D21-84EA-D24720E6A599}"/>
               </a:ext>
             </a:extLst>
           </p:cNvPr>
@@ -1210,7 +1211,7 @@
           <p:cNvPr id="4" name="Date Placeholder 3">
             <a:extLst>
               <a:ext uri="{FF2B5EF4-FFF2-40B4-BE49-F238E27FC236}">
-                <a16:creationId xmlns:a16="http://schemas.microsoft.com/office/drawing/2014/main" id="{CF3C4220-93DC-4707-82E7-C0D3E4E1F34E}"/>
+                <a16:creationId xmlns:a16="http://schemas.microsoft.com/office/drawing/2014/main" xmlns="" id="{CF3C4220-93DC-4707-82E7-C0D3E4E1F34E}"/>
               </a:ext>
             </a:extLst>
           </p:cNvPr>
@@ -1228,7 +1229,7 @@
           <a:p>
             <a:fld id="{6F248557-2D57-44B0-959D-36ACF6292CED}" type="datetime1">
               <a:rPr lang="en-US" smtClean="0"/>
-              <a:t>2018-06-09</a:t>
+              <a:t>6/14/2018</a:t>
             </a:fld>
             <a:endParaRPr lang="en-US"/>
           </a:p>
@@ -1239,7 +1240,7 @@
           <p:cNvPr id="5" name="Footer Placeholder 4">
             <a:extLst>
               <a:ext uri="{FF2B5EF4-FFF2-40B4-BE49-F238E27FC236}">
-                <a16:creationId xmlns:a16="http://schemas.microsoft.com/office/drawing/2014/main" id="{2EF8F720-2196-4BC0-A7F3-3A2697551B6A}"/>
+                <a16:creationId xmlns:a16="http://schemas.microsoft.com/office/drawing/2014/main" xmlns="" id="{2EF8F720-2196-4BC0-A7F3-3A2697551B6A}"/>
               </a:ext>
             </a:extLst>
           </p:cNvPr>
@@ -1264,7 +1265,7 @@
           <p:cNvPr id="6" name="Slide Number Placeholder 5">
             <a:extLst>
               <a:ext uri="{FF2B5EF4-FFF2-40B4-BE49-F238E27FC236}">
-                <a16:creationId xmlns:a16="http://schemas.microsoft.com/office/drawing/2014/main" id="{C03C89DF-B30C-44F5-8667-881340FEE781}"/>
+                <a16:creationId xmlns:a16="http://schemas.microsoft.com/office/drawing/2014/main" xmlns="" id="{C03C89DF-B30C-44F5-8667-881340FEE781}"/>
               </a:ext>
             </a:extLst>
           </p:cNvPr>
@@ -1323,7 +1324,7 @@
           <p:cNvPr id="2" name="Title 1">
             <a:extLst>
               <a:ext uri="{FF2B5EF4-FFF2-40B4-BE49-F238E27FC236}">
-                <a16:creationId xmlns:a16="http://schemas.microsoft.com/office/drawing/2014/main" id="{2434FDB2-013E-496F-8E7A-D676C551162F}"/>
+                <a16:creationId xmlns:a16="http://schemas.microsoft.com/office/drawing/2014/main" xmlns="" id="{2434FDB2-013E-496F-8E7A-D676C551162F}"/>
               </a:ext>
             </a:extLst>
           </p:cNvPr>
@@ -1360,7 +1361,7 @@
           <p:cNvPr id="3" name="Text Placeholder 2">
             <a:extLst>
               <a:ext uri="{FF2B5EF4-FFF2-40B4-BE49-F238E27FC236}">
-                <a16:creationId xmlns:a16="http://schemas.microsoft.com/office/drawing/2014/main" id="{9C582A67-F8EE-4C15-8047-358BB0613728}"/>
+                <a16:creationId xmlns:a16="http://schemas.microsoft.com/office/drawing/2014/main" xmlns="" id="{9C582A67-F8EE-4C15-8047-358BB0613728}"/>
               </a:ext>
             </a:extLst>
           </p:cNvPr>
@@ -1485,7 +1486,7 @@
           <p:cNvPr id="4" name="Date Placeholder 3">
             <a:extLst>
               <a:ext uri="{FF2B5EF4-FFF2-40B4-BE49-F238E27FC236}">
-                <a16:creationId xmlns:a16="http://schemas.microsoft.com/office/drawing/2014/main" id="{3DF38A6E-825C-413D-857E-76E5F5F2C2CA}"/>
+                <a16:creationId xmlns:a16="http://schemas.microsoft.com/office/drawing/2014/main" xmlns="" id="{3DF38A6E-825C-413D-857E-76E5F5F2C2CA}"/>
               </a:ext>
             </a:extLst>
           </p:cNvPr>
@@ -1503,7 +1504,7 @@
           <a:p>
             <a:fld id="{E545A7EA-FF69-47F6-ADCD-E76E3E63F166}" type="datetime1">
               <a:rPr lang="en-US" smtClean="0"/>
-              <a:t>2018-06-09</a:t>
+              <a:t>6/14/2018</a:t>
             </a:fld>
             <a:endParaRPr lang="en-US"/>
           </a:p>
@@ -1514,7 +1515,7 @@
           <p:cNvPr id="5" name="Footer Placeholder 4">
             <a:extLst>
               <a:ext uri="{FF2B5EF4-FFF2-40B4-BE49-F238E27FC236}">
-                <a16:creationId xmlns:a16="http://schemas.microsoft.com/office/drawing/2014/main" id="{421B2557-2E8D-4DA0-93F2-DA90DBB1BC61}"/>
+                <a16:creationId xmlns:a16="http://schemas.microsoft.com/office/drawing/2014/main" xmlns="" id="{421B2557-2E8D-4DA0-93F2-DA90DBB1BC61}"/>
               </a:ext>
             </a:extLst>
           </p:cNvPr>
@@ -1539,7 +1540,7 @@
           <p:cNvPr id="6" name="Slide Number Placeholder 5">
             <a:extLst>
               <a:ext uri="{FF2B5EF4-FFF2-40B4-BE49-F238E27FC236}">
-                <a16:creationId xmlns:a16="http://schemas.microsoft.com/office/drawing/2014/main" id="{4F8D6723-B862-4392-9B34-DA1F0C5BD605}"/>
+                <a16:creationId xmlns:a16="http://schemas.microsoft.com/office/drawing/2014/main" xmlns="" id="{4F8D6723-B862-4392-9B34-DA1F0C5BD605}"/>
               </a:ext>
             </a:extLst>
           </p:cNvPr>
@@ -1598,7 +1599,7 @@
           <p:cNvPr id="2" name="Title 1">
             <a:extLst>
               <a:ext uri="{FF2B5EF4-FFF2-40B4-BE49-F238E27FC236}">
-                <a16:creationId xmlns:a16="http://schemas.microsoft.com/office/drawing/2014/main" id="{0D1FBECE-5208-403A-A111-2236D25B3B7E}"/>
+                <a16:creationId xmlns:a16="http://schemas.microsoft.com/office/drawing/2014/main" xmlns="" id="{0D1FBECE-5208-403A-A111-2236D25B3B7E}"/>
               </a:ext>
             </a:extLst>
           </p:cNvPr>
@@ -1626,7 +1627,7 @@
           <p:cNvPr id="3" name="Content Placeholder 2">
             <a:extLst>
               <a:ext uri="{FF2B5EF4-FFF2-40B4-BE49-F238E27FC236}">
-                <a16:creationId xmlns:a16="http://schemas.microsoft.com/office/drawing/2014/main" id="{71A9C6AB-9029-4DDF-BA51-446A6DA83AEE}"/>
+                <a16:creationId xmlns:a16="http://schemas.microsoft.com/office/drawing/2014/main" xmlns="" id="{71A9C6AB-9029-4DDF-BA51-446A6DA83AEE}"/>
               </a:ext>
             </a:extLst>
           </p:cNvPr>
@@ -1688,7 +1689,7 @@
           <p:cNvPr id="4" name="Content Placeholder 3">
             <a:extLst>
               <a:ext uri="{FF2B5EF4-FFF2-40B4-BE49-F238E27FC236}">
-                <a16:creationId xmlns:a16="http://schemas.microsoft.com/office/drawing/2014/main" id="{849B66CF-7860-4883-BA7A-E862CB19772F}"/>
+                <a16:creationId xmlns:a16="http://schemas.microsoft.com/office/drawing/2014/main" xmlns="" id="{849B66CF-7860-4883-BA7A-E862CB19772F}"/>
               </a:ext>
             </a:extLst>
           </p:cNvPr>
@@ -1750,7 +1751,7 @@
           <p:cNvPr id="5" name="Date Placeholder 4">
             <a:extLst>
               <a:ext uri="{FF2B5EF4-FFF2-40B4-BE49-F238E27FC236}">
-                <a16:creationId xmlns:a16="http://schemas.microsoft.com/office/drawing/2014/main" id="{297A641E-0446-4672-B5B7-FB9A9EEBB553}"/>
+                <a16:creationId xmlns:a16="http://schemas.microsoft.com/office/drawing/2014/main" xmlns="" id="{297A641E-0446-4672-B5B7-FB9A9EEBB553}"/>
               </a:ext>
             </a:extLst>
           </p:cNvPr>
@@ -1768,7 +1769,7 @@
           <a:p>
             <a:fld id="{46CFEEB6-3D85-494B-B154-427AFD02B3B7}" type="datetime1">
               <a:rPr lang="en-US" smtClean="0"/>
-              <a:t>2018-06-09</a:t>
+              <a:t>6/14/2018</a:t>
             </a:fld>
             <a:endParaRPr lang="en-US"/>
           </a:p>
@@ -1779,7 +1780,7 @@
           <p:cNvPr id="6" name="Footer Placeholder 5">
             <a:extLst>
               <a:ext uri="{FF2B5EF4-FFF2-40B4-BE49-F238E27FC236}">
-                <a16:creationId xmlns:a16="http://schemas.microsoft.com/office/drawing/2014/main" id="{C0F3360C-2180-4A1A-A7D9-2DCE602A0276}"/>
+                <a16:creationId xmlns:a16="http://schemas.microsoft.com/office/drawing/2014/main" xmlns="" id="{C0F3360C-2180-4A1A-A7D9-2DCE602A0276}"/>
               </a:ext>
             </a:extLst>
           </p:cNvPr>
@@ -1804,7 +1805,7 @@
           <p:cNvPr id="7" name="Slide Number Placeholder 6">
             <a:extLst>
               <a:ext uri="{FF2B5EF4-FFF2-40B4-BE49-F238E27FC236}">
-                <a16:creationId xmlns:a16="http://schemas.microsoft.com/office/drawing/2014/main" id="{5E0F5A7E-D761-4411-AD97-50F92BC60A2F}"/>
+                <a16:creationId xmlns:a16="http://schemas.microsoft.com/office/drawing/2014/main" xmlns="" id="{5E0F5A7E-D761-4411-AD97-50F92BC60A2F}"/>
               </a:ext>
             </a:extLst>
           </p:cNvPr>
@@ -1863,7 +1864,7 @@
           <p:cNvPr id="2" name="Title 1">
             <a:extLst>
               <a:ext uri="{FF2B5EF4-FFF2-40B4-BE49-F238E27FC236}">
-                <a16:creationId xmlns:a16="http://schemas.microsoft.com/office/drawing/2014/main" id="{DE5CE40F-0ECB-47CA-8F82-CAF3030DF66D}"/>
+                <a16:creationId xmlns:a16="http://schemas.microsoft.com/office/drawing/2014/main" xmlns="" id="{DE5CE40F-0ECB-47CA-8F82-CAF3030DF66D}"/>
               </a:ext>
             </a:extLst>
           </p:cNvPr>
@@ -1896,7 +1897,7 @@
           <p:cNvPr id="3" name="Text Placeholder 2">
             <a:extLst>
               <a:ext uri="{FF2B5EF4-FFF2-40B4-BE49-F238E27FC236}">
-                <a16:creationId xmlns:a16="http://schemas.microsoft.com/office/drawing/2014/main" id="{214914FD-B574-4485-883A-548E577D0743}"/>
+                <a16:creationId xmlns:a16="http://schemas.microsoft.com/office/drawing/2014/main" xmlns="" id="{214914FD-B574-4485-883A-548E577D0743}"/>
               </a:ext>
             </a:extLst>
           </p:cNvPr>
@@ -1967,7 +1968,7 @@
           <p:cNvPr id="4" name="Content Placeholder 3">
             <a:extLst>
               <a:ext uri="{FF2B5EF4-FFF2-40B4-BE49-F238E27FC236}">
-                <a16:creationId xmlns:a16="http://schemas.microsoft.com/office/drawing/2014/main" id="{989BBA9B-B513-464E-9790-8CA28E32233D}"/>
+                <a16:creationId xmlns:a16="http://schemas.microsoft.com/office/drawing/2014/main" xmlns="" id="{989BBA9B-B513-464E-9790-8CA28E32233D}"/>
               </a:ext>
             </a:extLst>
           </p:cNvPr>
@@ -2029,7 +2030,7 @@
           <p:cNvPr id="5" name="Text Placeholder 4">
             <a:extLst>
               <a:ext uri="{FF2B5EF4-FFF2-40B4-BE49-F238E27FC236}">
-                <a16:creationId xmlns:a16="http://schemas.microsoft.com/office/drawing/2014/main" id="{3698D818-8A63-4655-84F6-00FA20D6AA50}"/>
+                <a16:creationId xmlns:a16="http://schemas.microsoft.com/office/drawing/2014/main" xmlns="" id="{3698D818-8A63-4655-84F6-00FA20D6AA50}"/>
               </a:ext>
             </a:extLst>
           </p:cNvPr>
@@ -2100,7 +2101,7 @@
           <p:cNvPr id="6" name="Content Placeholder 5">
             <a:extLst>
               <a:ext uri="{FF2B5EF4-FFF2-40B4-BE49-F238E27FC236}">
-                <a16:creationId xmlns:a16="http://schemas.microsoft.com/office/drawing/2014/main" id="{A548AF45-424C-414B-AF55-243E07D642E7}"/>
+                <a16:creationId xmlns:a16="http://schemas.microsoft.com/office/drawing/2014/main" xmlns="" id="{A548AF45-424C-414B-AF55-243E07D642E7}"/>
               </a:ext>
             </a:extLst>
           </p:cNvPr>
@@ -2162,7 +2163,7 @@
           <p:cNvPr id="7" name="Date Placeholder 6">
             <a:extLst>
               <a:ext uri="{FF2B5EF4-FFF2-40B4-BE49-F238E27FC236}">
-                <a16:creationId xmlns:a16="http://schemas.microsoft.com/office/drawing/2014/main" id="{92CECCA3-A8C1-480B-AFA8-F16AFFB31D02}"/>
+                <a16:creationId xmlns:a16="http://schemas.microsoft.com/office/drawing/2014/main" xmlns="" id="{92CECCA3-A8C1-480B-AFA8-F16AFFB31D02}"/>
               </a:ext>
             </a:extLst>
           </p:cNvPr>
@@ -2180,7 +2181,7 @@
           <a:p>
             <a:fld id="{2AA2E3F6-0A3B-4054-A419-7B62F1D560DE}" type="datetime1">
               <a:rPr lang="en-US" smtClean="0"/>
-              <a:t>2018-06-09</a:t>
+              <a:t>6/14/2018</a:t>
             </a:fld>
             <a:endParaRPr lang="en-US"/>
           </a:p>
@@ -2191,7 +2192,7 @@
           <p:cNvPr id="8" name="Footer Placeholder 7">
             <a:extLst>
               <a:ext uri="{FF2B5EF4-FFF2-40B4-BE49-F238E27FC236}">
-                <a16:creationId xmlns:a16="http://schemas.microsoft.com/office/drawing/2014/main" id="{59AF528C-BBD8-4215-BB6F-B8E6BCA9ADCC}"/>
+                <a16:creationId xmlns:a16="http://schemas.microsoft.com/office/drawing/2014/main" xmlns="" id="{59AF528C-BBD8-4215-BB6F-B8E6BCA9ADCC}"/>
               </a:ext>
             </a:extLst>
           </p:cNvPr>
@@ -2216,7 +2217,7 @@
           <p:cNvPr id="9" name="Slide Number Placeholder 8">
             <a:extLst>
               <a:ext uri="{FF2B5EF4-FFF2-40B4-BE49-F238E27FC236}">
-                <a16:creationId xmlns:a16="http://schemas.microsoft.com/office/drawing/2014/main" id="{63146A49-D391-4BFC-8C42-300B60638823}"/>
+                <a16:creationId xmlns:a16="http://schemas.microsoft.com/office/drawing/2014/main" xmlns="" id="{63146A49-D391-4BFC-8C42-300B60638823}"/>
               </a:ext>
             </a:extLst>
           </p:cNvPr>
@@ -2275,7 +2276,7 @@
           <p:cNvPr id="2" name="Title 1">
             <a:extLst>
               <a:ext uri="{FF2B5EF4-FFF2-40B4-BE49-F238E27FC236}">
-                <a16:creationId xmlns:a16="http://schemas.microsoft.com/office/drawing/2014/main" id="{02754109-3E32-463F-B31A-D33E66AD121F}"/>
+                <a16:creationId xmlns:a16="http://schemas.microsoft.com/office/drawing/2014/main" xmlns="" id="{02754109-3E32-463F-B31A-D33E66AD121F}"/>
               </a:ext>
             </a:extLst>
           </p:cNvPr>
@@ -2303,7 +2304,7 @@
           <p:cNvPr id="3" name="Date Placeholder 2">
             <a:extLst>
               <a:ext uri="{FF2B5EF4-FFF2-40B4-BE49-F238E27FC236}">
-                <a16:creationId xmlns:a16="http://schemas.microsoft.com/office/drawing/2014/main" id="{9B2572D9-B39D-42EE-943D-E4B8422ED242}"/>
+                <a16:creationId xmlns:a16="http://schemas.microsoft.com/office/drawing/2014/main" xmlns="" id="{9B2572D9-B39D-42EE-943D-E4B8422ED242}"/>
               </a:ext>
             </a:extLst>
           </p:cNvPr>
@@ -2321,7 +2322,7 @@
           <a:p>
             <a:fld id="{8C1A956E-0202-42A6-9508-A8042A8B27C9}" type="datetime1">
               <a:rPr lang="en-US" smtClean="0"/>
-              <a:t>2018-06-09</a:t>
+              <a:t>6/14/2018</a:t>
             </a:fld>
             <a:endParaRPr lang="en-US"/>
           </a:p>
@@ -2332,7 +2333,7 @@
           <p:cNvPr id="4" name="Footer Placeholder 3">
             <a:extLst>
               <a:ext uri="{FF2B5EF4-FFF2-40B4-BE49-F238E27FC236}">
-                <a16:creationId xmlns:a16="http://schemas.microsoft.com/office/drawing/2014/main" id="{453151FC-2241-4C63-ACD5-BCBBC25171B8}"/>
+                <a16:creationId xmlns:a16="http://schemas.microsoft.com/office/drawing/2014/main" xmlns="" id="{453151FC-2241-4C63-ACD5-BCBBC25171B8}"/>
               </a:ext>
             </a:extLst>
           </p:cNvPr>
@@ -2357,7 +2358,7 @@
           <p:cNvPr id="5" name="Slide Number Placeholder 4">
             <a:extLst>
               <a:ext uri="{FF2B5EF4-FFF2-40B4-BE49-F238E27FC236}">
-                <a16:creationId xmlns:a16="http://schemas.microsoft.com/office/drawing/2014/main" id="{BB40EDFB-5756-4286-B7FE-0CC4F499EE8B}"/>
+                <a16:creationId xmlns:a16="http://schemas.microsoft.com/office/drawing/2014/main" xmlns="" id="{BB40EDFB-5756-4286-B7FE-0CC4F499EE8B}"/>
               </a:ext>
             </a:extLst>
           </p:cNvPr>
@@ -2416,7 +2417,7 @@
           <p:cNvPr id="2" name="Date Placeholder 1">
             <a:extLst>
               <a:ext uri="{FF2B5EF4-FFF2-40B4-BE49-F238E27FC236}">
-                <a16:creationId xmlns:a16="http://schemas.microsoft.com/office/drawing/2014/main" id="{25F32D01-08C7-4873-82A2-16AF12CC5B42}"/>
+                <a16:creationId xmlns:a16="http://schemas.microsoft.com/office/drawing/2014/main" xmlns="" id="{25F32D01-08C7-4873-82A2-16AF12CC5B42}"/>
               </a:ext>
             </a:extLst>
           </p:cNvPr>
@@ -2434,7 +2435,7 @@
           <a:p>
             <a:fld id="{FE554A80-ADD6-445E-9993-A6EF78831A09}" type="datetime1">
               <a:rPr lang="en-US" smtClean="0"/>
-              <a:t>2018-06-09</a:t>
+              <a:t>6/14/2018</a:t>
             </a:fld>
             <a:endParaRPr lang="en-US"/>
           </a:p>
@@ -2445,7 +2446,7 @@
           <p:cNvPr id="3" name="Footer Placeholder 2">
             <a:extLst>
               <a:ext uri="{FF2B5EF4-FFF2-40B4-BE49-F238E27FC236}">
-                <a16:creationId xmlns:a16="http://schemas.microsoft.com/office/drawing/2014/main" id="{2984EE88-EDBC-468E-861D-C1FC7550559D}"/>
+                <a16:creationId xmlns:a16="http://schemas.microsoft.com/office/drawing/2014/main" xmlns="" id="{2984EE88-EDBC-468E-861D-C1FC7550559D}"/>
               </a:ext>
             </a:extLst>
           </p:cNvPr>
@@ -2470,7 +2471,7 @@
           <p:cNvPr id="4" name="Slide Number Placeholder 3">
             <a:extLst>
               <a:ext uri="{FF2B5EF4-FFF2-40B4-BE49-F238E27FC236}">
-                <a16:creationId xmlns:a16="http://schemas.microsoft.com/office/drawing/2014/main" id="{9702F4E4-C254-499F-A78A-A306393B0829}"/>
+                <a16:creationId xmlns:a16="http://schemas.microsoft.com/office/drawing/2014/main" xmlns="" id="{9702F4E4-C254-499F-A78A-A306393B0829}"/>
               </a:ext>
             </a:extLst>
           </p:cNvPr>
@@ -2529,7 +2530,7 @@
           <p:cNvPr id="2" name="Title 1">
             <a:extLst>
               <a:ext uri="{FF2B5EF4-FFF2-40B4-BE49-F238E27FC236}">
-                <a16:creationId xmlns:a16="http://schemas.microsoft.com/office/drawing/2014/main" id="{7AFC9E8C-97D3-4616-AD6F-519AF96255DF}"/>
+                <a16:creationId xmlns:a16="http://schemas.microsoft.com/office/drawing/2014/main" xmlns="" id="{7AFC9E8C-97D3-4616-AD6F-519AF96255DF}"/>
               </a:ext>
             </a:extLst>
           </p:cNvPr>
@@ -2566,7 +2567,7 @@
           <p:cNvPr id="3" name="Content Placeholder 2">
             <a:extLst>
               <a:ext uri="{FF2B5EF4-FFF2-40B4-BE49-F238E27FC236}">
-                <a16:creationId xmlns:a16="http://schemas.microsoft.com/office/drawing/2014/main" id="{60E60501-9F25-44C9-996C-4E16215D6FA3}"/>
+                <a16:creationId xmlns:a16="http://schemas.microsoft.com/office/drawing/2014/main" xmlns="" id="{60E60501-9F25-44C9-996C-4E16215D6FA3}"/>
               </a:ext>
             </a:extLst>
           </p:cNvPr>
@@ -2656,7 +2657,7 @@
           <p:cNvPr id="4" name="Text Placeholder 3">
             <a:extLst>
               <a:ext uri="{FF2B5EF4-FFF2-40B4-BE49-F238E27FC236}">
-                <a16:creationId xmlns:a16="http://schemas.microsoft.com/office/drawing/2014/main" id="{0321E7F0-5884-4A79-90CF-FDD2756E4010}"/>
+                <a16:creationId xmlns:a16="http://schemas.microsoft.com/office/drawing/2014/main" xmlns="" id="{0321E7F0-5884-4A79-90CF-FDD2756E4010}"/>
               </a:ext>
             </a:extLst>
           </p:cNvPr>
@@ -2727,7 +2728,7 @@
           <p:cNvPr id="5" name="Date Placeholder 4">
             <a:extLst>
               <a:ext uri="{FF2B5EF4-FFF2-40B4-BE49-F238E27FC236}">
-                <a16:creationId xmlns:a16="http://schemas.microsoft.com/office/drawing/2014/main" id="{BA75671B-3B9C-4832-B65D-F9C39DAAB61A}"/>
+                <a16:creationId xmlns:a16="http://schemas.microsoft.com/office/drawing/2014/main" xmlns="" id="{BA75671B-3B9C-4832-B65D-F9C39DAAB61A}"/>
               </a:ext>
             </a:extLst>
           </p:cNvPr>
@@ -2745,7 +2746,7 @@
           <a:p>
             <a:fld id="{8941C3CA-3685-4485-BA74-B7C9991C1B9E}" type="datetime1">
               <a:rPr lang="en-US" smtClean="0"/>
-              <a:t>2018-06-09</a:t>
+              <a:t>6/14/2018</a:t>
             </a:fld>
             <a:endParaRPr lang="en-US"/>
           </a:p>
@@ -2756,7 +2757,7 @@
           <p:cNvPr id="6" name="Footer Placeholder 5">
             <a:extLst>
               <a:ext uri="{FF2B5EF4-FFF2-40B4-BE49-F238E27FC236}">
-                <a16:creationId xmlns:a16="http://schemas.microsoft.com/office/drawing/2014/main" id="{3F18E7B3-04E7-4950-A6B5-3E8DD45D8B2C}"/>
+                <a16:creationId xmlns:a16="http://schemas.microsoft.com/office/drawing/2014/main" xmlns="" id="{3F18E7B3-04E7-4950-A6B5-3E8DD45D8B2C}"/>
               </a:ext>
             </a:extLst>
           </p:cNvPr>
@@ -2781,7 +2782,7 @@
           <p:cNvPr id="7" name="Slide Number Placeholder 6">
             <a:extLst>
               <a:ext uri="{FF2B5EF4-FFF2-40B4-BE49-F238E27FC236}">
-                <a16:creationId xmlns:a16="http://schemas.microsoft.com/office/drawing/2014/main" id="{E81D7A9A-5168-41F8-8473-B40CB9411B9A}"/>
+                <a16:creationId xmlns:a16="http://schemas.microsoft.com/office/drawing/2014/main" xmlns="" id="{E81D7A9A-5168-41F8-8473-B40CB9411B9A}"/>
               </a:ext>
             </a:extLst>
           </p:cNvPr>
@@ -2840,7 +2841,7 @@
           <p:cNvPr id="2" name="Title 1">
             <a:extLst>
               <a:ext uri="{FF2B5EF4-FFF2-40B4-BE49-F238E27FC236}">
-                <a16:creationId xmlns:a16="http://schemas.microsoft.com/office/drawing/2014/main" id="{9428F0C2-93F4-46B4-A78B-DA7C9DF35FC8}"/>
+                <a16:creationId xmlns:a16="http://schemas.microsoft.com/office/drawing/2014/main" xmlns="" id="{9428F0C2-93F4-46B4-A78B-DA7C9DF35FC8}"/>
               </a:ext>
             </a:extLst>
           </p:cNvPr>
@@ -2877,7 +2878,7 @@
           <p:cNvPr id="3" name="Picture Placeholder 2">
             <a:extLst>
               <a:ext uri="{FF2B5EF4-FFF2-40B4-BE49-F238E27FC236}">
-                <a16:creationId xmlns:a16="http://schemas.microsoft.com/office/drawing/2014/main" id="{01EB6F4D-1239-4A60-952D-0BA462CF1119}"/>
+                <a16:creationId xmlns:a16="http://schemas.microsoft.com/office/drawing/2014/main" xmlns="" id="{01EB6F4D-1239-4A60-952D-0BA462CF1119}"/>
               </a:ext>
             </a:extLst>
           </p:cNvPr>
@@ -2944,7 +2945,7 @@
           <p:cNvPr id="4" name="Text Placeholder 3">
             <a:extLst>
               <a:ext uri="{FF2B5EF4-FFF2-40B4-BE49-F238E27FC236}">
-                <a16:creationId xmlns:a16="http://schemas.microsoft.com/office/drawing/2014/main" id="{9EC6A8C9-D537-44DD-8604-E4E5638900F7}"/>
+                <a16:creationId xmlns:a16="http://schemas.microsoft.com/office/drawing/2014/main" xmlns="" id="{9EC6A8C9-D537-44DD-8604-E4E5638900F7}"/>
               </a:ext>
             </a:extLst>
           </p:cNvPr>
@@ -3015,7 +3016,7 @@
           <p:cNvPr id="5" name="Date Placeholder 4">
             <a:extLst>
               <a:ext uri="{FF2B5EF4-FFF2-40B4-BE49-F238E27FC236}">
-                <a16:creationId xmlns:a16="http://schemas.microsoft.com/office/drawing/2014/main" id="{C1371EEC-01F3-460D-AAFA-3A7D44AB0059}"/>
+                <a16:creationId xmlns:a16="http://schemas.microsoft.com/office/drawing/2014/main" xmlns="" id="{C1371EEC-01F3-460D-AAFA-3A7D44AB0059}"/>
               </a:ext>
             </a:extLst>
           </p:cNvPr>
@@ -3033,7 +3034,7 @@
           <a:p>
             <a:fld id="{A6BFEED5-7A16-4460-9374-0E747D6194E2}" type="datetime1">
               <a:rPr lang="en-US" smtClean="0"/>
-              <a:t>2018-06-09</a:t>
+              <a:t>6/14/2018</a:t>
             </a:fld>
             <a:endParaRPr lang="en-US"/>
           </a:p>
@@ -3044,7 +3045,7 @@
           <p:cNvPr id="6" name="Footer Placeholder 5">
             <a:extLst>
               <a:ext uri="{FF2B5EF4-FFF2-40B4-BE49-F238E27FC236}">
-                <a16:creationId xmlns:a16="http://schemas.microsoft.com/office/drawing/2014/main" id="{83FA0B32-3038-4744-948C-A37858B8AA9E}"/>
+                <a16:creationId xmlns:a16="http://schemas.microsoft.com/office/drawing/2014/main" xmlns="" id="{83FA0B32-3038-4744-948C-A37858B8AA9E}"/>
               </a:ext>
             </a:extLst>
           </p:cNvPr>
@@ -3069,7 +3070,7 @@
           <p:cNvPr id="7" name="Slide Number Placeholder 6">
             <a:extLst>
               <a:ext uri="{FF2B5EF4-FFF2-40B4-BE49-F238E27FC236}">
-                <a16:creationId xmlns:a16="http://schemas.microsoft.com/office/drawing/2014/main" id="{4E3B4976-CF7C-43DE-9C7D-9F629014E5E9}"/>
+                <a16:creationId xmlns:a16="http://schemas.microsoft.com/office/drawing/2014/main" xmlns="" id="{4E3B4976-CF7C-43DE-9C7D-9F629014E5E9}"/>
               </a:ext>
             </a:extLst>
           </p:cNvPr>
@@ -3133,7 +3134,7 @@
           <p:cNvPr id="2" name="Title Placeholder 1">
             <a:extLst>
               <a:ext uri="{FF2B5EF4-FFF2-40B4-BE49-F238E27FC236}">
-                <a16:creationId xmlns:a16="http://schemas.microsoft.com/office/drawing/2014/main" id="{2FFFB7CD-426F-4C20-9399-DD7DB52D8AF2}"/>
+                <a16:creationId xmlns:a16="http://schemas.microsoft.com/office/drawing/2014/main" xmlns="" id="{2FFFB7CD-426F-4C20-9399-DD7DB52D8AF2}"/>
               </a:ext>
             </a:extLst>
           </p:cNvPr>
@@ -3171,7 +3172,7 @@
           <p:cNvPr id="3" name="Text Placeholder 2">
             <a:extLst>
               <a:ext uri="{FF2B5EF4-FFF2-40B4-BE49-F238E27FC236}">
-                <a16:creationId xmlns:a16="http://schemas.microsoft.com/office/drawing/2014/main" id="{904E40D9-9BF1-4382-8414-B6B84608E6A7}"/>
+                <a16:creationId xmlns:a16="http://schemas.microsoft.com/office/drawing/2014/main" xmlns="" id="{904E40D9-9BF1-4382-8414-B6B84608E6A7}"/>
               </a:ext>
             </a:extLst>
           </p:cNvPr>
@@ -3238,7 +3239,7 @@
           <p:cNvPr id="4" name="Date Placeholder 3">
             <a:extLst>
               <a:ext uri="{FF2B5EF4-FFF2-40B4-BE49-F238E27FC236}">
-                <a16:creationId xmlns:a16="http://schemas.microsoft.com/office/drawing/2014/main" id="{BEF48FD6-649B-491A-94B0-9A893F77D7D1}"/>
+                <a16:creationId xmlns:a16="http://schemas.microsoft.com/office/drawing/2014/main" xmlns="" id="{BEF48FD6-649B-491A-94B0-9A893F77D7D1}"/>
               </a:ext>
             </a:extLst>
           </p:cNvPr>
@@ -3274,7 +3275,7 @@
           <a:p>
             <a:fld id="{FA19ED7F-22E5-4B0B-91DA-4A3415C57516}" type="datetime1">
               <a:rPr lang="en-US" smtClean="0"/>
-              <a:t>2018-06-09</a:t>
+              <a:t>6/14/2018</a:t>
             </a:fld>
             <a:endParaRPr lang="en-US"/>
           </a:p>
@@ -3285,7 +3286,7 @@
           <p:cNvPr id="5" name="Footer Placeholder 4">
             <a:extLst>
               <a:ext uri="{FF2B5EF4-FFF2-40B4-BE49-F238E27FC236}">
-                <a16:creationId xmlns:a16="http://schemas.microsoft.com/office/drawing/2014/main" id="{0F27A3A1-DD90-41EF-AAD3-FD0CA9471F69}"/>
+                <a16:creationId xmlns:a16="http://schemas.microsoft.com/office/drawing/2014/main" xmlns="" id="{0F27A3A1-DD90-41EF-AAD3-FD0CA9471F69}"/>
               </a:ext>
             </a:extLst>
           </p:cNvPr>
@@ -3328,7 +3329,7 @@
           <p:cNvPr id="6" name="Slide Number Placeholder 5">
             <a:extLst>
               <a:ext uri="{FF2B5EF4-FFF2-40B4-BE49-F238E27FC236}">
-                <a16:creationId xmlns:a16="http://schemas.microsoft.com/office/drawing/2014/main" id="{762AE62F-64EA-49B8-9723-04D3BFFCC9BC}"/>
+                <a16:creationId xmlns:a16="http://schemas.microsoft.com/office/drawing/2014/main" xmlns="" id="{762AE62F-64EA-49B8-9723-04D3BFFCC9BC}"/>
               </a:ext>
             </a:extLst>
           </p:cNvPr>
@@ -3705,7 +3706,7 @@
           <p:cNvPr id="7" name="Content Placeholder 6">
             <a:extLst>
               <a:ext uri="{FF2B5EF4-FFF2-40B4-BE49-F238E27FC236}">
-                <a16:creationId xmlns:a16="http://schemas.microsoft.com/office/drawing/2014/main" id="{CFC72FEF-C4BA-4410-84E8-313801FFA2EA}"/>
+                <a16:creationId xmlns:a16="http://schemas.microsoft.com/office/drawing/2014/main" xmlns="" id="{CFC72FEF-C4BA-4410-84E8-313801FFA2EA}"/>
               </a:ext>
             </a:extLst>
           </p:cNvPr>
@@ -3717,7 +3718,7 @@
           </p:nvPr>
         </p:nvPicPr>
         <p:blipFill rotWithShape="1">
-          <a:blip r:embed="rId2">
+          <a:blip r:embed="rId2" cstate="print">
             <a:extLst>
               <a:ext uri="{28A0092B-C50C-407E-A947-70E740481C1C}">
                 <a14:useLocalDpi xmlns:a14="http://schemas.microsoft.com/office/drawing/2010/main" val="0"/>
@@ -3742,7 +3743,7 @@
           <p:cNvPr id="9" name="TextBox 8">
             <a:extLst>
               <a:ext uri="{FF2B5EF4-FFF2-40B4-BE49-F238E27FC236}">
-                <a16:creationId xmlns:a16="http://schemas.microsoft.com/office/drawing/2014/main" id="{43A25748-3B98-4F16-9F24-8FBF766C6882}"/>
+                <a16:creationId xmlns:a16="http://schemas.microsoft.com/office/drawing/2014/main" xmlns="" id="{43A25748-3B98-4F16-9F24-8FBF766C6882}"/>
               </a:ext>
             </a:extLst>
           </p:cNvPr>
@@ -3786,7 +3787,7 @@
           <p:cNvPr id="2" name="TextBox 1">
             <a:extLst>
               <a:ext uri="{FF2B5EF4-FFF2-40B4-BE49-F238E27FC236}">
-                <a16:creationId xmlns:a16="http://schemas.microsoft.com/office/drawing/2014/main" id="{5BF15D47-443A-41D8-A9F2-5A3E0C8A4515}"/>
+                <a16:creationId xmlns:a16="http://schemas.microsoft.com/office/drawing/2014/main" xmlns="" id="{5BF15D47-443A-41D8-A9F2-5A3E0C8A4515}"/>
               </a:ext>
             </a:extLst>
           </p:cNvPr>
@@ -3839,7 +3840,7 @@
           <p:cNvPr id="3" name="Slide Number Placeholder 2">
             <a:extLst>
               <a:ext uri="{FF2B5EF4-FFF2-40B4-BE49-F238E27FC236}">
-                <a16:creationId xmlns:a16="http://schemas.microsoft.com/office/drawing/2014/main" id="{B1685FDF-E66E-45D3-8BA8-994F76FF7D90}"/>
+                <a16:creationId xmlns:a16="http://schemas.microsoft.com/office/drawing/2014/main" xmlns="" id="{B1685FDF-E66E-45D3-8BA8-994F76FF7D90}"/>
               </a:ext>
             </a:extLst>
           </p:cNvPr>
@@ -3860,6 +3861,89 @@
               <a:t>1</a:t>
             </a:fld>
             <a:endParaRPr lang="en-US"/>
+          </a:p>
+        </p:txBody>
+      </p:sp>
+      <p:sp>
+        <p:nvSpPr>
+          <p:cNvPr id="4" name="Rectangle 3"/>
+          <p:cNvSpPr/>
+          <p:nvPr/>
+        </p:nvSpPr>
+        <p:spPr>
+          <a:xfrm>
+            <a:off x="0" y="6654055"/>
+            <a:ext cx="1270000" cy="153888"/>
+          </a:xfrm>
+          <a:prstGeom prst="rect">
+            <a:avLst/>
+          </a:prstGeom>
+          <a:noFill/>
+          <a:ln w="12700" cap="flat" cmpd="sng" algn="ctr">
+            <a:noFill/>
+            <a:prstDash val="solid"/>
+            <a:miter lim="800000"/>
+          </a:ln>
+          <a:effectLst/>
+          <a:extLst>
+            <a:ext uri="{909E8E84-426E-40DD-AFC4-6F175D3DCCD1}">
+              <a14:hiddenFill xmlns:a14="http://schemas.microsoft.com/office/drawing/2010/main">
+                <a:solidFill>
+                  <a:schemeClr val="accent1"/>
+                </a:solidFill>
+              </a14:hiddenFill>
+            </a:ext>
+            <a:ext uri="{91240B29-F687-4F45-9708-019B960494DF}">
+              <a14:hiddenLine xmlns:a14="http://schemas.microsoft.com/office/drawing/2010/main" w="12700" cap="flat" cmpd="sng" algn="ctr">
+                <a:solidFill>
+                  <a:schemeClr val="accent1">
+                    <a:shade val="50000"/>
+                  </a:schemeClr>
+                </a:solidFill>
+                <a:prstDash val="solid"/>
+                <a:miter lim="800000"/>
+              </a14:hiddenLine>
+            </a:ext>
+          </a:extLst>
+        </p:spPr>
+        <p:style>
+          <a:lnRef idx="2">
+            <a:schemeClr val="accent1">
+              <a:shade val="50000"/>
+            </a:schemeClr>
+          </a:lnRef>
+          <a:fillRef idx="1">
+            <a:schemeClr val="accent1"/>
+          </a:fillRef>
+          <a:effectRef idx="0">
+            <a:schemeClr val="accent1"/>
+          </a:effectRef>
+          <a:fontRef idx="minor">
+            <a:schemeClr val="lt1"/>
+          </a:fontRef>
+        </p:style>
+        <p:txBody>
+          <a:bodyPr lIns="0" tIns="0" rIns="0" bIns="0" rtlCol="0" anchor="ctr">
+            <a:spAutoFit/>
+          </a:bodyPr>
+          <a:lstStyle/>
+          <a:p>
+            <a:pPr algn="ctr"/>
+            <a:r>
+              <a:rPr lang="en-US" sz="1000" smtClean="0">
+                <a:solidFill>
+                  <a:srgbClr val="000000"/>
+                </a:solidFill>
+                <a:latin typeface="Arial"/>
+              </a:rPr>
+              <a:t>Unrestricted</a:t>
+            </a:r>
+            <a:endParaRPr lang="en-US" sz="1000">
+              <a:solidFill>
+                <a:srgbClr val="000000"/>
+              </a:solidFill>
+              <a:latin typeface="Arial"/>
+            </a:endParaRPr>
           </a:p>
         </p:txBody>
       </p:sp>
@@ -3901,311 +3985,12 @@
           <a:chExt cx="0" cy="0"/>
         </a:xfrm>
       </p:grpSpPr>
-      <p:pic>
-        <p:nvPicPr>
-          <p:cNvPr id="5" name="Content Placeholder 4">
-            <a:extLst>
-              <a:ext uri="{FF2B5EF4-FFF2-40B4-BE49-F238E27FC236}">
-                <a16:creationId xmlns:a16="http://schemas.microsoft.com/office/drawing/2014/main" id="{F8543FED-E0BC-4FF4-A698-3D27C50D42A6}"/>
-              </a:ext>
-            </a:extLst>
-          </p:cNvPr>
-          <p:cNvPicPr>
-            <a:picLocks noGrp="1" noChangeAspect="1"/>
-          </p:cNvPicPr>
-          <p:nvPr>
-            <p:ph idx="1"/>
-          </p:nvPr>
-        </p:nvPicPr>
-        <p:blipFill rotWithShape="1">
-          <a:blip r:embed="rId2">
-            <a:extLst>
-              <a:ext uri="{28A0092B-C50C-407E-A947-70E740481C1C}">
-                <a14:useLocalDpi xmlns:a14="http://schemas.microsoft.com/office/drawing/2010/main" val="0"/>
-              </a:ext>
-            </a:extLst>
-          </a:blip>
-          <a:srcRect t="11555" b="3539"/>
-          <a:stretch/>
-        </p:blipFill>
-        <p:spPr>
-          <a:xfrm>
-            <a:off x="20" y="10"/>
-            <a:ext cx="12191980" cy="6857990"/>
-          </a:xfrm>
-          <a:prstGeom prst="rect">
-            <a:avLst/>
-          </a:prstGeom>
-        </p:spPr>
-      </p:pic>
-      <p:sp>
-        <p:nvSpPr>
-          <p:cNvPr id="6" name="TextBox 5">
-            <a:extLst>
-              <a:ext uri="{FF2B5EF4-FFF2-40B4-BE49-F238E27FC236}">
-                <a16:creationId xmlns:a16="http://schemas.microsoft.com/office/drawing/2014/main" id="{5D3716D6-1E68-4EEB-9AAA-025CC0276E8F}"/>
-              </a:ext>
-            </a:extLst>
-          </p:cNvPr>
-          <p:cNvSpPr txBox="1"/>
-          <p:nvPr/>
-        </p:nvSpPr>
-        <p:spPr>
-          <a:xfrm>
-            <a:off x="8341122" y="496651"/>
-            <a:ext cx="3638843" cy="2123658"/>
-          </a:xfrm>
-          <a:prstGeom prst="rect">
-            <a:avLst/>
-          </a:prstGeom>
-          <a:noFill/>
-        </p:spPr>
-        <p:txBody>
-          <a:bodyPr wrap="square" rtlCol="0">
-            <a:spAutoFit/>
-          </a:bodyPr>
-          <a:lstStyle/>
-          <a:p>
-            <a:pPr algn="ctr"/>
-            <a:r>
-              <a:rPr lang="en-US" sz="4400" dirty="0">
-                <a:latin typeface="Gentium Plus" panose="02000503060000020004" pitchFamily="2" charset="0"/>
-                <a:ea typeface="Gentium Plus" panose="02000503060000020004" pitchFamily="2" charset="0"/>
-                <a:cs typeface="Gentium Plus" panose="02000503060000020004" pitchFamily="2" charset="0"/>
-              </a:rPr>
-              <a:t>Happy to answer any questions</a:t>
-            </a:r>
-          </a:p>
-        </p:txBody>
-      </p:sp>
-      <p:sp>
-        <p:nvSpPr>
-          <p:cNvPr id="8" name="TextBox 7">
-            <a:extLst>
-              <a:ext uri="{FF2B5EF4-FFF2-40B4-BE49-F238E27FC236}">
-                <a16:creationId xmlns:a16="http://schemas.microsoft.com/office/drawing/2014/main" id="{C4C05293-EF7E-453E-BE63-9CB47BA8E04E}"/>
-              </a:ext>
-            </a:extLst>
-          </p:cNvPr>
-          <p:cNvSpPr txBox="1"/>
-          <p:nvPr/>
-        </p:nvSpPr>
-        <p:spPr>
-          <a:xfrm>
-            <a:off x="7934177" y="5534561"/>
-            <a:ext cx="4452731" cy="1323439"/>
-          </a:xfrm>
-          <a:prstGeom prst="rect">
-            <a:avLst/>
-          </a:prstGeom>
-          <a:noFill/>
-        </p:spPr>
-        <p:txBody>
-          <a:bodyPr wrap="square" rtlCol="0">
-            <a:spAutoFit/>
-          </a:bodyPr>
-          <a:lstStyle/>
-          <a:p>
-            <a:pPr algn="ctr"/>
-            <a:r>
-              <a:rPr lang="en-US" sz="1600" dirty="0">
-                <a:latin typeface="Gentium Plus" panose="02000503060000020004" pitchFamily="2" charset="0"/>
-                <a:ea typeface="Gentium Plus" panose="02000503060000020004" pitchFamily="2" charset="0"/>
-                <a:cs typeface="Gentium Plus" panose="02000503060000020004" pitchFamily="2" charset="0"/>
-              </a:rPr>
-              <a:t>Title by Patrick Fore on </a:t>
-            </a:r>
-            <a:r>
-              <a:rPr lang="en-US" sz="1600" dirty="0" err="1">
-                <a:latin typeface="Gentium Plus" panose="02000503060000020004" pitchFamily="2" charset="0"/>
-                <a:ea typeface="Gentium Plus" panose="02000503060000020004" pitchFamily="2" charset="0"/>
-                <a:cs typeface="Gentium Plus" panose="02000503060000020004" pitchFamily="2" charset="0"/>
-              </a:rPr>
-              <a:t>Unsplash</a:t>
-            </a:r>
-            <a:endParaRPr lang="en-US" sz="1600" dirty="0">
-              <a:latin typeface="Gentium Plus" panose="02000503060000020004" pitchFamily="2" charset="0"/>
-              <a:ea typeface="Gentium Plus" panose="02000503060000020004" pitchFamily="2" charset="0"/>
-              <a:cs typeface="Gentium Plus" panose="02000503060000020004" pitchFamily="2" charset="0"/>
-            </a:endParaRPr>
-          </a:p>
-          <a:p>
-            <a:pPr algn="ctr"/>
-            <a:r>
-              <a:rPr lang="en-US" sz="1600" dirty="0">
-                <a:latin typeface="Gentium Plus" panose="02000503060000020004" pitchFamily="2" charset="0"/>
-                <a:ea typeface="Gentium Plus" panose="02000503060000020004" pitchFamily="2" charset="0"/>
-                <a:cs typeface="Gentium Plus" panose="02000503060000020004" pitchFamily="2" charset="0"/>
-              </a:rPr>
-              <a:t>Bottles by Adam Wilson on </a:t>
-            </a:r>
-            <a:r>
-              <a:rPr lang="en-US" sz="1600" dirty="0" err="1">
-                <a:latin typeface="Gentium Plus" panose="02000503060000020004" pitchFamily="2" charset="0"/>
-                <a:ea typeface="Gentium Plus" panose="02000503060000020004" pitchFamily="2" charset="0"/>
-                <a:cs typeface="Gentium Plus" panose="02000503060000020004" pitchFamily="2" charset="0"/>
-              </a:rPr>
-              <a:t>Unsplash</a:t>
-            </a:r>
-            <a:endParaRPr lang="en-US" sz="1600" dirty="0">
-              <a:latin typeface="Gentium Plus" panose="02000503060000020004" pitchFamily="2" charset="0"/>
-              <a:ea typeface="Gentium Plus" panose="02000503060000020004" pitchFamily="2" charset="0"/>
-              <a:cs typeface="Gentium Plus" panose="02000503060000020004" pitchFamily="2" charset="0"/>
-            </a:endParaRPr>
-          </a:p>
-          <a:p>
-            <a:pPr algn="ctr"/>
-            <a:r>
-              <a:rPr lang="en-US" sz="1600" dirty="0">
-                <a:latin typeface="Gentium Plus" panose="02000503060000020004" pitchFamily="2" charset="0"/>
-                <a:ea typeface="Gentium Plus" panose="02000503060000020004" pitchFamily="2" charset="0"/>
-                <a:cs typeface="Gentium Plus" panose="02000503060000020004" pitchFamily="2" charset="0"/>
-              </a:rPr>
-              <a:t>Brewery by Jeff Frank on </a:t>
-            </a:r>
-            <a:r>
-              <a:rPr lang="en-US" sz="1600" dirty="0" err="1">
-                <a:latin typeface="Gentium Plus" panose="02000503060000020004" pitchFamily="2" charset="0"/>
-                <a:ea typeface="Gentium Plus" panose="02000503060000020004" pitchFamily="2" charset="0"/>
-                <a:cs typeface="Gentium Plus" panose="02000503060000020004" pitchFamily="2" charset="0"/>
-              </a:rPr>
-              <a:t>Unsplash</a:t>
-            </a:r>
-            <a:endParaRPr lang="en-US" sz="1600" dirty="0">
-              <a:latin typeface="Gentium Plus" panose="02000503060000020004" pitchFamily="2" charset="0"/>
-              <a:ea typeface="Gentium Plus" panose="02000503060000020004" pitchFamily="2" charset="0"/>
-              <a:cs typeface="Gentium Plus" panose="02000503060000020004" pitchFamily="2" charset="0"/>
-            </a:endParaRPr>
-          </a:p>
-          <a:p>
-            <a:pPr algn="ctr"/>
-            <a:r>
-              <a:rPr lang="en-US" sz="1600" dirty="0">
-                <a:latin typeface="Gentium Plus" panose="02000503060000020004" pitchFamily="2" charset="0"/>
-                <a:ea typeface="Gentium Plus" panose="02000503060000020004" pitchFamily="2" charset="0"/>
-                <a:cs typeface="Gentium Plus" panose="02000503060000020004" pitchFamily="2" charset="0"/>
-              </a:rPr>
-              <a:t>Hydrometer by David </a:t>
-            </a:r>
-            <a:r>
-              <a:rPr lang="en-US" sz="1600" dirty="0" err="1">
-                <a:latin typeface="Gentium Plus" panose="02000503060000020004" pitchFamily="2" charset="0"/>
-                <a:ea typeface="Gentium Plus" panose="02000503060000020004" pitchFamily="2" charset="0"/>
-                <a:cs typeface="Gentium Plus" panose="02000503060000020004" pitchFamily="2" charset="0"/>
-              </a:rPr>
-              <a:t>Blaikie</a:t>
-            </a:r>
-            <a:endParaRPr lang="en-US" sz="1600" dirty="0">
-              <a:latin typeface="Gentium Plus" panose="02000503060000020004" pitchFamily="2" charset="0"/>
-              <a:ea typeface="Gentium Plus" panose="02000503060000020004" pitchFamily="2" charset="0"/>
-              <a:cs typeface="Gentium Plus" panose="02000503060000020004" pitchFamily="2" charset="0"/>
-            </a:endParaRPr>
-          </a:p>
-          <a:p>
-            <a:pPr algn="ctr"/>
-            <a:r>
-              <a:rPr lang="en-US" sz="1600" dirty="0">
-                <a:latin typeface="Gentium Plus" panose="02000503060000020004" pitchFamily="2" charset="0"/>
-                <a:ea typeface="Gentium Plus" panose="02000503060000020004" pitchFamily="2" charset="0"/>
-                <a:cs typeface="Gentium Plus" panose="02000503060000020004" pitchFamily="2" charset="0"/>
-              </a:rPr>
-              <a:t>Closing Beer by Lukas from </a:t>
-            </a:r>
-            <a:r>
-              <a:rPr lang="en-US" sz="1600" dirty="0" err="1">
-                <a:latin typeface="Gentium Plus" panose="02000503060000020004" pitchFamily="2" charset="0"/>
-                <a:ea typeface="Gentium Plus" panose="02000503060000020004" pitchFamily="2" charset="0"/>
-                <a:cs typeface="Gentium Plus" panose="02000503060000020004" pitchFamily="2" charset="0"/>
-              </a:rPr>
-              <a:t>Pexels</a:t>
-            </a:r>
-            <a:r>
-              <a:rPr lang="en-US" sz="1600" dirty="0">
-                <a:latin typeface="Gentium Plus" panose="02000503060000020004" pitchFamily="2" charset="0"/>
-                <a:ea typeface="Gentium Plus" panose="02000503060000020004" pitchFamily="2" charset="0"/>
-                <a:cs typeface="Gentium Plus" panose="02000503060000020004" pitchFamily="2" charset="0"/>
-              </a:rPr>
-              <a:t> </a:t>
-            </a:r>
-          </a:p>
-        </p:txBody>
-      </p:sp>
-      <p:sp>
-        <p:nvSpPr>
-          <p:cNvPr id="11" name="Slide Number Placeholder 10">
-            <a:extLst>
-              <a:ext uri="{FF2B5EF4-FFF2-40B4-BE49-F238E27FC236}">
-                <a16:creationId xmlns:a16="http://schemas.microsoft.com/office/drawing/2014/main" id="{DA4A6B65-96EA-41E4-89E8-778870DE7554}"/>
-              </a:ext>
-            </a:extLst>
-          </p:cNvPr>
-          <p:cNvSpPr>
-            <a:spLocks noGrp="1"/>
-          </p:cNvSpPr>
-          <p:nvPr>
-            <p:ph type="sldNum" sz="quarter" idx="12"/>
-          </p:nvPr>
-        </p:nvSpPr>
-        <p:spPr/>
-        <p:txBody>
-          <a:bodyPr/>
-          <a:lstStyle/>
-          <a:p>
-            <a:fld id="{F0CD063B-A75C-4963-B39E-9F4A7E238D4B}" type="slidenum">
-              <a:rPr lang="en-US" smtClean="0"/>
-              <a:t>10</a:t>
-            </a:fld>
-            <a:endParaRPr lang="en-US"/>
-          </a:p>
-        </p:txBody>
-      </p:sp>
-    </p:spTree>
-    <p:extLst>
-      <p:ext uri="{BB962C8B-B14F-4D97-AF65-F5344CB8AC3E}">
-        <p14:creationId xmlns:p14="http://schemas.microsoft.com/office/powerpoint/2010/main" val="2858331874"/>
-      </p:ext>
-    </p:extLst>
-  </p:cSld>
-  <p:clrMapOvr>
-    <a:masterClrMapping/>
-  </p:clrMapOvr>
-</p:sld>
-</file>
-
-<file path=ppt/slides/slide2.xml><?xml version="1.0" encoding="utf-8"?>
-<p:sld xmlns:a="http://schemas.openxmlformats.org/drawingml/2006/main" xmlns:r="http://schemas.openxmlformats.org/officeDocument/2006/relationships" xmlns:p="http://schemas.openxmlformats.org/presentationml/2006/main">
-  <p:cSld>
-    <p:bg>
-      <p:bgPr>
-        <a:solidFill>
-          <a:schemeClr val="bg1">
-            <a:tint val="95000"/>
-            <a:satMod val="170000"/>
-          </a:schemeClr>
-        </a:solidFill>
-        <a:effectLst/>
-      </p:bgPr>
-    </p:bg>
-    <p:spTree>
-      <p:nvGrpSpPr>
-        <p:cNvPr id="1" name=""/>
-        <p:cNvGrpSpPr/>
-        <p:nvPr/>
-      </p:nvGrpSpPr>
-      <p:grpSpPr>
-        <a:xfrm>
-          <a:off x="0" y="0"/>
-          <a:ext cx="0" cy="0"/>
-          <a:chOff x="0" y="0"/>
-          <a:chExt cx="0" cy="0"/>
-        </a:xfrm>
-      </p:grpSpPr>
-      <p:sp>
-        <p:nvSpPr>
-          <p:cNvPr id="25" name="Freeform: Shape 22">
-            <a:extLst>
-              <a:ext uri="{FF2B5EF4-FFF2-40B4-BE49-F238E27FC236}">
-                <a16:creationId xmlns:a16="http://schemas.microsoft.com/office/drawing/2014/main" id="{1DB7C82F-AB7E-4F0C-B829-FA1B9C415180}"/>
+      <p:sp>
+        <p:nvSpPr>
+          <p:cNvPr id="14" name="Rectangle 13">
+            <a:extLst>
+              <a:ext uri="{FF2B5EF4-FFF2-40B4-BE49-F238E27FC236}">
+                <a16:creationId xmlns:a16="http://schemas.microsoft.com/office/drawing/2014/main" xmlns="" id="{9228552E-C8B1-4A80-8448-0787CE0FC704}"/>
               </a:ext>
               <a:ext uri="{C183D7F6-B498-43B3-948B-1728B52AA6E4}">
                 <adec:decorative xmlns="" xmlns:adec="http://schemas.microsoft.com/office/drawing/2017/decorative" val="1"/>
@@ -4218,2619 +4003,7 @@
           <p:nvPr>
             <p:extLst>
               <p:ext uri="{386F3935-93C4-4BCD-93E2-E3B085C9AB24}">
-                <p16:designElem xmlns:p16="http://schemas.microsoft.com/office/powerpoint/2015/main" val="1"/>
-              </p:ext>
-            </p:extLst>
-          </p:nvPr>
-        </p:nvSpPr>
-        <p:spPr>
-          <a:xfrm flipH="1">
-            <a:off x="0" y="0"/>
-            <a:ext cx="6172782" cy="6858000"/>
-          </a:xfrm>
-          <a:custGeom>
-            <a:avLst/>
-            <a:gdLst>
-              <a:gd name="connsiteX0" fmla="*/ 6172782 w 6172782"/>
-              <a:gd name="connsiteY0" fmla="*/ 0 h 6858000"/>
-              <a:gd name="connsiteX1" fmla="*/ 69075 w 6172782"/>
-              <a:gd name="connsiteY1" fmla="*/ 0 h 6858000"/>
-              <a:gd name="connsiteX2" fmla="*/ 35131 w 6172782"/>
-              <a:gd name="connsiteY2" fmla="*/ 267128 h 6858000"/>
-              <a:gd name="connsiteX3" fmla="*/ 0 w 6172782"/>
-              <a:gd name="connsiteY3" fmla="*/ 962845 h 6858000"/>
-              <a:gd name="connsiteX4" fmla="*/ 3276103 w 6172782"/>
-              <a:gd name="connsiteY4" fmla="*/ 6782205 h 6858000"/>
-              <a:gd name="connsiteX5" fmla="*/ 3407923 w 6172782"/>
-              <a:gd name="connsiteY5" fmla="*/ 6858000 h 6858000"/>
-              <a:gd name="connsiteX6" fmla="*/ 6172782 w 6172782"/>
-              <a:gd name="connsiteY6" fmla="*/ 6858000 h 6858000"/>
-            </a:gdLst>
-            <a:ahLst/>
-            <a:cxnLst>
-              <a:cxn ang="0">
-                <a:pos x="connsiteX0" y="connsiteY0"/>
-              </a:cxn>
-              <a:cxn ang="0">
-                <a:pos x="connsiteX1" y="connsiteY1"/>
-              </a:cxn>
-              <a:cxn ang="0">
-                <a:pos x="connsiteX2" y="connsiteY2"/>
-              </a:cxn>
-              <a:cxn ang="0">
-                <a:pos x="connsiteX3" y="connsiteY3"/>
-              </a:cxn>
-              <a:cxn ang="0">
-                <a:pos x="connsiteX4" y="connsiteY4"/>
-              </a:cxn>
-              <a:cxn ang="0">
-                <a:pos x="connsiteX5" y="connsiteY5"/>
-              </a:cxn>
-              <a:cxn ang="0">
-                <a:pos x="connsiteX6" y="connsiteY6"/>
-              </a:cxn>
-            </a:cxnLst>
-            <a:rect l="l" t="t" r="r" b="b"/>
-            <a:pathLst>
-              <a:path w="6172782" h="6858000">
-                <a:moveTo>
-                  <a:pt x="6172782" y="0"/>
-                </a:moveTo>
-                <a:lnTo>
-                  <a:pt x="69075" y="0"/>
-                </a:lnTo>
-                <a:lnTo>
-                  <a:pt x="35131" y="267128"/>
-                </a:lnTo>
-                <a:cubicBezTo>
-                  <a:pt x="11901" y="495874"/>
-                  <a:pt x="0" y="727970"/>
-                  <a:pt x="0" y="962845"/>
-                </a:cubicBezTo>
-                <a:cubicBezTo>
-                  <a:pt x="0" y="3429034"/>
-                  <a:pt x="1312002" y="5588789"/>
-                  <a:pt x="3276103" y="6782205"/>
-                </a:cubicBezTo>
-                <a:lnTo>
-                  <a:pt x="3407923" y="6858000"/>
-                </a:lnTo>
-                <a:lnTo>
-                  <a:pt x="6172782" y="6858000"/>
-                </a:lnTo>
-                <a:close/>
-              </a:path>
-            </a:pathLst>
-          </a:custGeom>
-          <a:solidFill>
-            <a:srgbClr val="FFFFFF">
-              <a:alpha val="80000"/>
-            </a:srgbClr>
-          </a:solidFill>
-          <a:ln>
-            <a:noFill/>
-          </a:ln>
-        </p:spPr>
-        <p:style>
-          <a:lnRef idx="2">
-            <a:schemeClr val="accent1">
-              <a:shade val="50000"/>
-            </a:schemeClr>
-          </a:lnRef>
-          <a:fillRef idx="1">
-            <a:schemeClr val="accent1"/>
-          </a:fillRef>
-          <a:effectRef idx="0">
-            <a:schemeClr val="accent1"/>
-          </a:effectRef>
-          <a:fontRef idx="minor">
-            <a:schemeClr val="lt1"/>
-          </a:fontRef>
-        </p:style>
-        <p:txBody>
-          <a:bodyPr wrap="square" rtlCol="0" anchor="ctr">
-            <a:noAutofit/>
-          </a:bodyPr>
-          <a:lstStyle/>
-          <a:p>
-            <a:pPr marL="0" marR="0" lvl="0" indent="0" algn="ctr" defTabSz="914400" rtl="0" eaLnBrk="1" fontAlgn="auto" latinLnBrk="0" hangingPunct="1">
-              <a:lnSpc>
-                <a:spcPct val="100000"/>
-              </a:lnSpc>
-              <a:spcBef>
-                <a:spcPts val="0"/>
-              </a:spcBef>
-              <a:spcAft>
-                <a:spcPts val="0"/>
-              </a:spcAft>
-              <a:buClrTx/>
-              <a:buSzTx/>
-              <a:buFontTx/>
-              <a:buNone/>
-              <a:tabLst/>
-              <a:defRPr/>
-            </a:pPr>
-            <a:endParaRPr kumimoji="0" lang="en-US" sz="1800" b="0" i="0" u="none" strike="noStrike" kern="1200" cap="none" spc="0" normalizeH="0" baseline="0" noProof="0">
-              <a:ln>
-                <a:noFill/>
-              </a:ln>
-              <a:solidFill>
-                <a:prstClr val="white"/>
-              </a:solidFill>
-              <a:effectLst/>
-              <a:uLnTx/>
-              <a:uFillTx/>
-              <a:latin typeface="Calibri" panose="020F0502020204030204"/>
-              <a:ea typeface="+mn-ea"/>
-              <a:cs typeface="+mn-cs"/>
-            </a:endParaRPr>
-          </a:p>
-        </p:txBody>
-      </p:sp>
-      <p:pic>
-        <p:nvPicPr>
-          <p:cNvPr id="9" name="Picture 8">
-            <a:extLst>
-              <a:ext uri="{FF2B5EF4-FFF2-40B4-BE49-F238E27FC236}">
-                <a16:creationId xmlns:a16="http://schemas.microsoft.com/office/drawing/2014/main" id="{20B3F4D5-5E4C-461C-9D24-07F9B7107452}"/>
-              </a:ext>
-            </a:extLst>
-          </p:cNvPr>
-          <p:cNvPicPr>
-            <a:picLocks noChangeAspect="1"/>
-          </p:cNvPicPr>
-          <p:nvPr/>
-        </p:nvPicPr>
-        <p:blipFill rotWithShape="1">
-          <a:blip r:embed="rId2">
-            <a:extLst>
-              <a:ext uri="{28A0092B-C50C-407E-A947-70E740481C1C}">
-                <a14:useLocalDpi xmlns:a14="http://schemas.microsoft.com/office/drawing/2010/main" val="0"/>
-              </a:ext>
-            </a:extLst>
-          </a:blip>
-          <a:srcRect t="15425" r="-1" b="8584"/>
-          <a:stretch/>
-        </p:blipFill>
-        <p:spPr>
-          <a:xfrm>
-            <a:off x="20" y="10"/>
-            <a:ext cx="6024134" cy="6857990"/>
-          </a:xfrm>
-          <a:custGeom>
-            <a:avLst/>
-            <a:gdLst>
-              <a:gd name="connsiteX0" fmla="*/ 0 w 6024154"/>
-              <a:gd name="connsiteY0" fmla="*/ 0 h 6858000"/>
-              <a:gd name="connsiteX1" fmla="*/ 5953780 w 6024154"/>
-              <a:gd name="connsiteY1" fmla="*/ 0 h 6858000"/>
-              <a:gd name="connsiteX2" fmla="*/ 5989880 w 6024154"/>
-              <a:gd name="connsiteY2" fmla="*/ 284091 h 6858000"/>
-              <a:gd name="connsiteX3" fmla="*/ 6024154 w 6024154"/>
-              <a:gd name="connsiteY3" fmla="*/ 962844 h 6858000"/>
-              <a:gd name="connsiteX4" fmla="*/ 2549934 w 6024154"/>
-              <a:gd name="connsiteY4" fmla="*/ 6800152 h 6858000"/>
-              <a:gd name="connsiteX5" fmla="*/ 2436987 w 6024154"/>
-              <a:gd name="connsiteY5" fmla="*/ 6858000 h 6858000"/>
-              <a:gd name="connsiteX6" fmla="*/ 0 w 6024154"/>
-              <a:gd name="connsiteY6" fmla="*/ 6858000 h 6858000"/>
-            </a:gdLst>
-            <a:ahLst/>
-            <a:cxnLst>
-              <a:cxn ang="0">
-                <a:pos x="connsiteX0" y="connsiteY0"/>
-              </a:cxn>
-              <a:cxn ang="0">
-                <a:pos x="connsiteX1" y="connsiteY1"/>
-              </a:cxn>
-              <a:cxn ang="0">
-                <a:pos x="connsiteX2" y="connsiteY2"/>
-              </a:cxn>
-              <a:cxn ang="0">
-                <a:pos x="connsiteX3" y="connsiteY3"/>
-              </a:cxn>
-              <a:cxn ang="0">
-                <a:pos x="connsiteX4" y="connsiteY4"/>
-              </a:cxn>
-              <a:cxn ang="0">
-                <a:pos x="connsiteX5" y="connsiteY5"/>
-              </a:cxn>
-              <a:cxn ang="0">
-                <a:pos x="connsiteX6" y="connsiteY6"/>
-              </a:cxn>
-            </a:cxnLst>
-            <a:rect l="l" t="t" r="r" b="b"/>
-            <a:pathLst>
-              <a:path w="6024154" h="6858000">
-                <a:moveTo>
-                  <a:pt x="0" y="0"/>
-                </a:moveTo>
-                <a:lnTo>
-                  <a:pt x="5953780" y="0"/>
-                </a:lnTo>
-                <a:lnTo>
-                  <a:pt x="5989880" y="284091"/>
-                </a:lnTo>
-                <a:cubicBezTo>
-                  <a:pt x="6012544" y="507260"/>
-                  <a:pt x="6024154" y="733696"/>
-                  <a:pt x="6024154" y="962844"/>
-                </a:cubicBezTo>
-                <a:cubicBezTo>
-                  <a:pt x="6024154" y="3483472"/>
-                  <a:pt x="4619336" y="5675986"/>
-                  <a:pt x="2549934" y="6800152"/>
-                </a:cubicBezTo>
-                <a:lnTo>
-                  <a:pt x="2436987" y="6858000"/>
-                </a:lnTo>
-                <a:lnTo>
-                  <a:pt x="0" y="6858000"/>
-                </a:lnTo>
-                <a:close/>
-              </a:path>
-            </a:pathLst>
-          </a:custGeom>
-        </p:spPr>
-      </p:pic>
-      <p:sp>
-        <p:nvSpPr>
-          <p:cNvPr id="2" name="Title 1">
-            <a:extLst>
-              <a:ext uri="{FF2B5EF4-FFF2-40B4-BE49-F238E27FC236}">
-                <a16:creationId xmlns:a16="http://schemas.microsoft.com/office/drawing/2014/main" id="{A0C37A88-286F-476A-AEFF-8C23C9DCA131}"/>
-              </a:ext>
-            </a:extLst>
-          </p:cNvPr>
-          <p:cNvSpPr>
-            <a:spLocks noGrp="1"/>
-          </p:cNvSpPr>
-          <p:nvPr>
-            <p:ph type="ctrTitle"/>
-          </p:nvPr>
-        </p:nvSpPr>
-        <p:spPr>
-          <a:xfrm>
-            <a:off x="6718492" y="2365589"/>
-            <a:ext cx="4645250" cy="2126821"/>
-          </a:xfrm>
-        </p:spPr>
-        <p:txBody>
-          <a:bodyPr anchor="b">
-            <a:normAutofit/>
-          </a:bodyPr>
-          <a:lstStyle/>
-          <a:p>
-            <a:pPr algn="l"/>
-            <a:r>
-              <a:rPr lang="en-US" sz="4800" b="1" dirty="0">
-                <a:latin typeface="Gentium Plus" panose="02000503060000020004" pitchFamily="2" charset="0"/>
-                <a:ea typeface="Gentium Plus" panose="02000503060000020004" pitchFamily="2" charset="0"/>
-                <a:cs typeface="Gentium Plus" panose="02000503060000020004" pitchFamily="2" charset="0"/>
-              </a:rPr>
-              <a:t>Thousands of liters of beer go wasted every day</a:t>
-            </a:r>
-          </a:p>
-        </p:txBody>
-      </p:sp>
-      <p:sp>
-        <p:nvSpPr>
-          <p:cNvPr id="3" name="Slide Number Placeholder 2">
-            <a:extLst>
-              <a:ext uri="{FF2B5EF4-FFF2-40B4-BE49-F238E27FC236}">
-                <a16:creationId xmlns:a16="http://schemas.microsoft.com/office/drawing/2014/main" id="{1F45ACDC-3FD7-417B-9181-993CE1AD66B3}"/>
-              </a:ext>
-            </a:extLst>
-          </p:cNvPr>
-          <p:cNvSpPr>
-            <a:spLocks noGrp="1"/>
-          </p:cNvSpPr>
-          <p:nvPr>
-            <p:ph type="sldNum" sz="quarter" idx="12"/>
-          </p:nvPr>
-        </p:nvSpPr>
-        <p:spPr/>
-        <p:txBody>
-          <a:bodyPr/>
-          <a:lstStyle/>
-          <a:p>
-            <a:fld id="{F0CD063B-A75C-4963-B39E-9F4A7E238D4B}" type="slidenum">
-              <a:rPr lang="en-US" smtClean="0"/>
-              <a:t>2</a:t>
-            </a:fld>
-            <a:endParaRPr lang="en-US"/>
-          </a:p>
-        </p:txBody>
-      </p:sp>
-    </p:spTree>
-    <p:extLst>
-      <p:ext uri="{BB962C8B-B14F-4D97-AF65-F5344CB8AC3E}">
-        <p14:creationId xmlns:p14="http://schemas.microsoft.com/office/powerpoint/2010/main" val="1650350091"/>
-      </p:ext>
-    </p:extLst>
-  </p:cSld>
-  <p:clrMapOvr>
-    <a:overrideClrMapping bg1="dk1" tx1="lt1" bg2="dk2" tx2="lt2" accent1="accent1" accent2="accent2" accent3="accent3" accent4="accent4" accent5="accent5" accent6="accent6" hlink="hlink" folHlink="folHlink"/>
-  </p:clrMapOvr>
-</p:sld>
-</file>
-
-<file path=ppt/slides/slide3.xml><?xml version="1.0" encoding="utf-8"?>
-<p:sld xmlns:a="http://schemas.openxmlformats.org/drawingml/2006/main" xmlns:r="http://schemas.openxmlformats.org/officeDocument/2006/relationships" xmlns:p="http://schemas.openxmlformats.org/presentationml/2006/main">
-  <p:cSld>
-    <p:bg>
-      <p:bgPr>
-        <a:solidFill>
-          <a:schemeClr val="bg1">
-            <a:tint val="95000"/>
-            <a:satMod val="170000"/>
-          </a:schemeClr>
-        </a:solidFill>
-        <a:effectLst/>
-      </p:bgPr>
-    </p:bg>
-    <p:spTree>
-      <p:nvGrpSpPr>
-        <p:cNvPr id="1" name=""/>
-        <p:cNvGrpSpPr/>
-        <p:nvPr/>
-      </p:nvGrpSpPr>
-      <p:grpSpPr>
-        <a:xfrm>
-          <a:off x="0" y="0"/>
-          <a:ext cx="0" cy="0"/>
-          <a:chOff x="0" y="0"/>
-          <a:chExt cx="0" cy="0"/>
-        </a:xfrm>
-      </p:grpSpPr>
-      <p:sp>
-        <p:nvSpPr>
-          <p:cNvPr id="30" name="Freeform: Shape 29">
-            <a:extLst>
-              <a:ext uri="{FF2B5EF4-FFF2-40B4-BE49-F238E27FC236}">
-                <a16:creationId xmlns:a16="http://schemas.microsoft.com/office/drawing/2014/main" id="{4F74D28C-3268-4E35-8EE1-D92CB4A85A7D}"/>
-              </a:ext>
-              <a:ext uri="{C183D7F6-B498-43B3-948B-1728B52AA6E4}">
-                <adec:decorative xmlns="" xmlns:adec="http://schemas.microsoft.com/office/drawing/2017/decorative" val="1"/>
-              </a:ext>
-            </a:extLst>
-          </p:cNvPr>
-          <p:cNvSpPr>
-            <a:spLocks noGrp="1" noRot="1" noChangeAspect="1" noMove="1" noResize="1" noEditPoints="1" noAdjustHandles="1" noChangeArrowheads="1" noChangeShapeType="1" noTextEdit="1"/>
-          </p:cNvSpPr>
-          <p:nvPr>
-            <p:extLst>
-              <p:ext uri="{386F3935-93C4-4BCD-93E2-E3B085C9AB24}">
-                <p16:designElem xmlns:p16="http://schemas.microsoft.com/office/powerpoint/2015/main" val="1"/>
-              </p:ext>
-            </p:extLst>
-          </p:nvPr>
-        </p:nvSpPr>
-        <p:spPr>
-          <a:xfrm>
-            <a:off x="6019218" y="0"/>
-            <a:ext cx="6172782" cy="6858000"/>
-          </a:xfrm>
-          <a:custGeom>
-            <a:avLst/>
-            <a:gdLst>
-              <a:gd name="connsiteX0" fmla="*/ 6172782 w 6172782"/>
-              <a:gd name="connsiteY0" fmla="*/ 0 h 6858000"/>
-              <a:gd name="connsiteX1" fmla="*/ 69075 w 6172782"/>
-              <a:gd name="connsiteY1" fmla="*/ 0 h 6858000"/>
-              <a:gd name="connsiteX2" fmla="*/ 35131 w 6172782"/>
-              <a:gd name="connsiteY2" fmla="*/ 267128 h 6858000"/>
-              <a:gd name="connsiteX3" fmla="*/ 0 w 6172782"/>
-              <a:gd name="connsiteY3" fmla="*/ 962845 h 6858000"/>
-              <a:gd name="connsiteX4" fmla="*/ 3276103 w 6172782"/>
-              <a:gd name="connsiteY4" fmla="*/ 6782205 h 6858000"/>
-              <a:gd name="connsiteX5" fmla="*/ 3407923 w 6172782"/>
-              <a:gd name="connsiteY5" fmla="*/ 6858000 h 6858000"/>
-              <a:gd name="connsiteX6" fmla="*/ 6172782 w 6172782"/>
-              <a:gd name="connsiteY6" fmla="*/ 6858000 h 6858000"/>
-            </a:gdLst>
-            <a:ahLst/>
-            <a:cxnLst>
-              <a:cxn ang="0">
-                <a:pos x="connsiteX0" y="connsiteY0"/>
-              </a:cxn>
-              <a:cxn ang="0">
-                <a:pos x="connsiteX1" y="connsiteY1"/>
-              </a:cxn>
-              <a:cxn ang="0">
-                <a:pos x="connsiteX2" y="connsiteY2"/>
-              </a:cxn>
-              <a:cxn ang="0">
-                <a:pos x="connsiteX3" y="connsiteY3"/>
-              </a:cxn>
-              <a:cxn ang="0">
-                <a:pos x="connsiteX4" y="connsiteY4"/>
-              </a:cxn>
-              <a:cxn ang="0">
-                <a:pos x="connsiteX5" y="connsiteY5"/>
-              </a:cxn>
-              <a:cxn ang="0">
-                <a:pos x="connsiteX6" y="connsiteY6"/>
-              </a:cxn>
-            </a:cxnLst>
-            <a:rect l="l" t="t" r="r" b="b"/>
-            <a:pathLst>
-              <a:path w="6172782" h="6858000">
-                <a:moveTo>
-                  <a:pt x="6172782" y="0"/>
-                </a:moveTo>
-                <a:lnTo>
-                  <a:pt x="69075" y="0"/>
-                </a:lnTo>
-                <a:lnTo>
-                  <a:pt x="35131" y="267128"/>
-                </a:lnTo>
-                <a:cubicBezTo>
-                  <a:pt x="11901" y="495874"/>
-                  <a:pt x="0" y="727970"/>
-                  <a:pt x="0" y="962845"/>
-                </a:cubicBezTo>
-                <a:cubicBezTo>
-                  <a:pt x="0" y="3429034"/>
-                  <a:pt x="1312002" y="5588789"/>
-                  <a:pt x="3276103" y="6782205"/>
-                </a:cubicBezTo>
-                <a:lnTo>
-                  <a:pt x="3407923" y="6858000"/>
-                </a:lnTo>
-                <a:lnTo>
-                  <a:pt x="6172782" y="6858000"/>
-                </a:lnTo>
-                <a:close/>
-              </a:path>
-            </a:pathLst>
-          </a:custGeom>
-          <a:solidFill>
-            <a:srgbClr val="FFFFFF">
-              <a:alpha val="80000"/>
-            </a:srgbClr>
-          </a:solidFill>
-          <a:ln>
-            <a:noFill/>
-          </a:ln>
-        </p:spPr>
-        <p:style>
-          <a:lnRef idx="2">
-            <a:schemeClr val="accent1">
-              <a:shade val="50000"/>
-            </a:schemeClr>
-          </a:lnRef>
-          <a:fillRef idx="1">
-            <a:schemeClr val="accent1"/>
-          </a:fillRef>
-          <a:effectRef idx="0">
-            <a:schemeClr val="accent1"/>
-          </a:effectRef>
-          <a:fontRef idx="minor">
-            <a:schemeClr val="lt1"/>
-          </a:fontRef>
-        </p:style>
-        <p:txBody>
-          <a:bodyPr wrap="square" rtlCol="0" anchor="ctr">
-            <a:noAutofit/>
-          </a:bodyPr>
-          <a:lstStyle/>
-          <a:p>
-            <a:pPr marL="0" marR="0" lvl="0" indent="0" algn="ctr" defTabSz="914400" rtl="0" eaLnBrk="1" fontAlgn="auto" latinLnBrk="0" hangingPunct="1">
-              <a:lnSpc>
-                <a:spcPct val="100000"/>
-              </a:lnSpc>
-              <a:spcBef>
-                <a:spcPts val="0"/>
-              </a:spcBef>
-              <a:spcAft>
-                <a:spcPts val="0"/>
-              </a:spcAft>
-              <a:buClrTx/>
-              <a:buSzTx/>
-              <a:buFontTx/>
-              <a:buNone/>
-              <a:tabLst/>
-              <a:defRPr/>
-            </a:pPr>
-            <a:endParaRPr kumimoji="0" lang="en-US" sz="1800" b="0" i="0" u="none" strike="noStrike" kern="1200" cap="none" spc="0" normalizeH="0" baseline="0" noProof="0">
-              <a:ln>
-                <a:noFill/>
-              </a:ln>
-              <a:solidFill>
-                <a:prstClr val="white"/>
-              </a:solidFill>
-              <a:effectLst/>
-              <a:uLnTx/>
-              <a:uFillTx/>
-              <a:latin typeface="Calibri" panose="020F0502020204030204"/>
-              <a:ea typeface="+mn-ea"/>
-              <a:cs typeface="+mn-cs"/>
-            </a:endParaRPr>
-          </a:p>
-        </p:txBody>
-      </p:sp>
-      <p:pic>
-        <p:nvPicPr>
-          <p:cNvPr id="16" name="Content Placeholder 8">
-            <a:extLst>
-              <a:ext uri="{FF2B5EF4-FFF2-40B4-BE49-F238E27FC236}">
-                <a16:creationId xmlns:a16="http://schemas.microsoft.com/office/drawing/2014/main" id="{D6FBD34D-F56C-46C8-B387-C5FB31FE07F8}"/>
-              </a:ext>
-            </a:extLst>
-          </p:cNvPr>
-          <p:cNvPicPr>
-            <a:picLocks noChangeAspect="1"/>
-          </p:cNvPicPr>
-          <p:nvPr/>
-        </p:nvPicPr>
-        <p:blipFill rotWithShape="1">
-          <a:blip r:embed="rId2">
-            <a:extLst>
-              <a:ext uri="{28A0092B-C50C-407E-A947-70E740481C1C}">
-                <a14:useLocalDpi xmlns:a14="http://schemas.microsoft.com/office/drawing/2010/main" val="0"/>
-              </a:ext>
-            </a:extLst>
-          </a:blip>
-          <a:srcRect t="2756" r="-1" b="20970"/>
-          <a:stretch/>
-        </p:blipFill>
-        <p:spPr>
-          <a:xfrm>
-            <a:off x="6167846" y="10"/>
-            <a:ext cx="6024154" cy="6857990"/>
-          </a:xfrm>
-          <a:custGeom>
-            <a:avLst/>
-            <a:gdLst>
-              <a:gd name="connsiteX0" fmla="*/ 70374 w 6024154"/>
-              <a:gd name="connsiteY0" fmla="*/ 0 h 6858000"/>
-              <a:gd name="connsiteX1" fmla="*/ 6024154 w 6024154"/>
-              <a:gd name="connsiteY1" fmla="*/ 0 h 6858000"/>
-              <a:gd name="connsiteX2" fmla="*/ 6024154 w 6024154"/>
-              <a:gd name="connsiteY2" fmla="*/ 6858000 h 6858000"/>
-              <a:gd name="connsiteX3" fmla="*/ 3587167 w 6024154"/>
-              <a:gd name="connsiteY3" fmla="*/ 6858000 h 6858000"/>
-              <a:gd name="connsiteX4" fmla="*/ 3474220 w 6024154"/>
-              <a:gd name="connsiteY4" fmla="*/ 6800152 h 6858000"/>
-              <a:gd name="connsiteX5" fmla="*/ 0 w 6024154"/>
-              <a:gd name="connsiteY5" fmla="*/ 962844 h 6858000"/>
-              <a:gd name="connsiteX6" fmla="*/ 34274 w 6024154"/>
-              <a:gd name="connsiteY6" fmla="*/ 284091 h 6858000"/>
-            </a:gdLst>
-            <a:ahLst/>
-            <a:cxnLst>
-              <a:cxn ang="0">
-                <a:pos x="connsiteX0" y="connsiteY0"/>
-              </a:cxn>
-              <a:cxn ang="0">
-                <a:pos x="connsiteX1" y="connsiteY1"/>
-              </a:cxn>
-              <a:cxn ang="0">
-                <a:pos x="connsiteX2" y="connsiteY2"/>
-              </a:cxn>
-              <a:cxn ang="0">
-                <a:pos x="connsiteX3" y="connsiteY3"/>
-              </a:cxn>
-              <a:cxn ang="0">
-                <a:pos x="connsiteX4" y="connsiteY4"/>
-              </a:cxn>
-              <a:cxn ang="0">
-                <a:pos x="connsiteX5" y="connsiteY5"/>
-              </a:cxn>
-              <a:cxn ang="0">
-                <a:pos x="connsiteX6" y="connsiteY6"/>
-              </a:cxn>
-            </a:cxnLst>
-            <a:rect l="l" t="t" r="r" b="b"/>
-            <a:pathLst>
-              <a:path w="6024154" h="6858000">
-                <a:moveTo>
-                  <a:pt x="70374" y="0"/>
-                </a:moveTo>
-                <a:lnTo>
-                  <a:pt x="6024154" y="0"/>
-                </a:lnTo>
-                <a:lnTo>
-                  <a:pt x="6024154" y="6858000"/>
-                </a:lnTo>
-                <a:lnTo>
-                  <a:pt x="3587167" y="6858000"/>
-                </a:lnTo>
-                <a:lnTo>
-                  <a:pt x="3474220" y="6800152"/>
-                </a:lnTo>
-                <a:cubicBezTo>
-                  <a:pt x="1404818" y="5675986"/>
-                  <a:pt x="0" y="3483472"/>
-                  <a:pt x="0" y="962844"/>
-                </a:cubicBezTo>
-                <a:cubicBezTo>
-                  <a:pt x="0" y="733696"/>
-                  <a:pt x="11610" y="507260"/>
-                  <a:pt x="34274" y="284091"/>
-                </a:cubicBezTo>
-                <a:close/>
-              </a:path>
-            </a:pathLst>
-          </a:custGeom>
-        </p:spPr>
-      </p:pic>
-      <p:sp>
-        <p:nvSpPr>
-          <p:cNvPr id="2" name="Title 1">
-            <a:extLst>
-              <a:ext uri="{FF2B5EF4-FFF2-40B4-BE49-F238E27FC236}">
-                <a16:creationId xmlns:a16="http://schemas.microsoft.com/office/drawing/2014/main" id="{1F2028E4-42B2-4520-B06C-255FB340C925}"/>
-              </a:ext>
-            </a:extLst>
-          </p:cNvPr>
-          <p:cNvSpPr>
-            <a:spLocks noGrp="1"/>
-          </p:cNvSpPr>
-          <p:nvPr>
-            <p:ph type="title"/>
-          </p:nvPr>
-        </p:nvSpPr>
-        <p:spPr>
-          <a:xfrm>
-            <a:off x="805543" y="608498"/>
-            <a:ext cx="5006336" cy="1325563"/>
-          </a:xfrm>
-        </p:spPr>
-        <p:txBody>
-          <a:bodyPr>
-            <a:normAutofit/>
-          </a:bodyPr>
-          <a:lstStyle/>
-          <a:p>
-            <a:r>
-              <a:rPr lang="en-US" sz="4800" b="1">
-                <a:latin typeface="Gentium Plus" panose="02000503060000020004" pitchFamily="2" charset="0"/>
-                <a:ea typeface="Gentium Plus" panose="02000503060000020004" pitchFamily="2" charset="0"/>
-                <a:cs typeface="Gentium Plus" panose="02000503060000020004" pitchFamily="2" charset="0"/>
-              </a:rPr>
-              <a:t>How it works</a:t>
-            </a:r>
-            <a:endParaRPr lang="en-US" sz="4800" b="1" dirty="0">
-              <a:latin typeface="Gentium Plus" panose="02000503060000020004" pitchFamily="2" charset="0"/>
-              <a:ea typeface="Gentium Plus" panose="02000503060000020004" pitchFamily="2" charset="0"/>
-              <a:cs typeface="Gentium Plus" panose="02000503060000020004" pitchFamily="2" charset="0"/>
-            </a:endParaRPr>
-          </a:p>
-        </p:txBody>
-      </p:sp>
-      <p:sp>
-        <p:nvSpPr>
-          <p:cNvPr id="18" name="Content Placeholder 13">
-            <a:extLst>
-              <a:ext uri="{FF2B5EF4-FFF2-40B4-BE49-F238E27FC236}">
-                <a16:creationId xmlns:a16="http://schemas.microsoft.com/office/drawing/2014/main" id="{2E742334-ED7A-4297-BD27-3B7D0DD8E19A}"/>
-              </a:ext>
-            </a:extLst>
-          </p:cNvPr>
-          <p:cNvSpPr>
-            <a:spLocks noGrp="1"/>
-          </p:cNvSpPr>
-          <p:nvPr>
-            <p:ph idx="1"/>
-          </p:nvPr>
-        </p:nvSpPr>
-        <p:spPr>
-          <a:xfrm>
-            <a:off x="805543" y="1934061"/>
-            <a:ext cx="5006336" cy="4119605"/>
-          </a:xfrm>
-        </p:spPr>
-        <p:txBody>
-          <a:bodyPr anchor="t">
-            <a:normAutofit/>
-          </a:bodyPr>
-          <a:lstStyle/>
-          <a:p>
-            <a:endParaRPr lang="en-US" sz="2400" dirty="0">
-              <a:latin typeface="Gentium Plus" panose="02000503060000020004" pitchFamily="2" charset="0"/>
-              <a:ea typeface="Gentium Plus" panose="02000503060000020004" pitchFamily="2" charset="0"/>
-              <a:cs typeface="Gentium Plus" panose="02000503060000020004" pitchFamily="2" charset="0"/>
-            </a:endParaRPr>
-          </a:p>
-          <a:p>
-            <a:r>
-              <a:rPr lang="en-US" sz="2400" dirty="0">
-                <a:latin typeface="Gentium Plus" panose="02000503060000020004" pitchFamily="2" charset="0"/>
-                <a:ea typeface="Gentium Plus" panose="02000503060000020004" pitchFamily="2" charset="0"/>
-                <a:cs typeface="Gentium Plus" panose="02000503060000020004" pitchFamily="2" charset="0"/>
-              </a:rPr>
-              <a:t>Retrieve a sample</a:t>
-            </a:r>
-          </a:p>
-          <a:p>
-            <a:endParaRPr lang="en-US" sz="2400" dirty="0">
-              <a:latin typeface="Gentium Plus" panose="02000503060000020004" pitchFamily="2" charset="0"/>
-              <a:ea typeface="Gentium Plus" panose="02000503060000020004" pitchFamily="2" charset="0"/>
-              <a:cs typeface="Gentium Plus" panose="02000503060000020004" pitchFamily="2" charset="0"/>
-            </a:endParaRPr>
-          </a:p>
-          <a:p>
-            <a:r>
-              <a:rPr lang="en-US" sz="2400" dirty="0">
-                <a:latin typeface="Gentium Plus" panose="02000503060000020004" pitchFamily="2" charset="0"/>
-                <a:ea typeface="Gentium Plus" panose="02000503060000020004" pitchFamily="2" charset="0"/>
-                <a:cs typeface="Gentium Plus" panose="02000503060000020004" pitchFamily="2" charset="0"/>
-              </a:rPr>
-              <a:t>Drop hydrometer</a:t>
-            </a:r>
-          </a:p>
-          <a:p>
-            <a:endParaRPr lang="en-US" sz="2400" dirty="0">
-              <a:latin typeface="Gentium Plus" panose="02000503060000020004" pitchFamily="2" charset="0"/>
-              <a:ea typeface="Gentium Plus" panose="02000503060000020004" pitchFamily="2" charset="0"/>
-              <a:cs typeface="Gentium Plus" panose="02000503060000020004" pitchFamily="2" charset="0"/>
-            </a:endParaRPr>
-          </a:p>
-          <a:p>
-            <a:r>
-              <a:rPr lang="en-US" sz="2400" dirty="0">
-                <a:latin typeface="Gentium Plus" panose="02000503060000020004" pitchFamily="2" charset="0"/>
-                <a:ea typeface="Gentium Plus" panose="02000503060000020004" pitchFamily="2" charset="0"/>
-                <a:cs typeface="Gentium Plus" panose="02000503060000020004" pitchFamily="2" charset="0"/>
-              </a:rPr>
-              <a:t>Compare result to tables and formulas</a:t>
-            </a:r>
-          </a:p>
-          <a:p>
-            <a:endParaRPr lang="en-US" sz="2400" dirty="0">
-              <a:latin typeface="Gentium Plus" panose="02000503060000020004" pitchFamily="2" charset="0"/>
-              <a:ea typeface="Gentium Plus" panose="02000503060000020004" pitchFamily="2" charset="0"/>
-              <a:cs typeface="Gentium Plus" panose="02000503060000020004" pitchFamily="2" charset="0"/>
-            </a:endParaRPr>
-          </a:p>
-          <a:p>
-            <a:r>
-              <a:rPr lang="en-US" sz="2400" dirty="0">
-                <a:latin typeface="Gentium Plus" panose="02000503060000020004" pitchFamily="2" charset="0"/>
-                <a:ea typeface="Gentium Plus" panose="02000503060000020004" pitchFamily="2" charset="0"/>
-                <a:cs typeface="Gentium Plus" panose="02000503060000020004" pitchFamily="2" charset="0"/>
-              </a:rPr>
-              <a:t>Throw away beer sample (!)</a:t>
-            </a:r>
-          </a:p>
-        </p:txBody>
-      </p:sp>
-      <p:sp>
-        <p:nvSpPr>
-          <p:cNvPr id="3" name="Slide Number Placeholder 2">
-            <a:extLst>
-              <a:ext uri="{FF2B5EF4-FFF2-40B4-BE49-F238E27FC236}">
-                <a16:creationId xmlns:a16="http://schemas.microsoft.com/office/drawing/2014/main" id="{10A8FADB-B493-45B3-8186-6F6463D0710C}"/>
-              </a:ext>
-            </a:extLst>
-          </p:cNvPr>
-          <p:cNvSpPr>
-            <a:spLocks noGrp="1"/>
-          </p:cNvSpPr>
-          <p:nvPr>
-            <p:ph type="sldNum" sz="quarter" idx="12"/>
-          </p:nvPr>
-        </p:nvSpPr>
-        <p:spPr/>
-        <p:txBody>
-          <a:bodyPr/>
-          <a:lstStyle/>
-          <a:p>
-            <a:fld id="{F0CD063B-A75C-4963-B39E-9F4A7E238D4B}" type="slidenum">
-              <a:rPr lang="en-US" smtClean="0"/>
-              <a:t>3</a:t>
-            </a:fld>
-            <a:endParaRPr lang="en-US"/>
-          </a:p>
-        </p:txBody>
-      </p:sp>
-    </p:spTree>
-    <p:extLst>
-      <p:ext uri="{BB962C8B-B14F-4D97-AF65-F5344CB8AC3E}">
-        <p14:creationId xmlns:p14="http://schemas.microsoft.com/office/powerpoint/2010/main" val="3858810910"/>
-      </p:ext>
-    </p:extLst>
-  </p:cSld>
-  <p:clrMapOvr>
-    <a:overrideClrMapping bg1="dk1" tx1="lt1" bg2="dk2" tx2="lt2" accent1="accent1" accent2="accent2" accent3="accent3" accent4="accent4" accent5="accent5" accent6="accent6" hlink="hlink" folHlink="folHlink"/>
-  </p:clrMapOvr>
-</p:sld>
-</file>
-
-<file path=ppt/slides/slide4.xml><?xml version="1.0" encoding="utf-8"?>
-<p:sld xmlns:a="http://schemas.openxmlformats.org/drawingml/2006/main" xmlns:r="http://schemas.openxmlformats.org/officeDocument/2006/relationships" xmlns:p="http://schemas.openxmlformats.org/presentationml/2006/main">
-  <p:cSld>
-    <p:bg>
-      <p:bgPr>
-        <a:solidFill>
-          <a:schemeClr val="bg1">
-            <a:tint val="95000"/>
-            <a:satMod val="170000"/>
-          </a:schemeClr>
-        </a:solidFill>
-        <a:effectLst/>
-      </p:bgPr>
-    </p:bg>
-    <p:spTree>
-      <p:nvGrpSpPr>
-        <p:cNvPr id="1" name=""/>
-        <p:cNvGrpSpPr/>
-        <p:nvPr/>
-      </p:nvGrpSpPr>
-      <p:grpSpPr>
-        <a:xfrm>
-          <a:off x="0" y="0"/>
-          <a:ext cx="0" cy="0"/>
-          <a:chOff x="0" y="0"/>
-          <a:chExt cx="0" cy="0"/>
-        </a:xfrm>
-      </p:grpSpPr>
-      <p:sp>
-        <p:nvSpPr>
-          <p:cNvPr id="13" name="Freeform: Shape 12">
-            <a:extLst>
-              <a:ext uri="{FF2B5EF4-FFF2-40B4-BE49-F238E27FC236}">
-                <a16:creationId xmlns:a16="http://schemas.microsoft.com/office/drawing/2014/main" id="{CF62D2A7-8207-488C-9F46-316BA81A16C8}"/>
-              </a:ext>
-              <a:ext uri="{C183D7F6-B498-43B3-948B-1728B52AA6E4}">
-                <adec:decorative xmlns="" xmlns:adec="http://schemas.microsoft.com/office/drawing/2017/decorative" val="1"/>
-              </a:ext>
-            </a:extLst>
-          </p:cNvPr>
-          <p:cNvSpPr>
-            <a:spLocks noGrp="1" noRot="1" noChangeAspect="1" noMove="1" noResize="1" noEditPoints="1" noAdjustHandles="1" noChangeArrowheads="1" noChangeShapeType="1" noTextEdit="1"/>
-          </p:cNvSpPr>
-          <p:nvPr>
-            <p:extLst>
-              <p:ext uri="{386F3935-93C4-4BCD-93E2-E3B085C9AB24}">
-                <p16:designElem xmlns:p16="http://schemas.microsoft.com/office/powerpoint/2015/main" val="1"/>
-              </p:ext>
-            </p:extLst>
-          </p:nvPr>
-        </p:nvSpPr>
-        <p:spPr>
-          <a:xfrm flipH="1">
-            <a:off x="6582780" y="-2008"/>
-            <a:ext cx="5609220" cy="5840278"/>
-          </a:xfrm>
-          <a:custGeom>
-            <a:avLst/>
-            <a:gdLst>
-              <a:gd name="connsiteX0" fmla="*/ 0 w 5609220"/>
-              <a:gd name="connsiteY0" fmla="*/ 0 h 5840278"/>
-              <a:gd name="connsiteX1" fmla="*/ 4637091 w 5609220"/>
-              <a:gd name="connsiteY1" fmla="*/ 0 h 5840278"/>
-              <a:gd name="connsiteX2" fmla="*/ 4822569 w 5609220"/>
-              <a:gd name="connsiteY2" fmla="*/ 204077 h 5840278"/>
-              <a:gd name="connsiteX3" fmla="*/ 5609220 w 5609220"/>
-              <a:gd name="connsiteY3" fmla="*/ 2395363 h 5840278"/>
-              <a:gd name="connsiteX4" fmla="*/ 2164305 w 5609220"/>
-              <a:gd name="connsiteY4" fmla="*/ 5840278 h 5840278"/>
-              <a:gd name="connsiteX5" fmla="*/ 238220 w 5609220"/>
-              <a:gd name="connsiteY5" fmla="*/ 5251941 h 5840278"/>
-              <a:gd name="connsiteX6" fmla="*/ 0 w 5609220"/>
-              <a:gd name="connsiteY6" fmla="*/ 5073803 h 5840278"/>
-            </a:gdLst>
-            <a:ahLst/>
-            <a:cxnLst>
-              <a:cxn ang="0">
-                <a:pos x="connsiteX0" y="connsiteY0"/>
-              </a:cxn>
-              <a:cxn ang="0">
-                <a:pos x="connsiteX1" y="connsiteY1"/>
-              </a:cxn>
-              <a:cxn ang="0">
-                <a:pos x="connsiteX2" y="connsiteY2"/>
-              </a:cxn>
-              <a:cxn ang="0">
-                <a:pos x="connsiteX3" y="connsiteY3"/>
-              </a:cxn>
-              <a:cxn ang="0">
-                <a:pos x="connsiteX4" y="connsiteY4"/>
-              </a:cxn>
-              <a:cxn ang="0">
-                <a:pos x="connsiteX5" y="connsiteY5"/>
-              </a:cxn>
-              <a:cxn ang="0">
-                <a:pos x="connsiteX6" y="connsiteY6"/>
-              </a:cxn>
-            </a:cxnLst>
-            <a:rect l="l" t="t" r="r" b="b"/>
-            <a:pathLst>
-              <a:path w="5609220" h="5840278">
-                <a:moveTo>
-                  <a:pt x="0" y="0"/>
-                </a:moveTo>
-                <a:lnTo>
-                  <a:pt x="4637091" y="0"/>
-                </a:lnTo>
-                <a:lnTo>
-                  <a:pt x="4822569" y="204077"/>
-                </a:lnTo>
-                <a:cubicBezTo>
-                  <a:pt x="5314007" y="799562"/>
-                  <a:pt x="5609220" y="1562987"/>
-                  <a:pt x="5609220" y="2395363"/>
-                </a:cubicBezTo>
-                <a:cubicBezTo>
-                  <a:pt x="5609220" y="4297937"/>
-                  <a:pt x="4066879" y="5840278"/>
-                  <a:pt x="2164305" y="5840278"/>
-                </a:cubicBezTo>
-                <a:cubicBezTo>
-                  <a:pt x="1450840" y="5840278"/>
-                  <a:pt x="788032" y="5623387"/>
-                  <a:pt x="238220" y="5251941"/>
-                </a:cubicBezTo>
-                <a:lnTo>
-                  <a:pt x="0" y="5073803"/>
-                </a:lnTo>
-                <a:close/>
-              </a:path>
-            </a:pathLst>
-          </a:custGeom>
-          <a:solidFill>
-            <a:srgbClr val="FFFFFF">
-              <a:alpha val="80000"/>
-            </a:srgbClr>
-          </a:solidFill>
-          <a:ln>
-            <a:noFill/>
-          </a:ln>
-        </p:spPr>
-        <p:style>
-          <a:lnRef idx="2">
-            <a:schemeClr val="accent1">
-              <a:shade val="50000"/>
-            </a:schemeClr>
-          </a:lnRef>
-          <a:fillRef idx="1">
-            <a:schemeClr val="accent1"/>
-          </a:fillRef>
-          <a:effectRef idx="0">
-            <a:schemeClr val="accent1"/>
-          </a:effectRef>
-          <a:fontRef idx="minor">
-            <a:schemeClr val="lt1"/>
-          </a:fontRef>
-        </p:style>
-        <p:txBody>
-          <a:bodyPr rtlCol="0" anchor="ctr"/>
-          <a:lstStyle/>
-          <a:p>
-            <a:pPr marL="0" marR="0" lvl="0" indent="0" algn="ctr" defTabSz="914400" rtl="0" eaLnBrk="1" fontAlgn="auto" latinLnBrk="0" hangingPunct="1">
-              <a:lnSpc>
-                <a:spcPct val="100000"/>
-              </a:lnSpc>
-              <a:spcBef>
-                <a:spcPts val="0"/>
-              </a:spcBef>
-              <a:spcAft>
-                <a:spcPts val="0"/>
-              </a:spcAft>
-              <a:buClrTx/>
-              <a:buSzTx/>
-              <a:buFontTx/>
-              <a:buNone/>
-              <a:tabLst/>
-              <a:defRPr/>
-            </a:pPr>
-            <a:endParaRPr kumimoji="0" lang="en-US" sz="1800" b="0" i="0" u="none" strike="noStrike" kern="1200" cap="none" spc="0" normalizeH="0" baseline="0" noProof="0">
-              <a:ln>
-                <a:noFill/>
-              </a:ln>
-              <a:solidFill>
-                <a:prstClr val="white"/>
-              </a:solidFill>
-              <a:effectLst/>
-              <a:uLnTx/>
-              <a:uFillTx/>
-              <a:latin typeface="Calibri" panose="020F0502020204030204"/>
-              <a:ea typeface="+mn-ea"/>
-              <a:cs typeface="+mn-cs"/>
-            </a:endParaRPr>
-          </a:p>
-        </p:txBody>
-      </p:sp>
-      <p:pic>
-        <p:nvPicPr>
-          <p:cNvPr id="8" name="Content Placeholder 4">
-            <a:extLst>
-              <a:ext uri="{FF2B5EF4-FFF2-40B4-BE49-F238E27FC236}">
-                <a16:creationId xmlns:a16="http://schemas.microsoft.com/office/drawing/2014/main" id="{23C96466-A66D-44FA-BDE9-A06722161555}"/>
-              </a:ext>
-            </a:extLst>
-          </p:cNvPr>
-          <p:cNvPicPr>
-            <a:picLocks noChangeAspect="1"/>
-          </p:cNvPicPr>
-          <p:nvPr/>
-        </p:nvPicPr>
-        <p:blipFill rotWithShape="1">
-          <a:blip r:embed="rId2">
-            <a:extLst>
-              <a:ext uri="{28A0092B-C50C-407E-A947-70E740481C1C}">
-                <a14:useLocalDpi xmlns:a14="http://schemas.microsoft.com/office/drawing/2010/main" val="0"/>
-              </a:ext>
-            </a:extLst>
-          </a:blip>
-          <a:srcRect r="36005" b="-1"/>
-          <a:stretch/>
-        </p:blipFill>
-        <p:spPr>
-          <a:xfrm>
-            <a:off x="6750141" y="-2"/>
-            <a:ext cx="5441859" cy="5654940"/>
-          </a:xfrm>
-          <a:custGeom>
-            <a:avLst/>
-            <a:gdLst>
-              <a:gd name="connsiteX0" fmla="*/ 1041368 w 5441859"/>
-              <a:gd name="connsiteY0" fmla="*/ 0 h 5654940"/>
-              <a:gd name="connsiteX1" fmla="*/ 5441859 w 5441859"/>
-              <a:gd name="connsiteY1" fmla="*/ 0 h 5654940"/>
-              <a:gd name="connsiteX2" fmla="*/ 5441859 w 5441859"/>
-              <a:gd name="connsiteY2" fmla="*/ 4820612 h 5654940"/>
-              <a:gd name="connsiteX3" fmla="*/ 5285166 w 5441859"/>
-              <a:gd name="connsiteY3" fmla="*/ 4957981 h 5654940"/>
-              <a:gd name="connsiteX4" fmla="*/ 3267719 w 5441859"/>
-              <a:gd name="connsiteY4" fmla="*/ 5654940 h 5654940"/>
-              <a:gd name="connsiteX5" fmla="*/ 0 w 5441859"/>
-              <a:gd name="connsiteY5" fmla="*/ 2387221 h 5654940"/>
-              <a:gd name="connsiteX6" fmla="*/ 957093 w 5441859"/>
-              <a:gd name="connsiteY6" fmla="*/ 76595 h 5654940"/>
-            </a:gdLst>
-            <a:ahLst/>
-            <a:cxnLst>
-              <a:cxn ang="0">
-                <a:pos x="connsiteX0" y="connsiteY0"/>
-              </a:cxn>
-              <a:cxn ang="0">
-                <a:pos x="connsiteX1" y="connsiteY1"/>
-              </a:cxn>
-              <a:cxn ang="0">
-                <a:pos x="connsiteX2" y="connsiteY2"/>
-              </a:cxn>
-              <a:cxn ang="0">
-                <a:pos x="connsiteX3" y="connsiteY3"/>
-              </a:cxn>
-              <a:cxn ang="0">
-                <a:pos x="connsiteX4" y="connsiteY4"/>
-              </a:cxn>
-              <a:cxn ang="0">
-                <a:pos x="connsiteX5" y="connsiteY5"/>
-              </a:cxn>
-              <a:cxn ang="0">
-                <a:pos x="connsiteX6" y="connsiteY6"/>
-              </a:cxn>
-            </a:cxnLst>
-            <a:rect l="l" t="t" r="r" b="b"/>
-            <a:pathLst>
-              <a:path w="5441859" h="5654940">
-                <a:moveTo>
-                  <a:pt x="1041368" y="0"/>
-                </a:moveTo>
-                <a:lnTo>
-                  <a:pt x="5441859" y="0"/>
-                </a:lnTo>
-                <a:lnTo>
-                  <a:pt x="5441859" y="4820612"/>
-                </a:lnTo>
-                <a:lnTo>
-                  <a:pt x="5285166" y="4957981"/>
-                </a:lnTo>
-                <a:cubicBezTo>
-                  <a:pt x="4729628" y="5394557"/>
-                  <a:pt x="4029081" y="5654940"/>
-                  <a:pt x="3267719" y="5654940"/>
-                </a:cubicBezTo>
-                <a:cubicBezTo>
-                  <a:pt x="1463008" y="5654940"/>
-                  <a:pt x="0" y="4191932"/>
-                  <a:pt x="0" y="2387221"/>
-                </a:cubicBezTo>
-                <a:cubicBezTo>
-                  <a:pt x="0" y="1484866"/>
-                  <a:pt x="365752" y="667936"/>
-                  <a:pt x="957093" y="76595"/>
-                </a:cubicBezTo>
-                <a:close/>
-              </a:path>
-            </a:pathLst>
-          </a:custGeom>
-        </p:spPr>
-      </p:pic>
-      <p:sp>
-        <p:nvSpPr>
-          <p:cNvPr id="10" name="Content Placeholder 9">
-            <a:extLst>
-              <a:ext uri="{FF2B5EF4-FFF2-40B4-BE49-F238E27FC236}">
-                <a16:creationId xmlns:a16="http://schemas.microsoft.com/office/drawing/2014/main" id="{C2ADAFC9-23A1-45E8-9303-B30614C3B545}"/>
-              </a:ext>
-            </a:extLst>
-          </p:cNvPr>
-          <p:cNvSpPr>
-            <a:spLocks noGrp="1"/>
-          </p:cNvSpPr>
-          <p:nvPr>
-            <p:ph idx="1"/>
-          </p:nvPr>
-        </p:nvSpPr>
-        <p:spPr>
-          <a:xfrm>
-            <a:off x="937591" y="1470993"/>
-            <a:ext cx="4482549" cy="3773128"/>
-          </a:xfrm>
-        </p:spPr>
-        <p:txBody>
-          <a:bodyPr anchor="t">
-            <a:normAutofit/>
-          </a:bodyPr>
-          <a:lstStyle/>
-          <a:p>
-            <a:endParaRPr lang="en-US" dirty="0">
-              <a:latin typeface="Gentium Plus" panose="02000503060000020004" pitchFamily="2" charset="0"/>
-              <a:ea typeface="Gentium Plus" panose="02000503060000020004" pitchFamily="2" charset="0"/>
-              <a:cs typeface="Gentium Plus" panose="02000503060000020004" pitchFamily="2" charset="0"/>
-            </a:endParaRPr>
-          </a:p>
-          <a:p>
-            <a:r>
-              <a:rPr lang="en-US" dirty="0">
-                <a:latin typeface="Gentium Plus" panose="02000503060000020004" pitchFamily="2" charset="0"/>
-                <a:ea typeface="Gentium Plus" panose="02000503060000020004" pitchFamily="2" charset="0"/>
-                <a:cs typeface="Gentium Plus" panose="02000503060000020004" pitchFamily="2" charset="0"/>
-              </a:rPr>
-              <a:t>Low Cost</a:t>
-            </a:r>
-          </a:p>
-          <a:p>
-            <a:pPr lvl="1"/>
-            <a:r>
-              <a:rPr lang="en-US" dirty="0">
-                <a:latin typeface="Gentium Plus" panose="02000503060000020004" pitchFamily="2" charset="0"/>
-                <a:ea typeface="Gentium Plus" panose="02000503060000020004" pitchFamily="2" charset="0"/>
-                <a:cs typeface="Gentium Plus" panose="02000503060000020004" pitchFamily="2" charset="0"/>
-              </a:rPr>
-              <a:t>Priority</a:t>
-            </a:r>
-          </a:p>
-          <a:p>
-            <a:pPr lvl="1"/>
-            <a:r>
-              <a:rPr lang="en-US" dirty="0">
-                <a:latin typeface="Gentium Plus" panose="02000503060000020004" pitchFamily="2" charset="0"/>
-                <a:ea typeface="Gentium Plus" panose="02000503060000020004" pitchFamily="2" charset="0"/>
-                <a:cs typeface="Gentium Plus" panose="02000503060000020004" pitchFamily="2" charset="0"/>
-              </a:rPr>
-              <a:t>Less than 15 $US</a:t>
-            </a:r>
-          </a:p>
-          <a:p>
-            <a:pPr marL="457200" lvl="1" indent="0">
-              <a:buNone/>
-            </a:pPr>
-            <a:endParaRPr lang="en-US" dirty="0">
-              <a:latin typeface="Gentium Plus" panose="02000503060000020004" pitchFamily="2" charset="0"/>
-              <a:ea typeface="Gentium Plus" panose="02000503060000020004" pitchFamily="2" charset="0"/>
-              <a:cs typeface="Gentium Plus" panose="02000503060000020004" pitchFamily="2" charset="0"/>
-            </a:endParaRPr>
-          </a:p>
-          <a:p>
-            <a:r>
-              <a:rPr lang="en-US" dirty="0">
-                <a:latin typeface="Gentium Plus" panose="02000503060000020004" pitchFamily="2" charset="0"/>
-                <a:ea typeface="Gentium Plus" panose="02000503060000020004" pitchFamily="2" charset="0"/>
-                <a:cs typeface="Gentium Plus" panose="02000503060000020004" pitchFamily="2" charset="0"/>
-              </a:rPr>
-              <a:t>Accurate</a:t>
-            </a:r>
-          </a:p>
-          <a:p>
-            <a:pPr lvl="1"/>
-            <a:r>
-              <a:rPr lang="en-US" b="1" dirty="0"/>
-              <a:t>±</a:t>
-            </a:r>
-            <a:r>
-              <a:rPr lang="en-US" dirty="0">
-                <a:latin typeface="Gentium Plus" panose="02000503060000020004" pitchFamily="2" charset="0"/>
-                <a:ea typeface="Gentium Plus" panose="02000503060000020004" pitchFamily="2" charset="0"/>
-                <a:cs typeface="Gentium Plus" panose="02000503060000020004" pitchFamily="2" charset="0"/>
-              </a:rPr>
-              <a:t>2 mm </a:t>
-            </a:r>
-          </a:p>
-          <a:p>
-            <a:pPr lvl="1"/>
-            <a:r>
-              <a:rPr lang="en-US" b="1" dirty="0"/>
-              <a:t>±</a:t>
-            </a:r>
-            <a:r>
-              <a:rPr lang="en-US" dirty="0">
-                <a:latin typeface="Gentium Plus" panose="02000503060000020004" pitchFamily="2" charset="0"/>
-                <a:ea typeface="Gentium Plus" panose="02000503060000020004" pitchFamily="2" charset="0"/>
-                <a:cs typeface="Gentium Plus" panose="02000503060000020004" pitchFamily="2" charset="0"/>
-              </a:rPr>
-              <a:t>0.002 SG </a:t>
-            </a:r>
-          </a:p>
-          <a:p>
-            <a:pPr lvl="1"/>
-            <a:endParaRPr lang="en-US" dirty="0">
-              <a:latin typeface="Gentium Plus" panose="02000503060000020004" pitchFamily="2" charset="0"/>
-              <a:ea typeface="Gentium Plus" panose="02000503060000020004" pitchFamily="2" charset="0"/>
-              <a:cs typeface="Gentium Plus" panose="02000503060000020004" pitchFamily="2" charset="0"/>
-            </a:endParaRPr>
-          </a:p>
-          <a:p>
-            <a:endParaRPr lang="en-US" dirty="0">
-              <a:latin typeface="Gentium Plus" panose="02000503060000020004" pitchFamily="2" charset="0"/>
-              <a:ea typeface="Gentium Plus" panose="02000503060000020004" pitchFamily="2" charset="0"/>
-              <a:cs typeface="Gentium Plus" panose="02000503060000020004" pitchFamily="2" charset="0"/>
-            </a:endParaRPr>
-          </a:p>
-        </p:txBody>
-      </p:sp>
-      <p:sp>
-        <p:nvSpPr>
-          <p:cNvPr id="2" name="Slide Number Placeholder 1">
-            <a:extLst>
-              <a:ext uri="{FF2B5EF4-FFF2-40B4-BE49-F238E27FC236}">
-                <a16:creationId xmlns:a16="http://schemas.microsoft.com/office/drawing/2014/main" id="{7287051A-03E3-4D07-AD72-4A55E7E1712E}"/>
-              </a:ext>
-            </a:extLst>
-          </p:cNvPr>
-          <p:cNvSpPr>
-            <a:spLocks noGrp="1"/>
-          </p:cNvSpPr>
-          <p:nvPr>
-            <p:ph type="sldNum" sz="quarter" idx="12"/>
-          </p:nvPr>
-        </p:nvSpPr>
-        <p:spPr/>
-        <p:txBody>
-          <a:bodyPr/>
-          <a:lstStyle/>
-          <a:p>
-            <a:fld id="{F0CD063B-A75C-4963-B39E-9F4A7E238D4B}" type="slidenum">
-              <a:rPr lang="en-US" smtClean="0"/>
-              <a:t>4</a:t>
-            </a:fld>
-            <a:endParaRPr lang="en-US"/>
-          </a:p>
-        </p:txBody>
-      </p:sp>
-      <p:sp>
-        <p:nvSpPr>
-          <p:cNvPr id="3" name="TextBox 2">
-            <a:extLst>
-              <a:ext uri="{FF2B5EF4-FFF2-40B4-BE49-F238E27FC236}">
-                <a16:creationId xmlns:a16="http://schemas.microsoft.com/office/drawing/2014/main" id="{17C3291B-C178-4613-A8BE-3C4B984DA235}"/>
-              </a:ext>
-            </a:extLst>
-          </p:cNvPr>
-          <p:cNvSpPr txBox="1"/>
-          <p:nvPr/>
-        </p:nvSpPr>
-        <p:spPr>
-          <a:xfrm>
-            <a:off x="348987" y="450574"/>
-            <a:ext cx="5652473" cy="830997"/>
-          </a:xfrm>
-          <a:prstGeom prst="rect">
-            <a:avLst/>
-          </a:prstGeom>
-          <a:noFill/>
-        </p:spPr>
-        <p:txBody>
-          <a:bodyPr wrap="square" rtlCol="0">
-            <a:spAutoFit/>
-          </a:bodyPr>
-          <a:lstStyle/>
-          <a:p>
-            <a:r>
-              <a:rPr lang="en-US" sz="4800" dirty="0">
-                <a:latin typeface="Gentium Plus" panose="02000503060000020004" pitchFamily="2" charset="0"/>
-                <a:ea typeface="Gentium Plus" panose="02000503060000020004" pitchFamily="2" charset="0"/>
-                <a:cs typeface="Gentium Plus" panose="02000503060000020004" pitchFamily="2" charset="0"/>
-              </a:rPr>
-              <a:t>Parameters</a:t>
-            </a:r>
-          </a:p>
-        </p:txBody>
-      </p:sp>
-    </p:spTree>
-    <p:extLst>
-      <p:ext uri="{BB962C8B-B14F-4D97-AF65-F5344CB8AC3E}">
-        <p14:creationId xmlns:p14="http://schemas.microsoft.com/office/powerpoint/2010/main" val="99904349"/>
-      </p:ext>
-    </p:extLst>
-  </p:cSld>
-  <p:clrMapOvr>
-    <a:overrideClrMapping bg1="dk1" tx1="lt1" bg2="dk2" tx2="lt2" accent1="accent1" accent2="accent2" accent3="accent3" accent4="accent4" accent5="accent5" accent6="accent6" hlink="hlink" folHlink="folHlink"/>
-  </p:clrMapOvr>
-</p:sld>
-</file>
-
-<file path=ppt/slides/slide5.xml><?xml version="1.0" encoding="utf-8"?>
-<p:sld xmlns:a="http://schemas.openxmlformats.org/drawingml/2006/main" xmlns:r="http://schemas.openxmlformats.org/officeDocument/2006/relationships" xmlns:p="http://schemas.openxmlformats.org/presentationml/2006/main">
-  <p:cSld>
-    <p:bg>
-      <p:bgPr>
-        <a:solidFill>
-          <a:schemeClr val="bg1"/>
-        </a:solidFill>
-        <a:effectLst/>
-      </p:bgPr>
-    </p:bg>
-    <p:spTree>
-      <p:nvGrpSpPr>
-        <p:cNvPr id="1" name=""/>
-        <p:cNvGrpSpPr/>
-        <p:nvPr/>
-      </p:nvGrpSpPr>
-      <p:grpSpPr>
-        <a:xfrm>
-          <a:off x="0" y="0"/>
-          <a:ext cx="0" cy="0"/>
-          <a:chOff x="0" y="0"/>
-          <a:chExt cx="0" cy="0"/>
-        </a:xfrm>
-      </p:grpSpPr>
-      <p:sp>
-        <p:nvSpPr>
-          <p:cNvPr id="31" name="Rectangle: Top Corners Rounded 30">
-            <a:extLst>
-              <a:ext uri="{FF2B5EF4-FFF2-40B4-BE49-F238E27FC236}">
-                <a16:creationId xmlns:a16="http://schemas.microsoft.com/office/drawing/2014/main" id="{3BAF1561-20C4-41FD-A35F-BF2B9E727F3E}"/>
-              </a:ext>
-              <a:ext uri="{C183D7F6-B498-43B3-948B-1728B52AA6E4}">
-                <adec:decorative xmlns:adec="http://schemas.microsoft.com/office/drawing/2017/decorative" xmlns="" val="1"/>
-              </a:ext>
-            </a:extLst>
-          </p:cNvPr>
-          <p:cNvSpPr>
-            <a:spLocks noGrp="1" noRot="1" noChangeAspect="1" noMove="1" noResize="1" noEditPoints="1" noAdjustHandles="1" noChangeArrowheads="1" noChangeShapeType="1" noTextEdit="1"/>
-          </p:cNvSpPr>
-          <p:nvPr>
-            <p:extLst>
-              <p:ext uri="{386F3935-93C4-4BCD-93E2-E3B085C9AB24}">
-                <p16:designElem xmlns:p16="http://schemas.microsoft.com/office/powerpoint/2015/main" val="1"/>
-              </p:ext>
-            </p:extLst>
-          </p:nvPr>
-        </p:nvSpPr>
-        <p:spPr>
-          <a:xfrm rot="5400000" flipH="1">
-            <a:off x="-529466" y="996722"/>
-            <a:ext cx="5923488" cy="4864556"/>
-          </a:xfrm>
-          <a:prstGeom prst="round2SameRect">
-            <a:avLst>
-              <a:gd name="adj1" fmla="val 3762"/>
-              <a:gd name="adj2" fmla="val 0"/>
-            </a:avLst>
-          </a:prstGeom>
-          <a:solidFill>
-            <a:schemeClr val="tx1">
-              <a:lumMod val="75000"/>
-              <a:lumOff val="25000"/>
-            </a:schemeClr>
-          </a:solidFill>
-          <a:ln>
-            <a:noFill/>
-          </a:ln>
-        </p:spPr>
-        <p:style>
-          <a:lnRef idx="2">
-            <a:schemeClr val="accent1">
-              <a:shade val="50000"/>
-            </a:schemeClr>
-          </a:lnRef>
-          <a:fillRef idx="1">
-            <a:schemeClr val="accent1"/>
-          </a:fillRef>
-          <a:effectRef idx="0">
-            <a:schemeClr val="accent1"/>
-          </a:effectRef>
-          <a:fontRef idx="minor">
-            <a:schemeClr val="lt1"/>
-          </a:fontRef>
-        </p:style>
-        <p:txBody>
-          <a:bodyPr rtlCol="0" anchor="ctr"/>
-          <a:lstStyle/>
-          <a:p>
-            <a:pPr marL="0" marR="0" lvl="0" indent="0" algn="ctr" defTabSz="914400" rtl="0" eaLnBrk="1" fontAlgn="auto" latinLnBrk="0" hangingPunct="1">
-              <a:lnSpc>
-                <a:spcPct val="100000"/>
-              </a:lnSpc>
-              <a:spcBef>
-                <a:spcPts val="0"/>
-              </a:spcBef>
-              <a:spcAft>
-                <a:spcPts val="0"/>
-              </a:spcAft>
-              <a:buClrTx/>
-              <a:buSzTx/>
-              <a:buFontTx/>
-              <a:buNone/>
-              <a:tabLst/>
-              <a:defRPr/>
-            </a:pPr>
-            <a:endParaRPr kumimoji="0" lang="en-US" sz="1800" b="0" i="0" u="none" strike="noStrike" kern="1200" cap="none" spc="0" normalizeH="0" baseline="0" noProof="0">
-              <a:ln>
-                <a:noFill/>
-              </a:ln>
-              <a:solidFill>
-                <a:prstClr val="white"/>
-              </a:solidFill>
-              <a:effectLst/>
-              <a:uLnTx/>
-              <a:uFillTx/>
-              <a:latin typeface="Calibri" panose="020F0502020204030204"/>
-              <a:ea typeface="+mn-ea"/>
-              <a:cs typeface="+mn-cs"/>
-            </a:endParaRPr>
-          </a:p>
-        </p:txBody>
-      </p:sp>
-      <p:sp>
-        <p:nvSpPr>
-          <p:cNvPr id="33" name="Rectangle: Top Corners Rounded 32">
-            <a:extLst>
-              <a:ext uri="{FF2B5EF4-FFF2-40B4-BE49-F238E27FC236}">
-                <a16:creationId xmlns:a16="http://schemas.microsoft.com/office/drawing/2014/main" id="{839DC788-B140-4F3E-A91E-CB3E70ED940A}"/>
-              </a:ext>
-              <a:ext uri="{C183D7F6-B498-43B3-948B-1728B52AA6E4}">
-                <adec:decorative xmlns:adec="http://schemas.microsoft.com/office/drawing/2017/decorative" xmlns="" val="1"/>
-              </a:ext>
-            </a:extLst>
-          </p:cNvPr>
-          <p:cNvSpPr>
-            <a:spLocks noGrp="1" noRot="1" noChangeAspect="1" noMove="1" noResize="1" noEditPoints="1" noAdjustHandles="1" noChangeArrowheads="1" noChangeShapeType="1" noTextEdit="1"/>
-          </p:cNvSpPr>
-          <p:nvPr>
-            <p:extLst>
-              <p:ext uri="{386F3935-93C4-4BCD-93E2-E3B085C9AB24}">
-                <p16:designElem xmlns:p16="http://schemas.microsoft.com/office/powerpoint/2015/main" val="1"/>
-              </p:ext>
-            </p:extLst>
-          </p:nvPr>
-        </p:nvSpPr>
-        <p:spPr>
-          <a:xfrm rot="5400000" flipH="1">
-            <a:off x="-457200" y="1050468"/>
-            <a:ext cx="5609397" cy="4757058"/>
-          </a:xfrm>
-          <a:prstGeom prst="round2SameRect">
-            <a:avLst>
-              <a:gd name="adj1" fmla="val 2061"/>
-              <a:gd name="adj2" fmla="val 0"/>
-            </a:avLst>
-          </a:prstGeom>
-          <a:noFill/>
-          <a:ln w="50800">
-            <a:solidFill>
-              <a:schemeClr val="bg1"/>
-            </a:solidFill>
-          </a:ln>
-        </p:spPr>
-        <p:style>
-          <a:lnRef idx="2">
-            <a:schemeClr val="accent1">
-              <a:shade val="50000"/>
-            </a:schemeClr>
-          </a:lnRef>
-          <a:fillRef idx="1">
-            <a:schemeClr val="accent1"/>
-          </a:fillRef>
-          <a:effectRef idx="0">
-            <a:schemeClr val="accent1"/>
-          </a:effectRef>
-          <a:fontRef idx="minor">
-            <a:schemeClr val="lt1"/>
-          </a:fontRef>
-        </p:style>
-        <p:txBody>
-          <a:bodyPr rtlCol="0" anchor="ctr"/>
-          <a:lstStyle/>
-          <a:p>
-            <a:pPr marL="0" marR="0" lvl="0" indent="0" algn="ctr" defTabSz="914400" rtl="0" eaLnBrk="1" fontAlgn="auto" latinLnBrk="0" hangingPunct="1">
-              <a:lnSpc>
-                <a:spcPct val="100000"/>
-              </a:lnSpc>
-              <a:spcBef>
-                <a:spcPts val="0"/>
-              </a:spcBef>
-              <a:spcAft>
-                <a:spcPts val="0"/>
-              </a:spcAft>
-              <a:buClrTx/>
-              <a:buSzTx/>
-              <a:buFontTx/>
-              <a:buNone/>
-              <a:tabLst/>
-              <a:defRPr/>
-            </a:pPr>
-            <a:endParaRPr kumimoji="0" lang="en-US" sz="1800" b="0" i="0" u="none" strike="noStrike" kern="1200" cap="none" spc="0" normalizeH="0" baseline="0" noProof="0">
-              <a:ln>
-                <a:noFill/>
-              </a:ln>
-              <a:solidFill>
-                <a:prstClr val="white"/>
-              </a:solidFill>
-              <a:effectLst/>
-              <a:uLnTx/>
-              <a:uFillTx/>
-              <a:latin typeface="Calibri" panose="020F0502020204030204"/>
-              <a:ea typeface="+mn-ea"/>
-              <a:cs typeface="+mn-cs"/>
-            </a:endParaRPr>
-          </a:p>
-        </p:txBody>
-      </p:sp>
-      <p:cxnSp>
-        <p:nvCxnSpPr>
-          <p:cNvPr id="35" name="Straight Connector 34">
-            <a:extLst>
-              <a:ext uri="{FF2B5EF4-FFF2-40B4-BE49-F238E27FC236}">
-                <a16:creationId xmlns:a16="http://schemas.microsoft.com/office/drawing/2014/main" id="{FC18D930-0EEE-448F-ABF1-2AA3C83DA552}"/>
-              </a:ext>
-              <a:ext uri="{C183D7F6-B498-43B3-948B-1728B52AA6E4}">
-                <adec:decorative xmlns:adec="http://schemas.microsoft.com/office/drawing/2017/decorative" xmlns="" val="1"/>
-              </a:ext>
-            </a:extLst>
-          </p:cNvPr>
-          <p:cNvCxnSpPr>
-            <a:cxnSpLocks noGrp="1" noRot="1" noChangeAspect="1" noMove="1" noResize="1" noEditPoints="1" noAdjustHandles="1" noChangeArrowheads="1" noChangeShapeType="1"/>
-          </p:cNvCxnSpPr>
-          <p:nvPr>
-            <p:extLst>
-              <p:ext uri="{386F3935-93C4-4BCD-93E2-E3B085C9AB24}">
-                <p16:designElem xmlns:p16="http://schemas.microsoft.com/office/powerpoint/2015/main" val="1"/>
-              </p:ext>
-            </p:extLst>
-          </p:nvPr>
-        </p:nvCxnSpPr>
-        <p:spPr>
-          <a:xfrm>
-            <a:off x="524071" y="2705800"/>
-            <a:ext cx="1597456" cy="0"/>
-          </a:xfrm>
-          <a:prstGeom prst="line">
-            <a:avLst/>
-          </a:prstGeom>
-          <a:ln w="50800">
-            <a:solidFill>
-              <a:schemeClr val="bg1">
-                <a:lumMod val="65000"/>
-              </a:schemeClr>
-            </a:solidFill>
-          </a:ln>
-        </p:spPr>
-        <p:style>
-          <a:lnRef idx="1">
-            <a:schemeClr val="accent1"/>
-          </a:lnRef>
-          <a:fillRef idx="0">
-            <a:schemeClr val="accent1"/>
-          </a:fillRef>
-          <a:effectRef idx="0">
-            <a:schemeClr val="accent1"/>
-          </a:effectRef>
-          <a:fontRef idx="minor">
-            <a:schemeClr val="tx1"/>
-          </a:fontRef>
-        </p:style>
-      </p:cxnSp>
-      <p:pic>
-        <p:nvPicPr>
-          <p:cNvPr id="4" name="Picture 3">
-            <a:extLst>
-              <a:ext uri="{FF2B5EF4-FFF2-40B4-BE49-F238E27FC236}">
-                <a16:creationId xmlns:a16="http://schemas.microsoft.com/office/drawing/2014/main" id="{E5D117B4-334E-42D1-925A-A387834F7242}"/>
-              </a:ext>
-            </a:extLst>
-          </p:cNvPr>
-          <p:cNvPicPr>
-            <a:picLocks noChangeAspect="1"/>
-          </p:cNvPicPr>
-          <p:nvPr/>
-        </p:nvPicPr>
-        <p:blipFill>
-          <a:blip r:embed="rId2">
-            <a:extLst>
-              <a:ext uri="{28A0092B-C50C-407E-A947-70E740481C1C}">
-                <a14:useLocalDpi xmlns:a14="http://schemas.microsoft.com/office/drawing/2010/main" val="0"/>
-              </a:ext>
-            </a:extLst>
-          </a:blip>
-          <a:stretch>
-            <a:fillRect/>
-          </a:stretch>
-        </p:blipFill>
-        <p:spPr>
-          <a:xfrm>
-            <a:off x="5051522" y="351693"/>
-            <a:ext cx="6970519" cy="5977220"/>
-          </a:xfrm>
-          <a:prstGeom prst="rect">
-            <a:avLst/>
-          </a:prstGeom>
-        </p:spPr>
-      </p:pic>
-      <p:sp>
-        <p:nvSpPr>
-          <p:cNvPr id="2" name="Title 1">
-            <a:extLst>
-              <a:ext uri="{FF2B5EF4-FFF2-40B4-BE49-F238E27FC236}">
-                <a16:creationId xmlns:a16="http://schemas.microsoft.com/office/drawing/2014/main" id="{81002785-F1EA-47F3-9F9A-68FE8CC2BA4C}"/>
-              </a:ext>
-            </a:extLst>
-          </p:cNvPr>
-          <p:cNvSpPr>
-            <a:spLocks noGrp="1"/>
-          </p:cNvSpPr>
-          <p:nvPr>
-            <p:ph type="title"/>
-          </p:nvPr>
-        </p:nvSpPr>
-        <p:spPr>
-          <a:xfrm>
-            <a:off x="321733" y="981091"/>
-            <a:ext cx="4092951" cy="1624457"/>
-          </a:xfrm>
-        </p:spPr>
-        <p:txBody>
-          <a:bodyPr>
-            <a:normAutofit/>
-          </a:bodyPr>
-          <a:lstStyle/>
-          <a:p>
-            <a:r>
-              <a:rPr lang="en-US" sz="3600" b="1">
-                <a:solidFill>
-                  <a:schemeClr val="bg1"/>
-                </a:solidFill>
-                <a:latin typeface="Gentium Plus" panose="02000503060000020004" pitchFamily="2" charset="0"/>
-                <a:ea typeface="Gentium Plus" panose="02000503060000020004" pitchFamily="2" charset="0"/>
-                <a:cs typeface="Gentium Plus" panose="02000503060000020004" pitchFamily="2" charset="0"/>
-              </a:rPr>
-              <a:t>Physical Architecture</a:t>
-            </a:r>
-          </a:p>
-        </p:txBody>
-      </p:sp>
-      <p:sp>
-        <p:nvSpPr>
-          <p:cNvPr id="17" name="Content Placeholder 9">
-            <a:extLst>
-              <a:ext uri="{FF2B5EF4-FFF2-40B4-BE49-F238E27FC236}">
-                <a16:creationId xmlns:a16="http://schemas.microsoft.com/office/drawing/2014/main" id="{00A3C9AB-A80C-4B27-BCF4-660D60D43360}"/>
-              </a:ext>
-            </a:extLst>
-          </p:cNvPr>
-          <p:cNvSpPr>
-            <a:spLocks noGrp="1"/>
-          </p:cNvSpPr>
-          <p:nvPr>
-            <p:ph idx="1"/>
-          </p:nvPr>
-        </p:nvSpPr>
-        <p:spPr>
-          <a:xfrm>
-            <a:off x="321733" y="2834809"/>
-            <a:ext cx="4092951" cy="3042099"/>
-          </a:xfrm>
-        </p:spPr>
-        <p:txBody>
-          <a:bodyPr anchor="t">
-            <a:normAutofit/>
-          </a:bodyPr>
-          <a:lstStyle/>
-          <a:p>
-            <a:endParaRPr lang="en-US" sz="2000">
-              <a:solidFill>
-                <a:schemeClr val="bg1"/>
-              </a:solidFill>
-              <a:latin typeface="Gentium Plus" panose="02000503060000020004" pitchFamily="2" charset="0"/>
-              <a:ea typeface="Gentium Plus" panose="02000503060000020004" pitchFamily="2" charset="0"/>
-              <a:cs typeface="Gentium Plus" panose="02000503060000020004" pitchFamily="2" charset="0"/>
-            </a:endParaRPr>
-          </a:p>
-          <a:p>
-            <a:r>
-              <a:rPr lang="en-US" sz="2000">
-                <a:solidFill>
-                  <a:schemeClr val="bg1"/>
-                </a:solidFill>
-                <a:latin typeface="Gentium Plus" panose="02000503060000020004" pitchFamily="2" charset="0"/>
-                <a:ea typeface="Gentium Plus" panose="02000503060000020004" pitchFamily="2" charset="0"/>
-                <a:cs typeface="Gentium Plus" panose="02000503060000020004" pitchFamily="2" charset="0"/>
-              </a:rPr>
-              <a:t>Raspberry Pi Zero W</a:t>
-            </a:r>
-          </a:p>
-          <a:p>
-            <a:endParaRPr lang="en-US" sz="2000">
-              <a:solidFill>
-                <a:schemeClr val="bg1"/>
-              </a:solidFill>
-              <a:latin typeface="Gentium Plus" panose="02000503060000020004" pitchFamily="2" charset="0"/>
-              <a:ea typeface="Gentium Plus" panose="02000503060000020004" pitchFamily="2" charset="0"/>
-              <a:cs typeface="Gentium Plus" panose="02000503060000020004" pitchFamily="2" charset="0"/>
-            </a:endParaRPr>
-          </a:p>
-          <a:p>
-            <a:r>
-              <a:rPr lang="en-US" sz="2000">
-                <a:solidFill>
-                  <a:schemeClr val="bg1"/>
-                </a:solidFill>
-                <a:latin typeface="Gentium Plus" panose="02000503060000020004" pitchFamily="2" charset="0"/>
-                <a:ea typeface="Gentium Plus" panose="02000503060000020004" pitchFamily="2" charset="0"/>
-                <a:cs typeface="Gentium Plus" panose="02000503060000020004" pitchFamily="2" charset="0"/>
-              </a:rPr>
-              <a:t>HC-SR04</a:t>
-            </a:r>
-          </a:p>
-          <a:p>
-            <a:endParaRPr lang="en-US" sz="2000">
-              <a:solidFill>
-                <a:schemeClr val="bg1"/>
-              </a:solidFill>
-              <a:latin typeface="Gentium Plus" panose="02000503060000020004" pitchFamily="2" charset="0"/>
-              <a:ea typeface="Gentium Plus" panose="02000503060000020004" pitchFamily="2" charset="0"/>
-              <a:cs typeface="Gentium Plus" panose="02000503060000020004" pitchFamily="2" charset="0"/>
-            </a:endParaRPr>
-          </a:p>
-          <a:p>
-            <a:r>
-              <a:rPr lang="en-US" sz="2000">
-                <a:solidFill>
-                  <a:schemeClr val="bg1"/>
-                </a:solidFill>
-                <a:latin typeface="Gentium Plus" panose="02000503060000020004" pitchFamily="2" charset="0"/>
-                <a:ea typeface="Gentium Plus" panose="02000503060000020004" pitchFamily="2" charset="0"/>
-                <a:cs typeface="Gentium Plus" panose="02000503060000020004" pitchFamily="2" charset="0"/>
-              </a:rPr>
-              <a:t>DHT11</a:t>
-            </a:r>
-          </a:p>
-          <a:p>
-            <a:endParaRPr lang="en-US" sz="2000">
-              <a:solidFill>
-                <a:schemeClr val="bg1"/>
-              </a:solidFill>
-              <a:latin typeface="Gentium Plus" panose="02000503060000020004" pitchFamily="2" charset="0"/>
-              <a:ea typeface="Gentium Plus" panose="02000503060000020004" pitchFamily="2" charset="0"/>
-              <a:cs typeface="Gentium Plus" panose="02000503060000020004" pitchFamily="2" charset="0"/>
-            </a:endParaRPr>
-          </a:p>
-          <a:p>
-            <a:endParaRPr lang="en-US" sz="2000" dirty="0">
-              <a:solidFill>
-                <a:schemeClr val="bg1"/>
-              </a:solidFill>
-              <a:latin typeface="Gentium Plus" panose="02000503060000020004" pitchFamily="2" charset="0"/>
-              <a:ea typeface="Gentium Plus" panose="02000503060000020004" pitchFamily="2" charset="0"/>
-              <a:cs typeface="Gentium Plus" panose="02000503060000020004" pitchFamily="2" charset="0"/>
-            </a:endParaRPr>
-          </a:p>
-        </p:txBody>
-      </p:sp>
-      <p:sp>
-        <p:nvSpPr>
-          <p:cNvPr id="5" name="Slide Number Placeholder 4">
-            <a:extLst>
-              <a:ext uri="{FF2B5EF4-FFF2-40B4-BE49-F238E27FC236}">
-                <a16:creationId xmlns:a16="http://schemas.microsoft.com/office/drawing/2014/main" id="{34160D2A-1986-4BEA-873E-ED51E0C3F40D}"/>
-              </a:ext>
-            </a:extLst>
-          </p:cNvPr>
-          <p:cNvSpPr>
-            <a:spLocks noGrp="1"/>
-          </p:cNvSpPr>
-          <p:nvPr>
-            <p:ph type="sldNum" sz="quarter" idx="12"/>
-          </p:nvPr>
-        </p:nvSpPr>
-        <p:spPr/>
-        <p:txBody>
-          <a:bodyPr/>
-          <a:lstStyle/>
-          <a:p>
-            <a:fld id="{F0CD063B-A75C-4963-B39E-9F4A7E238D4B}" type="slidenum">
-              <a:rPr lang="en-US" smtClean="0"/>
-              <a:t>5</a:t>
-            </a:fld>
-            <a:endParaRPr lang="en-US"/>
-          </a:p>
-        </p:txBody>
-      </p:sp>
-    </p:spTree>
-    <p:extLst>
-      <p:ext uri="{BB962C8B-B14F-4D97-AF65-F5344CB8AC3E}">
-        <p14:creationId xmlns:p14="http://schemas.microsoft.com/office/powerpoint/2010/main" val="1677824859"/>
-      </p:ext>
-    </p:extLst>
-  </p:cSld>
-  <p:clrMapOvr>
-    <a:masterClrMapping/>
-  </p:clrMapOvr>
-</p:sld>
-</file>
-
-<file path=ppt/slides/slide6.xml><?xml version="1.0" encoding="utf-8"?>
-<p:sld xmlns:a="http://schemas.openxmlformats.org/drawingml/2006/main" xmlns:r="http://schemas.openxmlformats.org/officeDocument/2006/relationships" xmlns:p="http://schemas.openxmlformats.org/presentationml/2006/main">
-  <p:cSld>
-    <p:bg>
-      <p:bgPr>
-        <a:solidFill>
-          <a:schemeClr val="bg1"/>
-        </a:solidFill>
-        <a:effectLst/>
-      </p:bgPr>
-    </p:bg>
-    <p:spTree>
-      <p:nvGrpSpPr>
-        <p:cNvPr id="1" name=""/>
-        <p:cNvGrpSpPr/>
-        <p:nvPr/>
-      </p:nvGrpSpPr>
-      <p:grpSpPr>
-        <a:xfrm>
-          <a:off x="0" y="0"/>
-          <a:ext cx="0" cy="0"/>
-          <a:chOff x="0" y="0"/>
-          <a:chExt cx="0" cy="0"/>
-        </a:xfrm>
-      </p:grpSpPr>
-      <p:sp>
-        <p:nvSpPr>
-          <p:cNvPr id="27" name="Rectangle: Top Corners Rounded 26">
-            <a:extLst>
-              <a:ext uri="{FF2B5EF4-FFF2-40B4-BE49-F238E27FC236}">
-                <a16:creationId xmlns:a16="http://schemas.microsoft.com/office/drawing/2014/main" id="{3BAF1561-20C4-41FD-A35F-BF2B9E727F3E}"/>
-              </a:ext>
-              <a:ext uri="{C183D7F6-B498-43B3-948B-1728B52AA6E4}">
-                <adec:decorative xmlns:adec="http://schemas.microsoft.com/office/drawing/2017/decorative" xmlns="" val="1"/>
-              </a:ext>
-            </a:extLst>
-          </p:cNvPr>
-          <p:cNvSpPr>
-            <a:spLocks noGrp="1" noRot="1" noChangeAspect="1" noMove="1" noResize="1" noEditPoints="1" noAdjustHandles="1" noChangeArrowheads="1" noChangeShapeType="1" noTextEdit="1"/>
-          </p:cNvSpPr>
-          <p:nvPr>
-            <p:extLst>
-              <p:ext uri="{386F3935-93C4-4BCD-93E2-E3B085C9AB24}">
-                <p16:designElem xmlns:p16="http://schemas.microsoft.com/office/powerpoint/2015/main" val="1"/>
-              </p:ext>
-            </p:extLst>
-          </p:nvPr>
-        </p:nvSpPr>
-        <p:spPr>
-          <a:xfrm rot="5400000" flipH="1">
-            <a:off x="-529466" y="996722"/>
-            <a:ext cx="5923488" cy="4864556"/>
-          </a:xfrm>
-          <a:prstGeom prst="round2SameRect">
-            <a:avLst>
-              <a:gd name="adj1" fmla="val 3762"/>
-              <a:gd name="adj2" fmla="val 0"/>
-            </a:avLst>
-          </a:prstGeom>
-          <a:solidFill>
-            <a:schemeClr val="tx1">
-              <a:lumMod val="75000"/>
-              <a:lumOff val="25000"/>
-            </a:schemeClr>
-          </a:solidFill>
-          <a:ln>
-            <a:noFill/>
-          </a:ln>
-        </p:spPr>
-        <p:style>
-          <a:lnRef idx="2">
-            <a:schemeClr val="accent1">
-              <a:shade val="50000"/>
-            </a:schemeClr>
-          </a:lnRef>
-          <a:fillRef idx="1">
-            <a:schemeClr val="accent1"/>
-          </a:fillRef>
-          <a:effectRef idx="0">
-            <a:schemeClr val="accent1"/>
-          </a:effectRef>
-          <a:fontRef idx="minor">
-            <a:schemeClr val="lt1"/>
-          </a:fontRef>
-        </p:style>
-        <p:txBody>
-          <a:bodyPr rtlCol="0" anchor="ctr"/>
-          <a:lstStyle/>
-          <a:p>
-            <a:pPr marL="0" marR="0" lvl="0" indent="0" algn="ctr" defTabSz="914400" rtl="0" eaLnBrk="1" fontAlgn="auto" latinLnBrk="0" hangingPunct="1">
-              <a:lnSpc>
-                <a:spcPct val="100000"/>
-              </a:lnSpc>
-              <a:spcBef>
-                <a:spcPts val="0"/>
-              </a:spcBef>
-              <a:spcAft>
-                <a:spcPts val="0"/>
-              </a:spcAft>
-              <a:buClrTx/>
-              <a:buSzTx/>
-              <a:buFontTx/>
-              <a:buNone/>
-              <a:tabLst/>
-              <a:defRPr/>
-            </a:pPr>
-            <a:endParaRPr kumimoji="0" lang="en-US" sz="1800" b="0" i="0" u="none" strike="noStrike" kern="1200" cap="none" spc="0" normalizeH="0" baseline="0" noProof="0">
-              <a:ln>
-                <a:noFill/>
-              </a:ln>
-              <a:solidFill>
-                <a:prstClr val="white"/>
-              </a:solidFill>
-              <a:effectLst/>
-              <a:uLnTx/>
-              <a:uFillTx/>
-              <a:latin typeface="Calibri" panose="020F0502020204030204"/>
-              <a:ea typeface="+mn-ea"/>
-              <a:cs typeface="+mn-cs"/>
-            </a:endParaRPr>
-          </a:p>
-        </p:txBody>
-      </p:sp>
-      <p:sp>
-        <p:nvSpPr>
-          <p:cNvPr id="29" name="Rectangle: Top Corners Rounded 28">
-            <a:extLst>
-              <a:ext uri="{FF2B5EF4-FFF2-40B4-BE49-F238E27FC236}">
-                <a16:creationId xmlns:a16="http://schemas.microsoft.com/office/drawing/2014/main" id="{839DC788-B140-4F3E-A91E-CB3E70ED940A}"/>
-              </a:ext>
-              <a:ext uri="{C183D7F6-B498-43B3-948B-1728B52AA6E4}">
-                <adec:decorative xmlns:adec="http://schemas.microsoft.com/office/drawing/2017/decorative" xmlns="" val="1"/>
-              </a:ext>
-            </a:extLst>
-          </p:cNvPr>
-          <p:cNvSpPr>
-            <a:spLocks noGrp="1" noRot="1" noChangeAspect="1" noMove="1" noResize="1" noEditPoints="1" noAdjustHandles="1" noChangeArrowheads="1" noChangeShapeType="1" noTextEdit="1"/>
-          </p:cNvSpPr>
-          <p:nvPr>
-            <p:extLst>
-              <p:ext uri="{386F3935-93C4-4BCD-93E2-E3B085C9AB24}">
-                <p16:designElem xmlns:p16="http://schemas.microsoft.com/office/powerpoint/2015/main" val="1"/>
-              </p:ext>
-            </p:extLst>
-          </p:nvPr>
-        </p:nvSpPr>
-        <p:spPr>
-          <a:xfrm rot="5400000" flipH="1">
-            <a:off x="-457200" y="1050468"/>
-            <a:ext cx="5609397" cy="4757058"/>
-          </a:xfrm>
-          <a:prstGeom prst="round2SameRect">
-            <a:avLst>
-              <a:gd name="adj1" fmla="val 2061"/>
-              <a:gd name="adj2" fmla="val 0"/>
-            </a:avLst>
-          </a:prstGeom>
-          <a:noFill/>
-          <a:ln w="50800">
-            <a:solidFill>
-              <a:schemeClr val="bg1"/>
-            </a:solidFill>
-          </a:ln>
-        </p:spPr>
-        <p:style>
-          <a:lnRef idx="2">
-            <a:schemeClr val="accent1">
-              <a:shade val="50000"/>
-            </a:schemeClr>
-          </a:lnRef>
-          <a:fillRef idx="1">
-            <a:schemeClr val="accent1"/>
-          </a:fillRef>
-          <a:effectRef idx="0">
-            <a:schemeClr val="accent1"/>
-          </a:effectRef>
-          <a:fontRef idx="minor">
-            <a:schemeClr val="lt1"/>
-          </a:fontRef>
-        </p:style>
-        <p:txBody>
-          <a:bodyPr rtlCol="0" anchor="ctr"/>
-          <a:lstStyle/>
-          <a:p>
-            <a:pPr marL="0" marR="0" lvl="0" indent="0" algn="ctr" defTabSz="914400" rtl="0" eaLnBrk="1" fontAlgn="auto" latinLnBrk="0" hangingPunct="1">
-              <a:lnSpc>
-                <a:spcPct val="100000"/>
-              </a:lnSpc>
-              <a:spcBef>
-                <a:spcPts val="0"/>
-              </a:spcBef>
-              <a:spcAft>
-                <a:spcPts val="0"/>
-              </a:spcAft>
-              <a:buClrTx/>
-              <a:buSzTx/>
-              <a:buFontTx/>
-              <a:buNone/>
-              <a:tabLst/>
-              <a:defRPr/>
-            </a:pPr>
-            <a:endParaRPr kumimoji="0" lang="en-US" sz="1800" b="0" i="0" u="none" strike="noStrike" kern="1200" cap="none" spc="0" normalizeH="0" baseline="0" noProof="0">
-              <a:ln>
-                <a:noFill/>
-              </a:ln>
-              <a:solidFill>
-                <a:prstClr val="white"/>
-              </a:solidFill>
-              <a:effectLst/>
-              <a:uLnTx/>
-              <a:uFillTx/>
-              <a:latin typeface="Calibri" panose="020F0502020204030204"/>
-              <a:ea typeface="+mn-ea"/>
-              <a:cs typeface="+mn-cs"/>
-            </a:endParaRPr>
-          </a:p>
-        </p:txBody>
-      </p:sp>
-      <p:cxnSp>
-        <p:nvCxnSpPr>
-          <p:cNvPr id="31" name="Straight Connector 30">
-            <a:extLst>
-              <a:ext uri="{FF2B5EF4-FFF2-40B4-BE49-F238E27FC236}">
-                <a16:creationId xmlns:a16="http://schemas.microsoft.com/office/drawing/2014/main" id="{FC18D930-0EEE-448F-ABF1-2AA3C83DA552}"/>
-              </a:ext>
-              <a:ext uri="{C183D7F6-B498-43B3-948B-1728B52AA6E4}">
-                <adec:decorative xmlns:adec="http://schemas.microsoft.com/office/drawing/2017/decorative" xmlns="" val="1"/>
-              </a:ext>
-            </a:extLst>
-          </p:cNvPr>
-          <p:cNvCxnSpPr>
-            <a:cxnSpLocks noGrp="1" noRot="1" noChangeAspect="1" noMove="1" noResize="1" noEditPoints="1" noAdjustHandles="1" noChangeArrowheads="1" noChangeShapeType="1"/>
-          </p:cNvCxnSpPr>
-          <p:nvPr>
-            <p:extLst>
-              <p:ext uri="{386F3935-93C4-4BCD-93E2-E3B085C9AB24}">
-                <p16:designElem xmlns:p16="http://schemas.microsoft.com/office/powerpoint/2015/main" val="1"/>
-              </p:ext>
-            </p:extLst>
-          </p:nvPr>
-        </p:nvCxnSpPr>
-        <p:spPr>
-          <a:xfrm>
-            <a:off x="524071" y="2705800"/>
-            <a:ext cx="1597456" cy="0"/>
-          </a:xfrm>
-          <a:prstGeom prst="line">
-            <a:avLst/>
-          </a:prstGeom>
-          <a:ln w="50800">
-            <a:solidFill>
-              <a:schemeClr val="bg1">
-                <a:lumMod val="65000"/>
-              </a:schemeClr>
-            </a:solidFill>
-          </a:ln>
-        </p:spPr>
-        <p:style>
-          <a:lnRef idx="1">
-            <a:schemeClr val="accent1"/>
-          </a:lnRef>
-          <a:fillRef idx="0">
-            <a:schemeClr val="accent1"/>
-          </a:fillRef>
-          <a:effectRef idx="0">
-            <a:schemeClr val="accent1"/>
-          </a:effectRef>
-          <a:fontRef idx="minor">
-            <a:schemeClr val="tx1"/>
-          </a:fontRef>
-        </p:style>
-      </p:cxnSp>
-      <p:pic>
-        <p:nvPicPr>
-          <p:cNvPr id="4" name="Picture 3">
-            <a:extLst>
-              <a:ext uri="{FF2B5EF4-FFF2-40B4-BE49-F238E27FC236}">
-                <a16:creationId xmlns:a16="http://schemas.microsoft.com/office/drawing/2014/main" id="{FBCF7919-1DEF-49D1-A2E1-975B7728CFDB}"/>
-              </a:ext>
-            </a:extLst>
-          </p:cNvPr>
-          <p:cNvPicPr>
-            <a:picLocks noChangeAspect="1"/>
-          </p:cNvPicPr>
-          <p:nvPr/>
-        </p:nvPicPr>
-        <p:blipFill>
-          <a:blip r:embed="rId2">
-            <a:extLst>
-              <a:ext uri="{28A0092B-C50C-407E-A947-70E740481C1C}">
-                <a14:useLocalDpi xmlns:a14="http://schemas.microsoft.com/office/drawing/2010/main" val="0"/>
-              </a:ext>
-            </a:extLst>
-          </a:blip>
-          <a:stretch>
-            <a:fillRect/>
-          </a:stretch>
-        </p:blipFill>
-        <p:spPr>
-          <a:xfrm>
-            <a:off x="5186289" y="794451"/>
-            <a:ext cx="6869085" cy="5426576"/>
-          </a:xfrm>
-          <a:prstGeom prst="rect">
-            <a:avLst/>
-          </a:prstGeom>
-        </p:spPr>
-      </p:pic>
-      <p:sp>
-        <p:nvSpPr>
-          <p:cNvPr id="2" name="Title 1">
-            <a:extLst>
-              <a:ext uri="{FF2B5EF4-FFF2-40B4-BE49-F238E27FC236}">
-                <a16:creationId xmlns:a16="http://schemas.microsoft.com/office/drawing/2014/main" id="{4E4CBAD7-4BAC-4F3D-AF7D-B370C2EA95FB}"/>
-              </a:ext>
-            </a:extLst>
-          </p:cNvPr>
-          <p:cNvSpPr>
-            <a:spLocks noGrp="1"/>
-          </p:cNvSpPr>
-          <p:nvPr>
-            <p:ph type="title"/>
-          </p:nvPr>
-        </p:nvSpPr>
-        <p:spPr>
-          <a:xfrm>
-            <a:off x="321733" y="981091"/>
-            <a:ext cx="4092951" cy="1624457"/>
-          </a:xfrm>
-        </p:spPr>
-        <p:txBody>
-          <a:bodyPr>
-            <a:normAutofit/>
-          </a:bodyPr>
-          <a:lstStyle/>
-          <a:p>
-            <a:r>
-              <a:rPr lang="en-US" sz="3600" b="1" dirty="0">
-                <a:solidFill>
-                  <a:schemeClr val="bg1"/>
-                </a:solidFill>
-                <a:latin typeface="Gentium Plus" panose="02000503060000020004" pitchFamily="2" charset="0"/>
-                <a:ea typeface="Gentium Plus" panose="02000503060000020004" pitchFamily="2" charset="0"/>
-                <a:cs typeface="Gentium Plus" panose="02000503060000020004" pitchFamily="2" charset="0"/>
-              </a:rPr>
-              <a:t>Software Architecture</a:t>
-            </a:r>
-          </a:p>
-        </p:txBody>
-      </p:sp>
-      <p:sp>
-        <p:nvSpPr>
-          <p:cNvPr id="10" name="Content Placeholder 9">
-            <a:extLst>
-              <a:ext uri="{FF2B5EF4-FFF2-40B4-BE49-F238E27FC236}">
-                <a16:creationId xmlns:a16="http://schemas.microsoft.com/office/drawing/2014/main" id="{27855BF6-9710-44F3-A8BC-241CE5E9B07F}"/>
-              </a:ext>
-            </a:extLst>
-          </p:cNvPr>
-          <p:cNvSpPr>
-            <a:spLocks noGrp="1"/>
-          </p:cNvSpPr>
-          <p:nvPr>
-            <p:ph idx="1"/>
-          </p:nvPr>
-        </p:nvSpPr>
-        <p:spPr>
-          <a:xfrm>
-            <a:off x="321733" y="2834809"/>
-            <a:ext cx="4092951" cy="3042099"/>
-          </a:xfrm>
-        </p:spPr>
-        <p:txBody>
-          <a:bodyPr anchor="t">
-            <a:normAutofit/>
-          </a:bodyPr>
-          <a:lstStyle/>
-          <a:p>
-            <a:r>
-              <a:rPr lang="en-US" sz="2000" dirty="0">
-                <a:solidFill>
-                  <a:schemeClr val="bg1"/>
-                </a:solidFill>
-                <a:latin typeface="Gentium Plus" panose="02000503060000020004" pitchFamily="2" charset="0"/>
-                <a:ea typeface="Gentium Plus" panose="02000503060000020004" pitchFamily="2" charset="0"/>
-                <a:cs typeface="Gentium Plus" panose="02000503060000020004" pitchFamily="2" charset="0"/>
-              </a:rPr>
-              <a:t>Python, C</a:t>
-            </a:r>
-          </a:p>
-          <a:p>
-            <a:endParaRPr lang="en-US" sz="2000" dirty="0">
-              <a:solidFill>
-                <a:schemeClr val="bg1"/>
-              </a:solidFill>
-              <a:latin typeface="Gentium Plus" panose="02000503060000020004" pitchFamily="2" charset="0"/>
-              <a:ea typeface="Gentium Plus" panose="02000503060000020004" pitchFamily="2" charset="0"/>
-              <a:cs typeface="Gentium Plus" panose="02000503060000020004" pitchFamily="2" charset="0"/>
-            </a:endParaRPr>
-          </a:p>
-          <a:p>
-            <a:r>
-              <a:rPr lang="en-US" sz="2000" b="1" dirty="0">
-                <a:solidFill>
-                  <a:schemeClr val="bg1"/>
-                </a:solidFill>
-                <a:latin typeface="Gentium Plus" panose="02000503060000020004" pitchFamily="2" charset="0"/>
-                <a:ea typeface="Gentium Plus" panose="02000503060000020004" pitchFamily="2" charset="0"/>
-                <a:cs typeface="Gentium Plus" panose="02000503060000020004" pitchFamily="2" charset="0"/>
-              </a:rPr>
-              <a:t>Over 1000 lines of code</a:t>
-            </a:r>
-          </a:p>
-          <a:p>
-            <a:endParaRPr lang="en-US" sz="2000" b="1" dirty="0">
-              <a:solidFill>
-                <a:schemeClr val="bg1"/>
-              </a:solidFill>
-              <a:latin typeface="Gentium Plus" panose="02000503060000020004" pitchFamily="2" charset="0"/>
-              <a:ea typeface="Gentium Plus" panose="02000503060000020004" pitchFamily="2" charset="0"/>
-              <a:cs typeface="Gentium Plus" panose="02000503060000020004" pitchFamily="2" charset="0"/>
-            </a:endParaRPr>
-          </a:p>
-          <a:p>
-            <a:r>
-              <a:rPr lang="en-US" sz="2000" dirty="0">
-                <a:solidFill>
-                  <a:schemeClr val="bg1"/>
-                </a:solidFill>
-                <a:latin typeface="Gentium Plus" panose="02000503060000020004" pitchFamily="2" charset="0"/>
-                <a:ea typeface="Gentium Plus" panose="02000503060000020004" pitchFamily="2" charset="0"/>
-                <a:cs typeface="Gentium Plus" panose="02000503060000020004" pitchFamily="2" charset="0"/>
-              </a:rPr>
-              <a:t>Modular</a:t>
-            </a:r>
-          </a:p>
-          <a:p>
-            <a:endParaRPr lang="en-US" sz="2000" dirty="0">
-              <a:solidFill>
-                <a:schemeClr val="bg1"/>
-              </a:solidFill>
-              <a:latin typeface="Gentium Plus" panose="02000503060000020004" pitchFamily="2" charset="0"/>
-              <a:ea typeface="Gentium Plus" panose="02000503060000020004" pitchFamily="2" charset="0"/>
-              <a:cs typeface="Gentium Plus" panose="02000503060000020004" pitchFamily="2" charset="0"/>
-            </a:endParaRPr>
-          </a:p>
-          <a:p>
-            <a:r>
-              <a:rPr lang="en-US" sz="2000" dirty="0">
-                <a:solidFill>
-                  <a:schemeClr val="bg1"/>
-                </a:solidFill>
-                <a:latin typeface="Gentium Plus" panose="02000503060000020004" pitchFamily="2" charset="0"/>
-                <a:ea typeface="Gentium Plus" panose="02000503060000020004" pitchFamily="2" charset="0"/>
-                <a:cs typeface="Gentium Plus" panose="02000503060000020004" pitchFamily="2" charset="0"/>
-              </a:rPr>
-              <a:t>Maintainable, usable, extendable </a:t>
-            </a:r>
-          </a:p>
-          <a:p>
-            <a:endParaRPr lang="en-US" sz="2000" dirty="0">
-              <a:solidFill>
-                <a:schemeClr val="bg1"/>
-              </a:solidFill>
-              <a:latin typeface="Gentium Plus" panose="02000503060000020004" pitchFamily="2" charset="0"/>
-              <a:ea typeface="Gentium Plus" panose="02000503060000020004" pitchFamily="2" charset="0"/>
-              <a:cs typeface="Gentium Plus" panose="02000503060000020004" pitchFamily="2" charset="0"/>
-            </a:endParaRPr>
-          </a:p>
-        </p:txBody>
-      </p:sp>
-      <p:sp>
-        <p:nvSpPr>
-          <p:cNvPr id="5" name="Slide Number Placeholder 4">
-            <a:extLst>
-              <a:ext uri="{FF2B5EF4-FFF2-40B4-BE49-F238E27FC236}">
-                <a16:creationId xmlns:a16="http://schemas.microsoft.com/office/drawing/2014/main" id="{FB5E1C94-6968-4E2D-8773-6B78D933FF6E}"/>
-              </a:ext>
-            </a:extLst>
-          </p:cNvPr>
-          <p:cNvSpPr>
-            <a:spLocks noGrp="1"/>
-          </p:cNvSpPr>
-          <p:nvPr>
-            <p:ph type="sldNum" sz="quarter" idx="12"/>
-          </p:nvPr>
-        </p:nvSpPr>
-        <p:spPr/>
-        <p:txBody>
-          <a:bodyPr/>
-          <a:lstStyle/>
-          <a:p>
-            <a:fld id="{F0CD063B-A75C-4963-B39E-9F4A7E238D4B}" type="slidenum">
-              <a:rPr lang="en-US" smtClean="0"/>
-              <a:t>6</a:t>
-            </a:fld>
-            <a:endParaRPr lang="en-US"/>
-          </a:p>
-        </p:txBody>
-      </p:sp>
-    </p:spTree>
-    <p:extLst>
-      <p:ext uri="{BB962C8B-B14F-4D97-AF65-F5344CB8AC3E}">
-        <p14:creationId xmlns:p14="http://schemas.microsoft.com/office/powerpoint/2010/main" val="3742333842"/>
-      </p:ext>
-    </p:extLst>
-  </p:cSld>
-  <p:clrMapOvr>
-    <a:masterClrMapping/>
-  </p:clrMapOvr>
-</p:sld>
-</file>
-
-<file path=ppt/slides/slide7.xml><?xml version="1.0" encoding="utf-8"?>
-<p:sld xmlns:a="http://schemas.openxmlformats.org/drawingml/2006/main" xmlns:r="http://schemas.openxmlformats.org/officeDocument/2006/relationships" xmlns:p="http://schemas.openxmlformats.org/presentationml/2006/main">
-  <p:cSld>
-    <p:bg>
-      <p:bgPr>
-        <a:solidFill>
-          <a:schemeClr val="bg1"/>
-        </a:solidFill>
-        <a:effectLst/>
-      </p:bgPr>
-    </p:bg>
-    <p:spTree>
-      <p:nvGrpSpPr>
-        <p:cNvPr id="1" name=""/>
-        <p:cNvGrpSpPr/>
-        <p:nvPr/>
-      </p:nvGrpSpPr>
-      <p:grpSpPr>
-        <a:xfrm>
-          <a:off x="0" y="0"/>
-          <a:ext cx="0" cy="0"/>
-          <a:chOff x="0" y="0"/>
-          <a:chExt cx="0" cy="0"/>
-        </a:xfrm>
-      </p:grpSpPr>
-      <p:pic>
-        <p:nvPicPr>
-          <p:cNvPr id="5" name="Content Placeholder 4">
-            <a:extLst>
-              <a:ext uri="{FF2B5EF4-FFF2-40B4-BE49-F238E27FC236}">
-                <a16:creationId xmlns:a16="http://schemas.microsoft.com/office/drawing/2014/main" id="{A919BE45-BCA5-4F11-A84B-7AB44837D733}"/>
-              </a:ext>
-            </a:extLst>
-          </p:cNvPr>
-          <p:cNvPicPr>
-            <a:picLocks noGrp="1" noChangeAspect="1"/>
-          </p:cNvPicPr>
-          <p:nvPr>
-            <p:ph idx="1"/>
-          </p:nvPr>
-        </p:nvPicPr>
-        <p:blipFill rotWithShape="1">
-          <a:blip r:embed="rId2">
-            <a:extLst>
-              <a:ext uri="{28A0092B-C50C-407E-A947-70E740481C1C}">
-                <a14:useLocalDpi xmlns:a14="http://schemas.microsoft.com/office/drawing/2010/main" val="0"/>
-              </a:ext>
-            </a:extLst>
-          </a:blip>
-          <a:srcRect/>
-          <a:stretch/>
-        </p:blipFill>
-        <p:spPr>
-          <a:xfrm>
-            <a:off x="20" y="10"/>
-            <a:ext cx="12191980" cy="6857990"/>
-          </a:xfrm>
-          <a:prstGeom prst="rect">
-            <a:avLst/>
-          </a:prstGeom>
-        </p:spPr>
-      </p:pic>
-      <p:sp>
-        <p:nvSpPr>
-          <p:cNvPr id="2" name="Slide Number Placeholder 1">
-            <a:extLst>
-              <a:ext uri="{FF2B5EF4-FFF2-40B4-BE49-F238E27FC236}">
-                <a16:creationId xmlns:a16="http://schemas.microsoft.com/office/drawing/2014/main" id="{A0E95BF1-8BFF-4E17-8D0F-EF2D0A192F59}"/>
-              </a:ext>
-            </a:extLst>
-          </p:cNvPr>
-          <p:cNvSpPr>
-            <a:spLocks noGrp="1"/>
-          </p:cNvSpPr>
-          <p:nvPr>
-            <p:ph type="sldNum" sz="quarter" idx="12"/>
-          </p:nvPr>
-        </p:nvSpPr>
-        <p:spPr/>
-        <p:txBody>
-          <a:bodyPr/>
-          <a:lstStyle/>
-          <a:p>
-            <a:fld id="{F0CD063B-A75C-4963-B39E-9F4A7E238D4B}" type="slidenum">
-              <a:rPr lang="en-US" smtClean="0"/>
-              <a:t>7</a:t>
-            </a:fld>
-            <a:endParaRPr lang="en-US"/>
-          </a:p>
-        </p:txBody>
-      </p:sp>
-    </p:spTree>
-    <p:extLst>
-      <p:ext uri="{BB962C8B-B14F-4D97-AF65-F5344CB8AC3E}">
-        <p14:creationId xmlns:p14="http://schemas.microsoft.com/office/powerpoint/2010/main" val="4184466793"/>
-      </p:ext>
-    </p:extLst>
-  </p:cSld>
-  <p:clrMapOvr>
-    <a:masterClrMapping/>
-  </p:clrMapOvr>
-</p:sld>
-</file>
-
-<file path=ppt/slides/slide8.xml><?xml version="1.0" encoding="utf-8"?>
-<p:sld xmlns:a="http://schemas.openxmlformats.org/drawingml/2006/main" xmlns:r="http://schemas.openxmlformats.org/officeDocument/2006/relationships" xmlns:p="http://schemas.openxmlformats.org/presentationml/2006/main">
-  <p:cSld>
-    <p:bg>
-      <p:bgPr>
-        <a:solidFill>
-          <a:schemeClr val="bg1"/>
-        </a:solidFill>
-        <a:effectLst/>
-      </p:bgPr>
-    </p:bg>
-    <p:spTree>
-      <p:nvGrpSpPr>
-        <p:cNvPr id="1" name=""/>
-        <p:cNvGrpSpPr/>
-        <p:nvPr/>
-      </p:nvGrpSpPr>
-      <p:grpSpPr>
-        <a:xfrm>
-          <a:off x="0" y="0"/>
-          <a:ext cx="0" cy="0"/>
-          <a:chOff x="0" y="0"/>
-          <a:chExt cx="0" cy="0"/>
-        </a:xfrm>
-      </p:grpSpPr>
-      <p:pic>
-        <p:nvPicPr>
-          <p:cNvPr id="5" name="Content Placeholder 4">
-            <a:extLst>
-              <a:ext uri="{FF2B5EF4-FFF2-40B4-BE49-F238E27FC236}">
-                <a16:creationId xmlns:a16="http://schemas.microsoft.com/office/drawing/2014/main" id="{7D0E239E-6FC4-4D21-9E38-CD45103C7423}"/>
-              </a:ext>
-            </a:extLst>
-          </p:cNvPr>
-          <p:cNvPicPr>
-            <a:picLocks noGrp="1" noChangeAspect="1"/>
-          </p:cNvPicPr>
-          <p:nvPr>
-            <p:ph idx="1"/>
-          </p:nvPr>
-        </p:nvPicPr>
-        <p:blipFill rotWithShape="1">
-          <a:blip r:embed="rId2">
-            <a:extLst>
-              <a:ext uri="{28A0092B-C50C-407E-A947-70E740481C1C}">
-                <a14:useLocalDpi xmlns:a14="http://schemas.microsoft.com/office/drawing/2010/main" val="0"/>
-              </a:ext>
-            </a:extLst>
-          </a:blip>
-          <a:srcRect/>
-          <a:stretch/>
-        </p:blipFill>
-        <p:spPr>
-          <a:xfrm>
-            <a:off x="20" y="10"/>
-            <a:ext cx="12191980" cy="6857990"/>
-          </a:xfrm>
-          <a:prstGeom prst="rect">
-            <a:avLst/>
-          </a:prstGeom>
-        </p:spPr>
-      </p:pic>
-      <p:sp>
-        <p:nvSpPr>
-          <p:cNvPr id="2" name="Slide Number Placeholder 1">
-            <a:extLst>
-              <a:ext uri="{FF2B5EF4-FFF2-40B4-BE49-F238E27FC236}">
-                <a16:creationId xmlns:a16="http://schemas.microsoft.com/office/drawing/2014/main" id="{987F33EE-4E68-4FBB-8A2B-4A86BBE351DA}"/>
-              </a:ext>
-            </a:extLst>
-          </p:cNvPr>
-          <p:cNvSpPr>
-            <a:spLocks noGrp="1"/>
-          </p:cNvSpPr>
-          <p:nvPr>
-            <p:ph type="sldNum" sz="quarter" idx="12"/>
-          </p:nvPr>
-        </p:nvSpPr>
-        <p:spPr/>
-        <p:txBody>
-          <a:bodyPr/>
-          <a:lstStyle/>
-          <a:p>
-            <a:fld id="{F0CD063B-A75C-4963-B39E-9F4A7E238D4B}" type="slidenum">
-              <a:rPr lang="en-US" smtClean="0"/>
-              <a:t>8</a:t>
-            </a:fld>
-            <a:endParaRPr lang="en-US"/>
-          </a:p>
-        </p:txBody>
-      </p:sp>
-    </p:spTree>
-    <p:extLst>
-      <p:ext uri="{BB962C8B-B14F-4D97-AF65-F5344CB8AC3E}">
-        <p14:creationId xmlns:p14="http://schemas.microsoft.com/office/powerpoint/2010/main" val="4177718017"/>
-      </p:ext>
-    </p:extLst>
-  </p:cSld>
-  <p:clrMapOvr>
-    <a:masterClrMapping/>
-  </p:clrMapOvr>
-</p:sld>
-</file>
-
-<file path=ppt/slides/slide9.xml><?xml version="1.0" encoding="utf-8"?>
-<p:sld xmlns:a="http://schemas.openxmlformats.org/drawingml/2006/main" xmlns:r="http://schemas.openxmlformats.org/officeDocument/2006/relationships" xmlns:p="http://schemas.openxmlformats.org/presentationml/2006/main">
-  <p:cSld>
-    <p:bg>
-      <p:bgPr>
-        <a:solidFill>
-          <a:schemeClr val="bg1"/>
-        </a:solidFill>
-        <a:effectLst/>
-      </p:bgPr>
-    </p:bg>
-    <p:spTree>
-      <p:nvGrpSpPr>
-        <p:cNvPr id="1" name=""/>
-        <p:cNvGrpSpPr/>
-        <p:nvPr/>
-      </p:nvGrpSpPr>
-      <p:grpSpPr>
-        <a:xfrm>
-          <a:off x="0" y="0"/>
-          <a:ext cx="0" cy="0"/>
-          <a:chOff x="0" y="0"/>
-          <a:chExt cx="0" cy="0"/>
-        </a:xfrm>
-      </p:grpSpPr>
-      <p:sp>
-        <p:nvSpPr>
-          <p:cNvPr id="14" name="Rectangle 13">
-            <a:extLst>
-              <a:ext uri="{FF2B5EF4-FFF2-40B4-BE49-F238E27FC236}">
-                <a16:creationId xmlns:a16="http://schemas.microsoft.com/office/drawing/2014/main" id="{9228552E-C8B1-4A80-8448-0787CE0FC704}"/>
-              </a:ext>
-              <a:ext uri="{C183D7F6-B498-43B3-948B-1728B52AA6E4}">
-                <adec:decorative xmlns:adec="http://schemas.microsoft.com/office/drawing/2017/decorative" xmlns="" val="1"/>
-              </a:ext>
-            </a:extLst>
-          </p:cNvPr>
-          <p:cNvSpPr>
-            <a:spLocks noGrp="1" noRot="1" noChangeAspect="1" noMove="1" noResize="1" noEditPoints="1" noAdjustHandles="1" noChangeArrowheads="1" noChangeShapeType="1" noTextEdit="1"/>
-          </p:cNvSpPr>
-          <p:nvPr>
-            <p:extLst>
-              <p:ext uri="{386F3935-93C4-4BCD-93E2-E3B085C9AB24}">
-                <p16:designElem xmlns:p16="http://schemas.microsoft.com/office/powerpoint/2015/main" val="1"/>
+                <p16:designElem xmlns:p16="http://schemas.microsoft.com/office/powerpoint/2015/main" xmlns="" val="1"/>
               </p:ext>
             </p:extLst>
           </p:nvPr>
@@ -6880,7 +4053,7 @@
           <p:cNvPr id="9" name="Content Placeholder 4">
             <a:extLst>
               <a:ext uri="{FF2B5EF4-FFF2-40B4-BE49-F238E27FC236}">
-                <a16:creationId xmlns:a16="http://schemas.microsoft.com/office/drawing/2014/main" id="{AE2FAB7D-8579-4957-94AF-09FCA970BB5A}"/>
+                <a16:creationId xmlns:a16="http://schemas.microsoft.com/office/drawing/2014/main" xmlns="" id="{AE2FAB7D-8579-4957-94AF-09FCA970BB5A}"/>
               </a:ext>
             </a:extLst>
           </p:cNvPr>
@@ -6916,7 +4089,7 @@
           <p:cNvPr id="6" name="TextBox 5">
             <a:extLst>
               <a:ext uri="{FF2B5EF4-FFF2-40B4-BE49-F238E27FC236}">
-                <a16:creationId xmlns:a16="http://schemas.microsoft.com/office/drawing/2014/main" id="{28B8D3D0-5B40-4426-8B18-2D8B4F6E5117}"/>
+                <a16:creationId xmlns:a16="http://schemas.microsoft.com/office/drawing/2014/main" xmlns="" id="{28B8D3D0-5B40-4426-8B18-2D8B4F6E5117}"/>
               </a:ext>
             </a:extLst>
           </p:cNvPr>
@@ -6948,7 +4121,7 @@
           <p:cNvPr id="11" name="Content Placeholder 10">
             <a:extLst>
               <a:ext uri="{FF2B5EF4-FFF2-40B4-BE49-F238E27FC236}">
-                <a16:creationId xmlns:a16="http://schemas.microsoft.com/office/drawing/2014/main" id="{D7C6C64E-94E4-4001-99F8-536BC4134AFB}"/>
+                <a16:creationId xmlns:a16="http://schemas.microsoft.com/office/drawing/2014/main" xmlns="" id="{D7C6C64E-94E4-4001-99F8-536BC4134AFB}"/>
               </a:ext>
             </a:extLst>
           </p:cNvPr>
@@ -7086,7 +4259,7 @@
           <p:cNvPr id="15" name="Picture 14">
             <a:extLst>
               <a:ext uri="{FF2B5EF4-FFF2-40B4-BE49-F238E27FC236}">
-                <a16:creationId xmlns:a16="http://schemas.microsoft.com/office/drawing/2014/main" id="{BB375CD9-BD1C-4880-8D58-E91DF904AD62}"/>
+                <a16:creationId xmlns:a16="http://schemas.microsoft.com/office/drawing/2014/main" xmlns="" id="{BB375CD9-BD1C-4880-8D58-E91DF904AD62}"/>
               </a:ext>
             </a:extLst>
           </p:cNvPr>
@@ -7122,7 +4295,7 @@
           <p:cNvPr id="16" name="Slide Number Placeholder 15">
             <a:extLst>
               <a:ext uri="{FF2B5EF4-FFF2-40B4-BE49-F238E27FC236}">
-                <a16:creationId xmlns:a16="http://schemas.microsoft.com/office/drawing/2014/main" id="{2B31F51C-0316-461F-AA3D-C22CF31CF5B9}"/>
+                <a16:creationId xmlns:a16="http://schemas.microsoft.com/office/drawing/2014/main" xmlns="" id="{2B31F51C-0316-461F-AA3D-C22CF31CF5B9}"/>
               </a:ext>
             </a:extLst>
           </p:cNvPr>
@@ -7140,7 +4313,7 @@
           <a:p>
             <a:fld id="{F0CD063B-A75C-4963-B39E-9F4A7E238D4B}" type="slidenum">
               <a:rPr lang="en-US" smtClean="0"/>
-              <a:t>9</a:t>
+              <a:t>10</a:t>
             </a:fld>
             <a:endParaRPr lang="en-US"/>
           </a:p>
@@ -7151,7 +4324,7 @@
           <p:cNvPr id="17" name="TextBox 16">
             <a:extLst>
               <a:ext uri="{FF2B5EF4-FFF2-40B4-BE49-F238E27FC236}">
-                <a16:creationId xmlns:a16="http://schemas.microsoft.com/office/drawing/2014/main" id="{26555F56-3F5B-4E89-B5A5-254C62F5C66E}"/>
+                <a16:creationId xmlns:a16="http://schemas.microsoft.com/office/drawing/2014/main" xmlns="" id="{26555F56-3F5B-4E89-B5A5-254C62F5C66E}"/>
               </a:ext>
             </a:extLst>
           </p:cNvPr>
@@ -7657,6 +4830,3034 @@
 </p:sld>
 </file>
 
+<file path=ppt/slides/slide11.xml><?xml version="1.0" encoding="utf-8"?>
+<p:sld xmlns:a="http://schemas.openxmlformats.org/drawingml/2006/main" xmlns:r="http://schemas.openxmlformats.org/officeDocument/2006/relationships" xmlns:p="http://schemas.openxmlformats.org/presentationml/2006/main">
+  <p:cSld>
+    <p:bg>
+      <p:bgPr>
+        <a:solidFill>
+          <a:schemeClr val="bg1"/>
+        </a:solidFill>
+        <a:effectLst/>
+      </p:bgPr>
+    </p:bg>
+    <p:spTree>
+      <p:nvGrpSpPr>
+        <p:cNvPr id="1" name=""/>
+        <p:cNvGrpSpPr/>
+        <p:nvPr/>
+      </p:nvGrpSpPr>
+      <p:grpSpPr>
+        <a:xfrm>
+          <a:off x="0" y="0"/>
+          <a:ext cx="0" cy="0"/>
+          <a:chOff x="0" y="0"/>
+          <a:chExt cx="0" cy="0"/>
+        </a:xfrm>
+      </p:grpSpPr>
+      <p:pic>
+        <p:nvPicPr>
+          <p:cNvPr id="5" name="Content Placeholder 4">
+            <a:extLst>
+              <a:ext uri="{FF2B5EF4-FFF2-40B4-BE49-F238E27FC236}">
+                <a16:creationId xmlns:a16="http://schemas.microsoft.com/office/drawing/2014/main" xmlns="" id="{F8543FED-E0BC-4FF4-A698-3D27C50D42A6}"/>
+              </a:ext>
+            </a:extLst>
+          </p:cNvPr>
+          <p:cNvPicPr>
+            <a:picLocks noGrp="1" noChangeAspect="1"/>
+          </p:cNvPicPr>
+          <p:nvPr>
+            <p:ph idx="1"/>
+          </p:nvPr>
+        </p:nvPicPr>
+        <p:blipFill rotWithShape="1">
+          <a:blip r:embed="rId2" cstate="print">
+            <a:extLst>
+              <a:ext uri="{28A0092B-C50C-407E-A947-70E740481C1C}">
+                <a14:useLocalDpi xmlns:a14="http://schemas.microsoft.com/office/drawing/2010/main" val="0"/>
+              </a:ext>
+            </a:extLst>
+          </a:blip>
+          <a:srcRect t="11555" b="3539"/>
+          <a:stretch/>
+        </p:blipFill>
+        <p:spPr>
+          <a:xfrm>
+            <a:off x="20" y="10"/>
+            <a:ext cx="12191980" cy="6857990"/>
+          </a:xfrm>
+          <a:prstGeom prst="rect">
+            <a:avLst/>
+          </a:prstGeom>
+        </p:spPr>
+      </p:pic>
+      <p:sp>
+        <p:nvSpPr>
+          <p:cNvPr id="6" name="TextBox 5">
+            <a:extLst>
+              <a:ext uri="{FF2B5EF4-FFF2-40B4-BE49-F238E27FC236}">
+                <a16:creationId xmlns:a16="http://schemas.microsoft.com/office/drawing/2014/main" xmlns="" id="{5D3716D6-1E68-4EEB-9AAA-025CC0276E8F}"/>
+              </a:ext>
+            </a:extLst>
+          </p:cNvPr>
+          <p:cNvSpPr txBox="1"/>
+          <p:nvPr/>
+        </p:nvSpPr>
+        <p:spPr>
+          <a:xfrm>
+            <a:off x="8341122" y="496651"/>
+            <a:ext cx="3638843" cy="2123658"/>
+          </a:xfrm>
+          <a:prstGeom prst="rect">
+            <a:avLst/>
+          </a:prstGeom>
+          <a:noFill/>
+        </p:spPr>
+        <p:txBody>
+          <a:bodyPr wrap="square" rtlCol="0">
+            <a:spAutoFit/>
+          </a:bodyPr>
+          <a:lstStyle/>
+          <a:p>
+            <a:pPr algn="ctr"/>
+            <a:r>
+              <a:rPr lang="en-US" sz="4400" dirty="0">
+                <a:latin typeface="Gentium Plus" panose="02000503060000020004" pitchFamily="2" charset="0"/>
+                <a:ea typeface="Gentium Plus" panose="02000503060000020004" pitchFamily="2" charset="0"/>
+                <a:cs typeface="Gentium Plus" panose="02000503060000020004" pitchFamily="2" charset="0"/>
+              </a:rPr>
+              <a:t>Happy to answer any questions</a:t>
+            </a:r>
+          </a:p>
+        </p:txBody>
+      </p:sp>
+      <p:sp>
+        <p:nvSpPr>
+          <p:cNvPr id="8" name="TextBox 7">
+            <a:extLst>
+              <a:ext uri="{FF2B5EF4-FFF2-40B4-BE49-F238E27FC236}">
+                <a16:creationId xmlns:a16="http://schemas.microsoft.com/office/drawing/2014/main" xmlns="" id="{C4C05293-EF7E-453E-BE63-9CB47BA8E04E}"/>
+              </a:ext>
+            </a:extLst>
+          </p:cNvPr>
+          <p:cNvSpPr txBox="1"/>
+          <p:nvPr/>
+        </p:nvSpPr>
+        <p:spPr>
+          <a:xfrm>
+            <a:off x="7934177" y="5534561"/>
+            <a:ext cx="4452731" cy="1323439"/>
+          </a:xfrm>
+          <a:prstGeom prst="rect">
+            <a:avLst/>
+          </a:prstGeom>
+          <a:noFill/>
+        </p:spPr>
+        <p:txBody>
+          <a:bodyPr wrap="square" rtlCol="0">
+            <a:spAutoFit/>
+          </a:bodyPr>
+          <a:lstStyle/>
+          <a:p>
+            <a:pPr algn="ctr"/>
+            <a:r>
+              <a:rPr lang="en-US" sz="1600" dirty="0">
+                <a:latin typeface="Gentium Plus" panose="02000503060000020004" pitchFamily="2" charset="0"/>
+                <a:ea typeface="Gentium Plus" panose="02000503060000020004" pitchFamily="2" charset="0"/>
+                <a:cs typeface="Gentium Plus" panose="02000503060000020004" pitchFamily="2" charset="0"/>
+              </a:rPr>
+              <a:t>Title by Patrick Fore on </a:t>
+            </a:r>
+            <a:r>
+              <a:rPr lang="en-US" sz="1600" dirty="0" err="1">
+                <a:latin typeface="Gentium Plus" panose="02000503060000020004" pitchFamily="2" charset="0"/>
+                <a:ea typeface="Gentium Plus" panose="02000503060000020004" pitchFamily="2" charset="0"/>
+                <a:cs typeface="Gentium Plus" panose="02000503060000020004" pitchFamily="2" charset="0"/>
+              </a:rPr>
+              <a:t>Unsplash</a:t>
+            </a:r>
+            <a:endParaRPr lang="en-US" sz="1600" dirty="0">
+              <a:latin typeface="Gentium Plus" panose="02000503060000020004" pitchFamily="2" charset="0"/>
+              <a:ea typeface="Gentium Plus" panose="02000503060000020004" pitchFamily="2" charset="0"/>
+              <a:cs typeface="Gentium Plus" panose="02000503060000020004" pitchFamily="2" charset="0"/>
+            </a:endParaRPr>
+          </a:p>
+          <a:p>
+            <a:pPr algn="ctr"/>
+            <a:r>
+              <a:rPr lang="en-US" sz="1600" dirty="0">
+                <a:latin typeface="Gentium Plus" panose="02000503060000020004" pitchFamily="2" charset="0"/>
+                <a:ea typeface="Gentium Plus" panose="02000503060000020004" pitchFamily="2" charset="0"/>
+                <a:cs typeface="Gentium Plus" panose="02000503060000020004" pitchFamily="2" charset="0"/>
+              </a:rPr>
+              <a:t>Bottles by Adam Wilson on </a:t>
+            </a:r>
+            <a:r>
+              <a:rPr lang="en-US" sz="1600" dirty="0" err="1">
+                <a:latin typeface="Gentium Plus" panose="02000503060000020004" pitchFamily="2" charset="0"/>
+                <a:ea typeface="Gentium Plus" panose="02000503060000020004" pitchFamily="2" charset="0"/>
+                <a:cs typeface="Gentium Plus" panose="02000503060000020004" pitchFamily="2" charset="0"/>
+              </a:rPr>
+              <a:t>Unsplash</a:t>
+            </a:r>
+            <a:endParaRPr lang="en-US" sz="1600" dirty="0">
+              <a:latin typeface="Gentium Plus" panose="02000503060000020004" pitchFamily="2" charset="0"/>
+              <a:ea typeface="Gentium Plus" panose="02000503060000020004" pitchFamily="2" charset="0"/>
+              <a:cs typeface="Gentium Plus" panose="02000503060000020004" pitchFamily="2" charset="0"/>
+            </a:endParaRPr>
+          </a:p>
+          <a:p>
+            <a:pPr algn="ctr"/>
+            <a:r>
+              <a:rPr lang="en-US" sz="1600" dirty="0">
+                <a:latin typeface="Gentium Plus" panose="02000503060000020004" pitchFamily="2" charset="0"/>
+                <a:ea typeface="Gentium Plus" panose="02000503060000020004" pitchFamily="2" charset="0"/>
+                <a:cs typeface="Gentium Plus" panose="02000503060000020004" pitchFamily="2" charset="0"/>
+              </a:rPr>
+              <a:t>Brewery by Jeff Frank on </a:t>
+            </a:r>
+            <a:r>
+              <a:rPr lang="en-US" sz="1600" dirty="0" err="1">
+                <a:latin typeface="Gentium Plus" panose="02000503060000020004" pitchFamily="2" charset="0"/>
+                <a:ea typeface="Gentium Plus" panose="02000503060000020004" pitchFamily="2" charset="0"/>
+                <a:cs typeface="Gentium Plus" panose="02000503060000020004" pitchFamily="2" charset="0"/>
+              </a:rPr>
+              <a:t>Unsplash</a:t>
+            </a:r>
+            <a:endParaRPr lang="en-US" sz="1600" dirty="0">
+              <a:latin typeface="Gentium Plus" panose="02000503060000020004" pitchFamily="2" charset="0"/>
+              <a:ea typeface="Gentium Plus" panose="02000503060000020004" pitchFamily="2" charset="0"/>
+              <a:cs typeface="Gentium Plus" panose="02000503060000020004" pitchFamily="2" charset="0"/>
+            </a:endParaRPr>
+          </a:p>
+          <a:p>
+            <a:pPr algn="ctr"/>
+            <a:r>
+              <a:rPr lang="en-US" sz="1600" dirty="0">
+                <a:latin typeface="Gentium Plus" panose="02000503060000020004" pitchFamily="2" charset="0"/>
+                <a:ea typeface="Gentium Plus" panose="02000503060000020004" pitchFamily="2" charset="0"/>
+                <a:cs typeface="Gentium Plus" panose="02000503060000020004" pitchFamily="2" charset="0"/>
+              </a:rPr>
+              <a:t>Hydrometer by David </a:t>
+            </a:r>
+            <a:r>
+              <a:rPr lang="en-US" sz="1600" dirty="0" err="1">
+                <a:latin typeface="Gentium Plus" panose="02000503060000020004" pitchFamily="2" charset="0"/>
+                <a:ea typeface="Gentium Plus" panose="02000503060000020004" pitchFamily="2" charset="0"/>
+                <a:cs typeface="Gentium Plus" panose="02000503060000020004" pitchFamily="2" charset="0"/>
+              </a:rPr>
+              <a:t>Blaikie</a:t>
+            </a:r>
+            <a:endParaRPr lang="en-US" sz="1600" dirty="0">
+              <a:latin typeface="Gentium Plus" panose="02000503060000020004" pitchFamily="2" charset="0"/>
+              <a:ea typeface="Gentium Plus" panose="02000503060000020004" pitchFamily="2" charset="0"/>
+              <a:cs typeface="Gentium Plus" panose="02000503060000020004" pitchFamily="2" charset="0"/>
+            </a:endParaRPr>
+          </a:p>
+          <a:p>
+            <a:pPr algn="ctr"/>
+            <a:r>
+              <a:rPr lang="en-US" sz="1600" dirty="0">
+                <a:latin typeface="Gentium Plus" panose="02000503060000020004" pitchFamily="2" charset="0"/>
+                <a:ea typeface="Gentium Plus" panose="02000503060000020004" pitchFamily="2" charset="0"/>
+                <a:cs typeface="Gentium Plus" panose="02000503060000020004" pitchFamily="2" charset="0"/>
+              </a:rPr>
+              <a:t>Closing Beer by Lukas from </a:t>
+            </a:r>
+            <a:r>
+              <a:rPr lang="en-US" sz="1600" dirty="0" err="1">
+                <a:latin typeface="Gentium Plus" panose="02000503060000020004" pitchFamily="2" charset="0"/>
+                <a:ea typeface="Gentium Plus" panose="02000503060000020004" pitchFamily="2" charset="0"/>
+                <a:cs typeface="Gentium Plus" panose="02000503060000020004" pitchFamily="2" charset="0"/>
+              </a:rPr>
+              <a:t>Pexels</a:t>
+            </a:r>
+            <a:r>
+              <a:rPr lang="en-US" sz="1600" dirty="0">
+                <a:latin typeface="Gentium Plus" panose="02000503060000020004" pitchFamily="2" charset="0"/>
+                <a:ea typeface="Gentium Plus" panose="02000503060000020004" pitchFamily="2" charset="0"/>
+                <a:cs typeface="Gentium Plus" panose="02000503060000020004" pitchFamily="2" charset="0"/>
+              </a:rPr>
+              <a:t> </a:t>
+            </a:r>
+          </a:p>
+        </p:txBody>
+      </p:sp>
+      <p:sp>
+        <p:nvSpPr>
+          <p:cNvPr id="11" name="Slide Number Placeholder 10">
+            <a:extLst>
+              <a:ext uri="{FF2B5EF4-FFF2-40B4-BE49-F238E27FC236}">
+                <a16:creationId xmlns:a16="http://schemas.microsoft.com/office/drawing/2014/main" xmlns="" id="{DA4A6B65-96EA-41E4-89E8-778870DE7554}"/>
+              </a:ext>
+            </a:extLst>
+          </p:cNvPr>
+          <p:cNvSpPr>
+            <a:spLocks noGrp="1"/>
+          </p:cNvSpPr>
+          <p:nvPr>
+            <p:ph type="sldNum" sz="quarter" idx="12"/>
+          </p:nvPr>
+        </p:nvSpPr>
+        <p:spPr/>
+        <p:txBody>
+          <a:bodyPr/>
+          <a:lstStyle/>
+          <a:p>
+            <a:fld id="{F0CD063B-A75C-4963-B39E-9F4A7E238D4B}" type="slidenum">
+              <a:rPr lang="en-US" smtClean="0"/>
+              <a:t>11</a:t>
+            </a:fld>
+            <a:endParaRPr lang="en-US"/>
+          </a:p>
+        </p:txBody>
+      </p:sp>
+    </p:spTree>
+    <p:extLst>
+      <p:ext uri="{BB962C8B-B14F-4D97-AF65-F5344CB8AC3E}">
+        <p14:creationId xmlns:p14="http://schemas.microsoft.com/office/powerpoint/2010/main" val="2858331874"/>
+      </p:ext>
+    </p:extLst>
+  </p:cSld>
+  <p:clrMapOvr>
+    <a:masterClrMapping/>
+  </p:clrMapOvr>
+</p:sld>
+</file>
+
+<file path=ppt/slides/slide2.xml><?xml version="1.0" encoding="utf-8"?>
+<p:sld xmlns:a="http://schemas.openxmlformats.org/drawingml/2006/main" xmlns:r="http://schemas.openxmlformats.org/officeDocument/2006/relationships" xmlns:p="http://schemas.openxmlformats.org/presentationml/2006/main">
+  <p:cSld>
+    <p:bg>
+      <p:bgPr>
+        <a:solidFill>
+          <a:schemeClr val="bg1">
+            <a:tint val="95000"/>
+            <a:satMod val="170000"/>
+          </a:schemeClr>
+        </a:solidFill>
+        <a:effectLst/>
+      </p:bgPr>
+    </p:bg>
+    <p:spTree>
+      <p:nvGrpSpPr>
+        <p:cNvPr id="1" name=""/>
+        <p:cNvGrpSpPr/>
+        <p:nvPr/>
+      </p:nvGrpSpPr>
+      <p:grpSpPr>
+        <a:xfrm>
+          <a:off x="0" y="0"/>
+          <a:ext cx="0" cy="0"/>
+          <a:chOff x="0" y="0"/>
+          <a:chExt cx="0" cy="0"/>
+        </a:xfrm>
+      </p:grpSpPr>
+      <p:sp>
+        <p:nvSpPr>
+          <p:cNvPr id="25" name="Freeform: Shape 22">
+            <a:extLst>
+              <a:ext uri="{FF2B5EF4-FFF2-40B4-BE49-F238E27FC236}">
+                <a16:creationId xmlns:a16="http://schemas.microsoft.com/office/drawing/2014/main" xmlns="" id="{1DB7C82F-AB7E-4F0C-B829-FA1B9C415180}"/>
+              </a:ext>
+              <a:ext uri="{C183D7F6-B498-43B3-948B-1728B52AA6E4}">
+                <adec:decorative xmlns:adec="http://schemas.microsoft.com/office/drawing/2017/decorative" xmlns="" val="1"/>
+              </a:ext>
+            </a:extLst>
+          </p:cNvPr>
+          <p:cNvSpPr>
+            <a:spLocks noGrp="1" noRot="1" noChangeAspect="1" noMove="1" noResize="1" noEditPoints="1" noAdjustHandles="1" noChangeArrowheads="1" noChangeShapeType="1" noTextEdit="1"/>
+          </p:cNvSpPr>
+          <p:nvPr>
+            <p:extLst>
+              <p:ext uri="{386F3935-93C4-4BCD-93E2-E3B085C9AB24}">
+                <p16:designElem xmlns:p16="http://schemas.microsoft.com/office/powerpoint/2015/main" xmlns="" val="1"/>
+              </p:ext>
+            </p:extLst>
+          </p:nvPr>
+        </p:nvSpPr>
+        <p:spPr>
+          <a:xfrm flipH="1">
+            <a:off x="0" y="0"/>
+            <a:ext cx="6172782" cy="6858000"/>
+          </a:xfrm>
+          <a:custGeom>
+            <a:avLst/>
+            <a:gdLst>
+              <a:gd name="connsiteX0" fmla="*/ 6172782 w 6172782"/>
+              <a:gd name="connsiteY0" fmla="*/ 0 h 6858000"/>
+              <a:gd name="connsiteX1" fmla="*/ 69075 w 6172782"/>
+              <a:gd name="connsiteY1" fmla="*/ 0 h 6858000"/>
+              <a:gd name="connsiteX2" fmla="*/ 35131 w 6172782"/>
+              <a:gd name="connsiteY2" fmla="*/ 267128 h 6858000"/>
+              <a:gd name="connsiteX3" fmla="*/ 0 w 6172782"/>
+              <a:gd name="connsiteY3" fmla="*/ 962845 h 6858000"/>
+              <a:gd name="connsiteX4" fmla="*/ 3276103 w 6172782"/>
+              <a:gd name="connsiteY4" fmla="*/ 6782205 h 6858000"/>
+              <a:gd name="connsiteX5" fmla="*/ 3407923 w 6172782"/>
+              <a:gd name="connsiteY5" fmla="*/ 6858000 h 6858000"/>
+              <a:gd name="connsiteX6" fmla="*/ 6172782 w 6172782"/>
+              <a:gd name="connsiteY6" fmla="*/ 6858000 h 6858000"/>
+            </a:gdLst>
+            <a:ahLst/>
+            <a:cxnLst>
+              <a:cxn ang="0">
+                <a:pos x="connsiteX0" y="connsiteY0"/>
+              </a:cxn>
+              <a:cxn ang="0">
+                <a:pos x="connsiteX1" y="connsiteY1"/>
+              </a:cxn>
+              <a:cxn ang="0">
+                <a:pos x="connsiteX2" y="connsiteY2"/>
+              </a:cxn>
+              <a:cxn ang="0">
+                <a:pos x="connsiteX3" y="connsiteY3"/>
+              </a:cxn>
+              <a:cxn ang="0">
+                <a:pos x="connsiteX4" y="connsiteY4"/>
+              </a:cxn>
+              <a:cxn ang="0">
+                <a:pos x="connsiteX5" y="connsiteY5"/>
+              </a:cxn>
+              <a:cxn ang="0">
+                <a:pos x="connsiteX6" y="connsiteY6"/>
+              </a:cxn>
+            </a:cxnLst>
+            <a:rect l="l" t="t" r="r" b="b"/>
+            <a:pathLst>
+              <a:path w="6172782" h="6858000">
+                <a:moveTo>
+                  <a:pt x="6172782" y="0"/>
+                </a:moveTo>
+                <a:lnTo>
+                  <a:pt x="69075" y="0"/>
+                </a:lnTo>
+                <a:lnTo>
+                  <a:pt x="35131" y="267128"/>
+                </a:lnTo>
+                <a:cubicBezTo>
+                  <a:pt x="11901" y="495874"/>
+                  <a:pt x="0" y="727970"/>
+                  <a:pt x="0" y="962845"/>
+                </a:cubicBezTo>
+                <a:cubicBezTo>
+                  <a:pt x="0" y="3429034"/>
+                  <a:pt x="1312002" y="5588789"/>
+                  <a:pt x="3276103" y="6782205"/>
+                </a:cubicBezTo>
+                <a:lnTo>
+                  <a:pt x="3407923" y="6858000"/>
+                </a:lnTo>
+                <a:lnTo>
+                  <a:pt x="6172782" y="6858000"/>
+                </a:lnTo>
+                <a:close/>
+              </a:path>
+            </a:pathLst>
+          </a:custGeom>
+          <a:solidFill>
+            <a:srgbClr val="FFFFFF">
+              <a:alpha val="80000"/>
+            </a:srgbClr>
+          </a:solidFill>
+          <a:ln>
+            <a:noFill/>
+          </a:ln>
+        </p:spPr>
+        <p:style>
+          <a:lnRef idx="2">
+            <a:schemeClr val="accent1">
+              <a:shade val="50000"/>
+            </a:schemeClr>
+          </a:lnRef>
+          <a:fillRef idx="1">
+            <a:schemeClr val="accent1"/>
+          </a:fillRef>
+          <a:effectRef idx="0">
+            <a:schemeClr val="accent1"/>
+          </a:effectRef>
+          <a:fontRef idx="minor">
+            <a:schemeClr val="lt1"/>
+          </a:fontRef>
+        </p:style>
+        <p:txBody>
+          <a:bodyPr wrap="square" rtlCol="0" anchor="ctr">
+            <a:noAutofit/>
+          </a:bodyPr>
+          <a:lstStyle/>
+          <a:p>
+            <a:pPr marL="0" marR="0" lvl="0" indent="0" algn="ctr" defTabSz="914400" rtl="0" eaLnBrk="1" fontAlgn="auto" latinLnBrk="0" hangingPunct="1">
+              <a:lnSpc>
+                <a:spcPct val="100000"/>
+              </a:lnSpc>
+              <a:spcBef>
+                <a:spcPts val="0"/>
+              </a:spcBef>
+              <a:spcAft>
+                <a:spcPts val="0"/>
+              </a:spcAft>
+              <a:buClrTx/>
+              <a:buSzTx/>
+              <a:buFontTx/>
+              <a:buNone/>
+              <a:tabLst/>
+              <a:defRPr/>
+            </a:pPr>
+            <a:endParaRPr kumimoji="0" lang="en-US" sz="1800" b="0" i="0" u="none" strike="noStrike" kern="1200" cap="none" spc="0" normalizeH="0" baseline="0" noProof="0">
+              <a:ln>
+                <a:noFill/>
+              </a:ln>
+              <a:solidFill>
+                <a:prstClr val="white"/>
+              </a:solidFill>
+              <a:effectLst/>
+              <a:uLnTx/>
+              <a:uFillTx/>
+              <a:latin typeface="Calibri" panose="020F0502020204030204"/>
+              <a:ea typeface="+mn-ea"/>
+              <a:cs typeface="+mn-cs"/>
+            </a:endParaRPr>
+          </a:p>
+        </p:txBody>
+      </p:sp>
+      <p:pic>
+        <p:nvPicPr>
+          <p:cNvPr id="9" name="Picture 8">
+            <a:extLst>
+              <a:ext uri="{FF2B5EF4-FFF2-40B4-BE49-F238E27FC236}">
+                <a16:creationId xmlns:a16="http://schemas.microsoft.com/office/drawing/2014/main" xmlns="" id="{20B3F4D5-5E4C-461C-9D24-07F9B7107452}"/>
+              </a:ext>
+            </a:extLst>
+          </p:cNvPr>
+          <p:cNvPicPr>
+            <a:picLocks noChangeAspect="1"/>
+          </p:cNvPicPr>
+          <p:nvPr/>
+        </p:nvPicPr>
+        <p:blipFill rotWithShape="1">
+          <a:blip r:embed="rId2" cstate="print">
+            <a:extLst>
+              <a:ext uri="{28A0092B-C50C-407E-A947-70E740481C1C}">
+                <a14:useLocalDpi xmlns:a14="http://schemas.microsoft.com/office/drawing/2010/main" val="0"/>
+              </a:ext>
+            </a:extLst>
+          </a:blip>
+          <a:srcRect t="15425" r="-1" b="8584"/>
+          <a:stretch/>
+        </p:blipFill>
+        <p:spPr>
+          <a:xfrm>
+            <a:off x="20" y="10"/>
+            <a:ext cx="6024134" cy="6857990"/>
+          </a:xfrm>
+          <a:custGeom>
+            <a:avLst/>
+            <a:gdLst>
+              <a:gd name="connsiteX0" fmla="*/ 0 w 6024154"/>
+              <a:gd name="connsiteY0" fmla="*/ 0 h 6858000"/>
+              <a:gd name="connsiteX1" fmla="*/ 5953780 w 6024154"/>
+              <a:gd name="connsiteY1" fmla="*/ 0 h 6858000"/>
+              <a:gd name="connsiteX2" fmla="*/ 5989880 w 6024154"/>
+              <a:gd name="connsiteY2" fmla="*/ 284091 h 6858000"/>
+              <a:gd name="connsiteX3" fmla="*/ 6024154 w 6024154"/>
+              <a:gd name="connsiteY3" fmla="*/ 962844 h 6858000"/>
+              <a:gd name="connsiteX4" fmla="*/ 2549934 w 6024154"/>
+              <a:gd name="connsiteY4" fmla="*/ 6800152 h 6858000"/>
+              <a:gd name="connsiteX5" fmla="*/ 2436987 w 6024154"/>
+              <a:gd name="connsiteY5" fmla="*/ 6858000 h 6858000"/>
+              <a:gd name="connsiteX6" fmla="*/ 0 w 6024154"/>
+              <a:gd name="connsiteY6" fmla="*/ 6858000 h 6858000"/>
+            </a:gdLst>
+            <a:ahLst/>
+            <a:cxnLst>
+              <a:cxn ang="0">
+                <a:pos x="connsiteX0" y="connsiteY0"/>
+              </a:cxn>
+              <a:cxn ang="0">
+                <a:pos x="connsiteX1" y="connsiteY1"/>
+              </a:cxn>
+              <a:cxn ang="0">
+                <a:pos x="connsiteX2" y="connsiteY2"/>
+              </a:cxn>
+              <a:cxn ang="0">
+                <a:pos x="connsiteX3" y="connsiteY3"/>
+              </a:cxn>
+              <a:cxn ang="0">
+                <a:pos x="connsiteX4" y="connsiteY4"/>
+              </a:cxn>
+              <a:cxn ang="0">
+                <a:pos x="connsiteX5" y="connsiteY5"/>
+              </a:cxn>
+              <a:cxn ang="0">
+                <a:pos x="connsiteX6" y="connsiteY6"/>
+              </a:cxn>
+            </a:cxnLst>
+            <a:rect l="l" t="t" r="r" b="b"/>
+            <a:pathLst>
+              <a:path w="6024154" h="6858000">
+                <a:moveTo>
+                  <a:pt x="0" y="0"/>
+                </a:moveTo>
+                <a:lnTo>
+                  <a:pt x="5953780" y="0"/>
+                </a:lnTo>
+                <a:lnTo>
+                  <a:pt x="5989880" y="284091"/>
+                </a:lnTo>
+                <a:cubicBezTo>
+                  <a:pt x="6012544" y="507260"/>
+                  <a:pt x="6024154" y="733696"/>
+                  <a:pt x="6024154" y="962844"/>
+                </a:cubicBezTo>
+                <a:cubicBezTo>
+                  <a:pt x="6024154" y="3483472"/>
+                  <a:pt x="4619336" y="5675986"/>
+                  <a:pt x="2549934" y="6800152"/>
+                </a:cubicBezTo>
+                <a:lnTo>
+                  <a:pt x="2436987" y="6858000"/>
+                </a:lnTo>
+                <a:lnTo>
+                  <a:pt x="0" y="6858000"/>
+                </a:lnTo>
+                <a:close/>
+              </a:path>
+            </a:pathLst>
+          </a:custGeom>
+        </p:spPr>
+      </p:pic>
+      <p:sp>
+        <p:nvSpPr>
+          <p:cNvPr id="2" name="Title 1">
+            <a:extLst>
+              <a:ext uri="{FF2B5EF4-FFF2-40B4-BE49-F238E27FC236}">
+                <a16:creationId xmlns:a16="http://schemas.microsoft.com/office/drawing/2014/main" xmlns="" id="{A0C37A88-286F-476A-AEFF-8C23C9DCA131}"/>
+              </a:ext>
+            </a:extLst>
+          </p:cNvPr>
+          <p:cNvSpPr>
+            <a:spLocks noGrp="1"/>
+          </p:cNvSpPr>
+          <p:nvPr>
+            <p:ph type="ctrTitle"/>
+          </p:nvPr>
+        </p:nvSpPr>
+        <p:spPr>
+          <a:xfrm>
+            <a:off x="6718492" y="2365589"/>
+            <a:ext cx="4645250" cy="2126821"/>
+          </a:xfrm>
+        </p:spPr>
+        <p:txBody>
+          <a:bodyPr anchor="b">
+            <a:normAutofit/>
+          </a:bodyPr>
+          <a:lstStyle/>
+          <a:p>
+            <a:pPr algn="l"/>
+            <a:r>
+              <a:rPr lang="en-US" sz="4800" b="1" dirty="0">
+                <a:latin typeface="Gentium Plus" panose="02000503060000020004" pitchFamily="2" charset="0"/>
+                <a:ea typeface="Gentium Plus" panose="02000503060000020004" pitchFamily="2" charset="0"/>
+                <a:cs typeface="Gentium Plus" panose="02000503060000020004" pitchFamily="2" charset="0"/>
+              </a:rPr>
+              <a:t>Thousands of liters of beer go wasted every day</a:t>
+            </a:r>
+          </a:p>
+        </p:txBody>
+      </p:sp>
+      <p:sp>
+        <p:nvSpPr>
+          <p:cNvPr id="3" name="Slide Number Placeholder 2">
+            <a:extLst>
+              <a:ext uri="{FF2B5EF4-FFF2-40B4-BE49-F238E27FC236}">
+                <a16:creationId xmlns:a16="http://schemas.microsoft.com/office/drawing/2014/main" xmlns="" id="{1F45ACDC-3FD7-417B-9181-993CE1AD66B3}"/>
+              </a:ext>
+            </a:extLst>
+          </p:cNvPr>
+          <p:cNvSpPr>
+            <a:spLocks noGrp="1"/>
+          </p:cNvSpPr>
+          <p:nvPr>
+            <p:ph type="sldNum" sz="quarter" idx="12"/>
+          </p:nvPr>
+        </p:nvSpPr>
+        <p:spPr/>
+        <p:txBody>
+          <a:bodyPr/>
+          <a:lstStyle/>
+          <a:p>
+            <a:fld id="{F0CD063B-A75C-4963-B39E-9F4A7E238D4B}" type="slidenum">
+              <a:rPr lang="en-US" smtClean="0"/>
+              <a:t>2</a:t>
+            </a:fld>
+            <a:endParaRPr lang="en-US"/>
+          </a:p>
+        </p:txBody>
+      </p:sp>
+    </p:spTree>
+    <p:extLst>
+      <p:ext uri="{BB962C8B-B14F-4D97-AF65-F5344CB8AC3E}">
+        <p14:creationId xmlns:p14="http://schemas.microsoft.com/office/powerpoint/2010/main" val="1650350091"/>
+      </p:ext>
+    </p:extLst>
+  </p:cSld>
+  <p:clrMapOvr>
+    <a:overrideClrMapping bg1="dk1" tx1="lt1" bg2="dk2" tx2="lt2" accent1="accent1" accent2="accent2" accent3="accent3" accent4="accent4" accent5="accent5" accent6="accent6" hlink="hlink" folHlink="folHlink"/>
+  </p:clrMapOvr>
+</p:sld>
+</file>
+
+<file path=ppt/slides/slide3.xml><?xml version="1.0" encoding="utf-8"?>
+<p:sld xmlns:a="http://schemas.openxmlformats.org/drawingml/2006/main" xmlns:r="http://schemas.openxmlformats.org/officeDocument/2006/relationships" xmlns:p="http://schemas.openxmlformats.org/presentationml/2006/main">
+  <p:cSld>
+    <p:bg>
+      <p:bgPr>
+        <a:solidFill>
+          <a:schemeClr val="bg1">
+            <a:tint val="95000"/>
+            <a:satMod val="170000"/>
+          </a:schemeClr>
+        </a:solidFill>
+        <a:effectLst/>
+      </p:bgPr>
+    </p:bg>
+    <p:spTree>
+      <p:nvGrpSpPr>
+        <p:cNvPr id="1" name=""/>
+        <p:cNvGrpSpPr/>
+        <p:nvPr/>
+      </p:nvGrpSpPr>
+      <p:grpSpPr>
+        <a:xfrm>
+          <a:off x="0" y="0"/>
+          <a:ext cx="0" cy="0"/>
+          <a:chOff x="0" y="0"/>
+          <a:chExt cx="0" cy="0"/>
+        </a:xfrm>
+      </p:grpSpPr>
+      <p:sp>
+        <p:nvSpPr>
+          <p:cNvPr id="30" name="Freeform: Shape 29">
+            <a:extLst>
+              <a:ext uri="{FF2B5EF4-FFF2-40B4-BE49-F238E27FC236}">
+                <a16:creationId xmlns:a16="http://schemas.microsoft.com/office/drawing/2014/main" xmlns="" id="{4F74D28C-3268-4E35-8EE1-D92CB4A85A7D}"/>
+              </a:ext>
+              <a:ext uri="{C183D7F6-B498-43B3-948B-1728B52AA6E4}">
+                <adec:decorative xmlns:adec="http://schemas.microsoft.com/office/drawing/2017/decorative" xmlns="" val="1"/>
+              </a:ext>
+            </a:extLst>
+          </p:cNvPr>
+          <p:cNvSpPr>
+            <a:spLocks noGrp="1" noRot="1" noChangeAspect="1" noMove="1" noResize="1" noEditPoints="1" noAdjustHandles="1" noChangeArrowheads="1" noChangeShapeType="1" noTextEdit="1"/>
+          </p:cNvSpPr>
+          <p:nvPr>
+            <p:extLst>
+              <p:ext uri="{386F3935-93C4-4BCD-93E2-E3B085C9AB24}">
+                <p16:designElem xmlns:p16="http://schemas.microsoft.com/office/powerpoint/2015/main" xmlns="" val="1"/>
+              </p:ext>
+            </p:extLst>
+          </p:nvPr>
+        </p:nvSpPr>
+        <p:spPr>
+          <a:xfrm>
+            <a:off x="6019218" y="0"/>
+            <a:ext cx="6172782" cy="6858000"/>
+          </a:xfrm>
+          <a:custGeom>
+            <a:avLst/>
+            <a:gdLst>
+              <a:gd name="connsiteX0" fmla="*/ 6172782 w 6172782"/>
+              <a:gd name="connsiteY0" fmla="*/ 0 h 6858000"/>
+              <a:gd name="connsiteX1" fmla="*/ 69075 w 6172782"/>
+              <a:gd name="connsiteY1" fmla="*/ 0 h 6858000"/>
+              <a:gd name="connsiteX2" fmla="*/ 35131 w 6172782"/>
+              <a:gd name="connsiteY2" fmla="*/ 267128 h 6858000"/>
+              <a:gd name="connsiteX3" fmla="*/ 0 w 6172782"/>
+              <a:gd name="connsiteY3" fmla="*/ 962845 h 6858000"/>
+              <a:gd name="connsiteX4" fmla="*/ 3276103 w 6172782"/>
+              <a:gd name="connsiteY4" fmla="*/ 6782205 h 6858000"/>
+              <a:gd name="connsiteX5" fmla="*/ 3407923 w 6172782"/>
+              <a:gd name="connsiteY5" fmla="*/ 6858000 h 6858000"/>
+              <a:gd name="connsiteX6" fmla="*/ 6172782 w 6172782"/>
+              <a:gd name="connsiteY6" fmla="*/ 6858000 h 6858000"/>
+            </a:gdLst>
+            <a:ahLst/>
+            <a:cxnLst>
+              <a:cxn ang="0">
+                <a:pos x="connsiteX0" y="connsiteY0"/>
+              </a:cxn>
+              <a:cxn ang="0">
+                <a:pos x="connsiteX1" y="connsiteY1"/>
+              </a:cxn>
+              <a:cxn ang="0">
+                <a:pos x="connsiteX2" y="connsiteY2"/>
+              </a:cxn>
+              <a:cxn ang="0">
+                <a:pos x="connsiteX3" y="connsiteY3"/>
+              </a:cxn>
+              <a:cxn ang="0">
+                <a:pos x="connsiteX4" y="connsiteY4"/>
+              </a:cxn>
+              <a:cxn ang="0">
+                <a:pos x="connsiteX5" y="connsiteY5"/>
+              </a:cxn>
+              <a:cxn ang="0">
+                <a:pos x="connsiteX6" y="connsiteY6"/>
+              </a:cxn>
+            </a:cxnLst>
+            <a:rect l="l" t="t" r="r" b="b"/>
+            <a:pathLst>
+              <a:path w="6172782" h="6858000">
+                <a:moveTo>
+                  <a:pt x="6172782" y="0"/>
+                </a:moveTo>
+                <a:lnTo>
+                  <a:pt x="69075" y="0"/>
+                </a:lnTo>
+                <a:lnTo>
+                  <a:pt x="35131" y="267128"/>
+                </a:lnTo>
+                <a:cubicBezTo>
+                  <a:pt x="11901" y="495874"/>
+                  <a:pt x="0" y="727970"/>
+                  <a:pt x="0" y="962845"/>
+                </a:cubicBezTo>
+                <a:cubicBezTo>
+                  <a:pt x="0" y="3429034"/>
+                  <a:pt x="1312002" y="5588789"/>
+                  <a:pt x="3276103" y="6782205"/>
+                </a:cubicBezTo>
+                <a:lnTo>
+                  <a:pt x="3407923" y="6858000"/>
+                </a:lnTo>
+                <a:lnTo>
+                  <a:pt x="6172782" y="6858000"/>
+                </a:lnTo>
+                <a:close/>
+              </a:path>
+            </a:pathLst>
+          </a:custGeom>
+          <a:solidFill>
+            <a:srgbClr val="FFFFFF">
+              <a:alpha val="80000"/>
+            </a:srgbClr>
+          </a:solidFill>
+          <a:ln>
+            <a:noFill/>
+          </a:ln>
+        </p:spPr>
+        <p:style>
+          <a:lnRef idx="2">
+            <a:schemeClr val="accent1">
+              <a:shade val="50000"/>
+            </a:schemeClr>
+          </a:lnRef>
+          <a:fillRef idx="1">
+            <a:schemeClr val="accent1"/>
+          </a:fillRef>
+          <a:effectRef idx="0">
+            <a:schemeClr val="accent1"/>
+          </a:effectRef>
+          <a:fontRef idx="minor">
+            <a:schemeClr val="lt1"/>
+          </a:fontRef>
+        </p:style>
+        <p:txBody>
+          <a:bodyPr wrap="square" rtlCol="0" anchor="ctr">
+            <a:noAutofit/>
+          </a:bodyPr>
+          <a:lstStyle/>
+          <a:p>
+            <a:pPr marL="0" marR="0" lvl="0" indent="0" algn="ctr" defTabSz="914400" rtl="0" eaLnBrk="1" fontAlgn="auto" latinLnBrk="0" hangingPunct="1">
+              <a:lnSpc>
+                <a:spcPct val="100000"/>
+              </a:lnSpc>
+              <a:spcBef>
+                <a:spcPts val="0"/>
+              </a:spcBef>
+              <a:spcAft>
+                <a:spcPts val="0"/>
+              </a:spcAft>
+              <a:buClrTx/>
+              <a:buSzTx/>
+              <a:buFontTx/>
+              <a:buNone/>
+              <a:tabLst/>
+              <a:defRPr/>
+            </a:pPr>
+            <a:endParaRPr kumimoji="0" lang="en-US" sz="1800" b="0" i="0" u="none" strike="noStrike" kern="1200" cap="none" spc="0" normalizeH="0" baseline="0" noProof="0">
+              <a:ln>
+                <a:noFill/>
+              </a:ln>
+              <a:solidFill>
+                <a:prstClr val="white"/>
+              </a:solidFill>
+              <a:effectLst/>
+              <a:uLnTx/>
+              <a:uFillTx/>
+              <a:latin typeface="Calibri" panose="020F0502020204030204"/>
+              <a:ea typeface="+mn-ea"/>
+              <a:cs typeface="+mn-cs"/>
+            </a:endParaRPr>
+          </a:p>
+        </p:txBody>
+      </p:sp>
+      <p:pic>
+        <p:nvPicPr>
+          <p:cNvPr id="16" name="Content Placeholder 8">
+            <a:extLst>
+              <a:ext uri="{FF2B5EF4-FFF2-40B4-BE49-F238E27FC236}">
+                <a16:creationId xmlns:a16="http://schemas.microsoft.com/office/drawing/2014/main" xmlns="" id="{D6FBD34D-F56C-46C8-B387-C5FB31FE07F8}"/>
+              </a:ext>
+            </a:extLst>
+          </p:cNvPr>
+          <p:cNvPicPr>
+            <a:picLocks noChangeAspect="1"/>
+          </p:cNvPicPr>
+          <p:nvPr/>
+        </p:nvPicPr>
+        <p:blipFill rotWithShape="1">
+          <a:blip r:embed="rId2">
+            <a:extLst>
+              <a:ext uri="{28A0092B-C50C-407E-A947-70E740481C1C}">
+                <a14:useLocalDpi xmlns:a14="http://schemas.microsoft.com/office/drawing/2010/main" val="0"/>
+              </a:ext>
+            </a:extLst>
+          </a:blip>
+          <a:srcRect t="2756" r="-1" b="20970"/>
+          <a:stretch/>
+        </p:blipFill>
+        <p:spPr>
+          <a:xfrm>
+            <a:off x="6167846" y="10"/>
+            <a:ext cx="6024154" cy="6857990"/>
+          </a:xfrm>
+          <a:custGeom>
+            <a:avLst/>
+            <a:gdLst>
+              <a:gd name="connsiteX0" fmla="*/ 70374 w 6024154"/>
+              <a:gd name="connsiteY0" fmla="*/ 0 h 6858000"/>
+              <a:gd name="connsiteX1" fmla="*/ 6024154 w 6024154"/>
+              <a:gd name="connsiteY1" fmla="*/ 0 h 6858000"/>
+              <a:gd name="connsiteX2" fmla="*/ 6024154 w 6024154"/>
+              <a:gd name="connsiteY2" fmla="*/ 6858000 h 6858000"/>
+              <a:gd name="connsiteX3" fmla="*/ 3587167 w 6024154"/>
+              <a:gd name="connsiteY3" fmla="*/ 6858000 h 6858000"/>
+              <a:gd name="connsiteX4" fmla="*/ 3474220 w 6024154"/>
+              <a:gd name="connsiteY4" fmla="*/ 6800152 h 6858000"/>
+              <a:gd name="connsiteX5" fmla="*/ 0 w 6024154"/>
+              <a:gd name="connsiteY5" fmla="*/ 962844 h 6858000"/>
+              <a:gd name="connsiteX6" fmla="*/ 34274 w 6024154"/>
+              <a:gd name="connsiteY6" fmla="*/ 284091 h 6858000"/>
+            </a:gdLst>
+            <a:ahLst/>
+            <a:cxnLst>
+              <a:cxn ang="0">
+                <a:pos x="connsiteX0" y="connsiteY0"/>
+              </a:cxn>
+              <a:cxn ang="0">
+                <a:pos x="connsiteX1" y="connsiteY1"/>
+              </a:cxn>
+              <a:cxn ang="0">
+                <a:pos x="connsiteX2" y="connsiteY2"/>
+              </a:cxn>
+              <a:cxn ang="0">
+                <a:pos x="connsiteX3" y="connsiteY3"/>
+              </a:cxn>
+              <a:cxn ang="0">
+                <a:pos x="connsiteX4" y="connsiteY4"/>
+              </a:cxn>
+              <a:cxn ang="0">
+                <a:pos x="connsiteX5" y="connsiteY5"/>
+              </a:cxn>
+              <a:cxn ang="0">
+                <a:pos x="connsiteX6" y="connsiteY6"/>
+              </a:cxn>
+            </a:cxnLst>
+            <a:rect l="l" t="t" r="r" b="b"/>
+            <a:pathLst>
+              <a:path w="6024154" h="6858000">
+                <a:moveTo>
+                  <a:pt x="70374" y="0"/>
+                </a:moveTo>
+                <a:lnTo>
+                  <a:pt x="6024154" y="0"/>
+                </a:lnTo>
+                <a:lnTo>
+                  <a:pt x="6024154" y="6858000"/>
+                </a:lnTo>
+                <a:lnTo>
+                  <a:pt x="3587167" y="6858000"/>
+                </a:lnTo>
+                <a:lnTo>
+                  <a:pt x="3474220" y="6800152"/>
+                </a:lnTo>
+                <a:cubicBezTo>
+                  <a:pt x="1404818" y="5675986"/>
+                  <a:pt x="0" y="3483472"/>
+                  <a:pt x="0" y="962844"/>
+                </a:cubicBezTo>
+                <a:cubicBezTo>
+                  <a:pt x="0" y="733696"/>
+                  <a:pt x="11610" y="507260"/>
+                  <a:pt x="34274" y="284091"/>
+                </a:cubicBezTo>
+                <a:close/>
+              </a:path>
+            </a:pathLst>
+          </a:custGeom>
+        </p:spPr>
+      </p:pic>
+      <p:sp>
+        <p:nvSpPr>
+          <p:cNvPr id="2" name="Title 1">
+            <a:extLst>
+              <a:ext uri="{FF2B5EF4-FFF2-40B4-BE49-F238E27FC236}">
+                <a16:creationId xmlns:a16="http://schemas.microsoft.com/office/drawing/2014/main" xmlns="" id="{1F2028E4-42B2-4520-B06C-255FB340C925}"/>
+              </a:ext>
+            </a:extLst>
+          </p:cNvPr>
+          <p:cNvSpPr>
+            <a:spLocks noGrp="1"/>
+          </p:cNvSpPr>
+          <p:nvPr>
+            <p:ph type="title"/>
+          </p:nvPr>
+        </p:nvSpPr>
+        <p:spPr>
+          <a:xfrm>
+            <a:off x="805543" y="608498"/>
+            <a:ext cx="5006336" cy="1325563"/>
+          </a:xfrm>
+        </p:spPr>
+        <p:txBody>
+          <a:bodyPr>
+            <a:normAutofit/>
+          </a:bodyPr>
+          <a:lstStyle/>
+          <a:p>
+            <a:r>
+              <a:rPr lang="en-US" sz="4800" b="1">
+                <a:latin typeface="Gentium Plus" panose="02000503060000020004" pitchFamily="2" charset="0"/>
+                <a:ea typeface="Gentium Plus" panose="02000503060000020004" pitchFamily="2" charset="0"/>
+                <a:cs typeface="Gentium Plus" panose="02000503060000020004" pitchFamily="2" charset="0"/>
+              </a:rPr>
+              <a:t>How it works</a:t>
+            </a:r>
+            <a:endParaRPr lang="en-US" sz="4800" b="1" dirty="0">
+              <a:latin typeface="Gentium Plus" panose="02000503060000020004" pitchFamily="2" charset="0"/>
+              <a:ea typeface="Gentium Plus" panose="02000503060000020004" pitchFamily="2" charset="0"/>
+              <a:cs typeface="Gentium Plus" panose="02000503060000020004" pitchFamily="2" charset="0"/>
+            </a:endParaRPr>
+          </a:p>
+        </p:txBody>
+      </p:sp>
+      <p:sp>
+        <p:nvSpPr>
+          <p:cNvPr id="18" name="Content Placeholder 13">
+            <a:extLst>
+              <a:ext uri="{FF2B5EF4-FFF2-40B4-BE49-F238E27FC236}">
+                <a16:creationId xmlns:a16="http://schemas.microsoft.com/office/drawing/2014/main" xmlns="" id="{2E742334-ED7A-4297-BD27-3B7D0DD8E19A}"/>
+              </a:ext>
+            </a:extLst>
+          </p:cNvPr>
+          <p:cNvSpPr>
+            <a:spLocks noGrp="1"/>
+          </p:cNvSpPr>
+          <p:nvPr>
+            <p:ph idx="1"/>
+          </p:nvPr>
+        </p:nvSpPr>
+        <p:spPr>
+          <a:xfrm>
+            <a:off x="805543" y="1934061"/>
+            <a:ext cx="5006336" cy="4119605"/>
+          </a:xfrm>
+        </p:spPr>
+        <p:txBody>
+          <a:bodyPr anchor="t">
+            <a:normAutofit/>
+          </a:bodyPr>
+          <a:lstStyle/>
+          <a:p>
+            <a:endParaRPr lang="en-US" sz="2400" dirty="0">
+              <a:latin typeface="Gentium Plus" panose="02000503060000020004" pitchFamily="2" charset="0"/>
+              <a:ea typeface="Gentium Plus" panose="02000503060000020004" pitchFamily="2" charset="0"/>
+              <a:cs typeface="Gentium Plus" panose="02000503060000020004" pitchFamily="2" charset="0"/>
+            </a:endParaRPr>
+          </a:p>
+          <a:p>
+            <a:r>
+              <a:rPr lang="en-US" sz="2400" dirty="0">
+                <a:latin typeface="Gentium Plus" panose="02000503060000020004" pitchFamily="2" charset="0"/>
+                <a:ea typeface="Gentium Plus" panose="02000503060000020004" pitchFamily="2" charset="0"/>
+                <a:cs typeface="Gentium Plus" panose="02000503060000020004" pitchFamily="2" charset="0"/>
+              </a:rPr>
+              <a:t>Retrieve a sample</a:t>
+            </a:r>
+          </a:p>
+          <a:p>
+            <a:endParaRPr lang="en-US" sz="2400" dirty="0">
+              <a:latin typeface="Gentium Plus" panose="02000503060000020004" pitchFamily="2" charset="0"/>
+              <a:ea typeface="Gentium Plus" panose="02000503060000020004" pitchFamily="2" charset="0"/>
+              <a:cs typeface="Gentium Plus" panose="02000503060000020004" pitchFamily="2" charset="0"/>
+            </a:endParaRPr>
+          </a:p>
+          <a:p>
+            <a:r>
+              <a:rPr lang="en-US" sz="2400" dirty="0">
+                <a:latin typeface="Gentium Plus" panose="02000503060000020004" pitchFamily="2" charset="0"/>
+                <a:ea typeface="Gentium Plus" panose="02000503060000020004" pitchFamily="2" charset="0"/>
+                <a:cs typeface="Gentium Plus" panose="02000503060000020004" pitchFamily="2" charset="0"/>
+              </a:rPr>
+              <a:t>Drop hydrometer</a:t>
+            </a:r>
+          </a:p>
+          <a:p>
+            <a:endParaRPr lang="en-US" sz="2400" dirty="0">
+              <a:latin typeface="Gentium Plus" panose="02000503060000020004" pitchFamily="2" charset="0"/>
+              <a:ea typeface="Gentium Plus" panose="02000503060000020004" pitchFamily="2" charset="0"/>
+              <a:cs typeface="Gentium Plus" panose="02000503060000020004" pitchFamily="2" charset="0"/>
+            </a:endParaRPr>
+          </a:p>
+          <a:p>
+            <a:r>
+              <a:rPr lang="en-US" sz="2400" dirty="0">
+                <a:latin typeface="Gentium Plus" panose="02000503060000020004" pitchFamily="2" charset="0"/>
+                <a:ea typeface="Gentium Plus" panose="02000503060000020004" pitchFamily="2" charset="0"/>
+                <a:cs typeface="Gentium Plus" panose="02000503060000020004" pitchFamily="2" charset="0"/>
+              </a:rPr>
+              <a:t>Compare result to tables and formulas</a:t>
+            </a:r>
+          </a:p>
+          <a:p>
+            <a:endParaRPr lang="en-US" sz="2400" dirty="0">
+              <a:latin typeface="Gentium Plus" panose="02000503060000020004" pitchFamily="2" charset="0"/>
+              <a:ea typeface="Gentium Plus" panose="02000503060000020004" pitchFamily="2" charset="0"/>
+              <a:cs typeface="Gentium Plus" panose="02000503060000020004" pitchFamily="2" charset="0"/>
+            </a:endParaRPr>
+          </a:p>
+          <a:p>
+            <a:r>
+              <a:rPr lang="en-US" sz="2400" dirty="0">
+                <a:latin typeface="Gentium Plus" panose="02000503060000020004" pitchFamily="2" charset="0"/>
+                <a:ea typeface="Gentium Plus" panose="02000503060000020004" pitchFamily="2" charset="0"/>
+                <a:cs typeface="Gentium Plus" panose="02000503060000020004" pitchFamily="2" charset="0"/>
+              </a:rPr>
+              <a:t>Throw away beer sample (!)</a:t>
+            </a:r>
+          </a:p>
+        </p:txBody>
+      </p:sp>
+      <p:sp>
+        <p:nvSpPr>
+          <p:cNvPr id="3" name="Slide Number Placeholder 2">
+            <a:extLst>
+              <a:ext uri="{FF2B5EF4-FFF2-40B4-BE49-F238E27FC236}">
+                <a16:creationId xmlns:a16="http://schemas.microsoft.com/office/drawing/2014/main" xmlns="" id="{10A8FADB-B493-45B3-8186-6F6463D0710C}"/>
+              </a:ext>
+            </a:extLst>
+          </p:cNvPr>
+          <p:cNvSpPr>
+            <a:spLocks noGrp="1"/>
+          </p:cNvSpPr>
+          <p:nvPr>
+            <p:ph type="sldNum" sz="quarter" idx="12"/>
+          </p:nvPr>
+        </p:nvSpPr>
+        <p:spPr/>
+        <p:txBody>
+          <a:bodyPr/>
+          <a:lstStyle/>
+          <a:p>
+            <a:fld id="{F0CD063B-A75C-4963-B39E-9F4A7E238D4B}" type="slidenum">
+              <a:rPr lang="en-US" smtClean="0"/>
+              <a:t>3</a:t>
+            </a:fld>
+            <a:endParaRPr lang="en-US"/>
+          </a:p>
+        </p:txBody>
+      </p:sp>
+    </p:spTree>
+    <p:extLst>
+      <p:ext uri="{BB962C8B-B14F-4D97-AF65-F5344CB8AC3E}">
+        <p14:creationId xmlns:p14="http://schemas.microsoft.com/office/powerpoint/2010/main" val="3858810910"/>
+      </p:ext>
+    </p:extLst>
+  </p:cSld>
+  <p:clrMapOvr>
+    <a:overrideClrMapping bg1="dk1" tx1="lt1" bg2="dk2" tx2="lt2" accent1="accent1" accent2="accent2" accent3="accent3" accent4="accent4" accent5="accent5" accent6="accent6" hlink="hlink" folHlink="folHlink"/>
+  </p:clrMapOvr>
+</p:sld>
+</file>
+
+<file path=ppt/slides/slide4.xml><?xml version="1.0" encoding="utf-8"?>
+<p:sld xmlns:a="http://schemas.openxmlformats.org/drawingml/2006/main" xmlns:r="http://schemas.openxmlformats.org/officeDocument/2006/relationships" xmlns:p="http://schemas.openxmlformats.org/presentationml/2006/main">
+  <p:cSld>
+    <p:spTree>
+      <p:nvGrpSpPr>
+        <p:cNvPr id="1" name=""/>
+        <p:cNvGrpSpPr/>
+        <p:nvPr/>
+      </p:nvGrpSpPr>
+      <p:grpSpPr>
+        <a:xfrm>
+          <a:off x="0" y="0"/>
+          <a:ext cx="0" cy="0"/>
+          <a:chOff x="0" y="0"/>
+          <a:chExt cx="0" cy="0"/>
+        </a:xfrm>
+      </p:grpSpPr>
+      <p:sp>
+        <p:nvSpPr>
+          <p:cNvPr id="2" name="Title 1"/>
+          <p:cNvSpPr>
+            <a:spLocks noGrp="1"/>
+          </p:cNvSpPr>
+          <p:nvPr>
+            <p:ph type="title"/>
+          </p:nvPr>
+        </p:nvSpPr>
+        <p:spPr/>
+        <p:txBody>
+          <a:bodyPr/>
+          <a:lstStyle/>
+          <a:p>
+            <a:endParaRPr lang="en-US"/>
+          </a:p>
+        </p:txBody>
+      </p:sp>
+      <p:sp>
+        <p:nvSpPr>
+          <p:cNvPr id="3" name="Content Placeholder 2"/>
+          <p:cNvSpPr>
+            <a:spLocks noGrp="1"/>
+          </p:cNvSpPr>
+          <p:nvPr>
+            <p:ph idx="1"/>
+          </p:nvPr>
+        </p:nvSpPr>
+        <p:spPr/>
+        <p:txBody>
+          <a:bodyPr/>
+          <a:lstStyle/>
+          <a:p>
+            <a:endParaRPr lang="en-US"/>
+          </a:p>
+        </p:txBody>
+      </p:sp>
+      <p:sp>
+        <p:nvSpPr>
+          <p:cNvPr id="4" name="Slide Number Placeholder 3"/>
+          <p:cNvSpPr>
+            <a:spLocks noGrp="1"/>
+          </p:cNvSpPr>
+          <p:nvPr>
+            <p:ph type="sldNum" sz="quarter" idx="12"/>
+          </p:nvPr>
+        </p:nvSpPr>
+        <p:spPr/>
+        <p:txBody>
+          <a:bodyPr/>
+          <a:lstStyle/>
+          <a:p>
+            <a:fld id="{F0CD063B-A75C-4963-B39E-9F4A7E238D4B}" type="slidenum">
+              <a:rPr lang="en-US" smtClean="0"/>
+              <a:t>4</a:t>
+            </a:fld>
+            <a:endParaRPr lang="en-US"/>
+          </a:p>
+        </p:txBody>
+      </p:sp>
+    </p:spTree>
+    <p:extLst>
+      <p:ext uri="{BB962C8B-B14F-4D97-AF65-F5344CB8AC3E}">
+        <p14:creationId xmlns:p14="http://schemas.microsoft.com/office/powerpoint/2010/main" val="3487979592"/>
+      </p:ext>
+    </p:extLst>
+  </p:cSld>
+  <p:clrMapOvr>
+    <a:masterClrMapping/>
+  </p:clrMapOvr>
+</p:sld>
+</file>
+
+<file path=ppt/slides/slide5.xml><?xml version="1.0" encoding="utf-8"?>
+<p:sld xmlns:a="http://schemas.openxmlformats.org/drawingml/2006/main" xmlns:r="http://schemas.openxmlformats.org/officeDocument/2006/relationships" xmlns:p="http://schemas.openxmlformats.org/presentationml/2006/main">
+  <p:cSld>
+    <p:bg>
+      <p:bgPr>
+        <a:solidFill>
+          <a:schemeClr val="bg1">
+            <a:tint val="95000"/>
+            <a:satMod val="170000"/>
+          </a:schemeClr>
+        </a:solidFill>
+        <a:effectLst/>
+      </p:bgPr>
+    </p:bg>
+    <p:spTree>
+      <p:nvGrpSpPr>
+        <p:cNvPr id="1" name=""/>
+        <p:cNvGrpSpPr/>
+        <p:nvPr/>
+      </p:nvGrpSpPr>
+      <p:grpSpPr>
+        <a:xfrm>
+          <a:off x="0" y="0"/>
+          <a:ext cx="0" cy="0"/>
+          <a:chOff x="0" y="0"/>
+          <a:chExt cx="0" cy="0"/>
+        </a:xfrm>
+      </p:grpSpPr>
+      <p:sp>
+        <p:nvSpPr>
+          <p:cNvPr id="13" name="Freeform: Shape 12">
+            <a:extLst>
+              <a:ext uri="{FF2B5EF4-FFF2-40B4-BE49-F238E27FC236}">
+                <a16:creationId xmlns:a16="http://schemas.microsoft.com/office/drawing/2014/main" xmlns="" id="{CF62D2A7-8207-488C-9F46-316BA81A16C8}"/>
+              </a:ext>
+              <a:ext uri="{C183D7F6-B498-43B3-948B-1728B52AA6E4}">
+                <adec:decorative xmlns:adec="http://schemas.microsoft.com/office/drawing/2017/decorative" xmlns="" val="1"/>
+              </a:ext>
+            </a:extLst>
+          </p:cNvPr>
+          <p:cNvSpPr>
+            <a:spLocks noGrp="1" noRot="1" noChangeAspect="1" noMove="1" noResize="1" noEditPoints="1" noAdjustHandles="1" noChangeArrowheads="1" noChangeShapeType="1" noTextEdit="1"/>
+          </p:cNvSpPr>
+          <p:nvPr>
+            <p:extLst>
+              <p:ext uri="{386F3935-93C4-4BCD-93E2-E3B085C9AB24}">
+                <p16:designElem xmlns:p16="http://schemas.microsoft.com/office/powerpoint/2015/main" xmlns="" val="1"/>
+              </p:ext>
+            </p:extLst>
+          </p:nvPr>
+        </p:nvSpPr>
+        <p:spPr>
+          <a:xfrm flipH="1">
+            <a:off x="6582780" y="-2008"/>
+            <a:ext cx="5609220" cy="5840278"/>
+          </a:xfrm>
+          <a:custGeom>
+            <a:avLst/>
+            <a:gdLst>
+              <a:gd name="connsiteX0" fmla="*/ 0 w 5609220"/>
+              <a:gd name="connsiteY0" fmla="*/ 0 h 5840278"/>
+              <a:gd name="connsiteX1" fmla="*/ 4637091 w 5609220"/>
+              <a:gd name="connsiteY1" fmla="*/ 0 h 5840278"/>
+              <a:gd name="connsiteX2" fmla="*/ 4822569 w 5609220"/>
+              <a:gd name="connsiteY2" fmla="*/ 204077 h 5840278"/>
+              <a:gd name="connsiteX3" fmla="*/ 5609220 w 5609220"/>
+              <a:gd name="connsiteY3" fmla="*/ 2395363 h 5840278"/>
+              <a:gd name="connsiteX4" fmla="*/ 2164305 w 5609220"/>
+              <a:gd name="connsiteY4" fmla="*/ 5840278 h 5840278"/>
+              <a:gd name="connsiteX5" fmla="*/ 238220 w 5609220"/>
+              <a:gd name="connsiteY5" fmla="*/ 5251941 h 5840278"/>
+              <a:gd name="connsiteX6" fmla="*/ 0 w 5609220"/>
+              <a:gd name="connsiteY6" fmla="*/ 5073803 h 5840278"/>
+            </a:gdLst>
+            <a:ahLst/>
+            <a:cxnLst>
+              <a:cxn ang="0">
+                <a:pos x="connsiteX0" y="connsiteY0"/>
+              </a:cxn>
+              <a:cxn ang="0">
+                <a:pos x="connsiteX1" y="connsiteY1"/>
+              </a:cxn>
+              <a:cxn ang="0">
+                <a:pos x="connsiteX2" y="connsiteY2"/>
+              </a:cxn>
+              <a:cxn ang="0">
+                <a:pos x="connsiteX3" y="connsiteY3"/>
+              </a:cxn>
+              <a:cxn ang="0">
+                <a:pos x="connsiteX4" y="connsiteY4"/>
+              </a:cxn>
+              <a:cxn ang="0">
+                <a:pos x="connsiteX5" y="connsiteY5"/>
+              </a:cxn>
+              <a:cxn ang="0">
+                <a:pos x="connsiteX6" y="connsiteY6"/>
+              </a:cxn>
+            </a:cxnLst>
+            <a:rect l="l" t="t" r="r" b="b"/>
+            <a:pathLst>
+              <a:path w="5609220" h="5840278">
+                <a:moveTo>
+                  <a:pt x="0" y="0"/>
+                </a:moveTo>
+                <a:lnTo>
+                  <a:pt x="4637091" y="0"/>
+                </a:lnTo>
+                <a:lnTo>
+                  <a:pt x="4822569" y="204077"/>
+                </a:lnTo>
+                <a:cubicBezTo>
+                  <a:pt x="5314007" y="799562"/>
+                  <a:pt x="5609220" y="1562987"/>
+                  <a:pt x="5609220" y="2395363"/>
+                </a:cubicBezTo>
+                <a:cubicBezTo>
+                  <a:pt x="5609220" y="4297937"/>
+                  <a:pt x="4066879" y="5840278"/>
+                  <a:pt x="2164305" y="5840278"/>
+                </a:cubicBezTo>
+                <a:cubicBezTo>
+                  <a:pt x="1450840" y="5840278"/>
+                  <a:pt x="788032" y="5623387"/>
+                  <a:pt x="238220" y="5251941"/>
+                </a:cubicBezTo>
+                <a:lnTo>
+                  <a:pt x="0" y="5073803"/>
+                </a:lnTo>
+                <a:close/>
+              </a:path>
+            </a:pathLst>
+          </a:custGeom>
+          <a:solidFill>
+            <a:srgbClr val="FFFFFF">
+              <a:alpha val="80000"/>
+            </a:srgbClr>
+          </a:solidFill>
+          <a:ln>
+            <a:noFill/>
+          </a:ln>
+        </p:spPr>
+        <p:style>
+          <a:lnRef idx="2">
+            <a:schemeClr val="accent1">
+              <a:shade val="50000"/>
+            </a:schemeClr>
+          </a:lnRef>
+          <a:fillRef idx="1">
+            <a:schemeClr val="accent1"/>
+          </a:fillRef>
+          <a:effectRef idx="0">
+            <a:schemeClr val="accent1"/>
+          </a:effectRef>
+          <a:fontRef idx="minor">
+            <a:schemeClr val="lt1"/>
+          </a:fontRef>
+        </p:style>
+        <p:txBody>
+          <a:bodyPr rtlCol="0" anchor="ctr"/>
+          <a:lstStyle/>
+          <a:p>
+            <a:pPr marL="0" marR="0" lvl="0" indent="0" algn="ctr" defTabSz="914400" rtl="0" eaLnBrk="1" fontAlgn="auto" latinLnBrk="0" hangingPunct="1">
+              <a:lnSpc>
+                <a:spcPct val="100000"/>
+              </a:lnSpc>
+              <a:spcBef>
+                <a:spcPts val="0"/>
+              </a:spcBef>
+              <a:spcAft>
+                <a:spcPts val="0"/>
+              </a:spcAft>
+              <a:buClrTx/>
+              <a:buSzTx/>
+              <a:buFontTx/>
+              <a:buNone/>
+              <a:tabLst/>
+              <a:defRPr/>
+            </a:pPr>
+            <a:endParaRPr kumimoji="0" lang="en-US" sz="1800" b="0" i="0" u="none" strike="noStrike" kern="1200" cap="none" spc="0" normalizeH="0" baseline="0" noProof="0">
+              <a:ln>
+                <a:noFill/>
+              </a:ln>
+              <a:solidFill>
+                <a:prstClr val="white"/>
+              </a:solidFill>
+              <a:effectLst/>
+              <a:uLnTx/>
+              <a:uFillTx/>
+              <a:latin typeface="Calibri" panose="020F0502020204030204"/>
+              <a:ea typeface="+mn-ea"/>
+              <a:cs typeface="+mn-cs"/>
+            </a:endParaRPr>
+          </a:p>
+        </p:txBody>
+      </p:sp>
+      <p:pic>
+        <p:nvPicPr>
+          <p:cNvPr id="8" name="Content Placeholder 4">
+            <a:extLst>
+              <a:ext uri="{FF2B5EF4-FFF2-40B4-BE49-F238E27FC236}">
+                <a16:creationId xmlns:a16="http://schemas.microsoft.com/office/drawing/2014/main" xmlns="" id="{23C96466-A66D-44FA-BDE9-A06722161555}"/>
+              </a:ext>
+            </a:extLst>
+          </p:cNvPr>
+          <p:cNvPicPr>
+            <a:picLocks noChangeAspect="1"/>
+          </p:cNvPicPr>
+          <p:nvPr/>
+        </p:nvPicPr>
+        <p:blipFill rotWithShape="1">
+          <a:blip r:embed="rId2">
+            <a:extLst>
+              <a:ext uri="{28A0092B-C50C-407E-A947-70E740481C1C}">
+                <a14:useLocalDpi xmlns:a14="http://schemas.microsoft.com/office/drawing/2010/main" val="0"/>
+              </a:ext>
+            </a:extLst>
+          </a:blip>
+          <a:srcRect r="36005" b="-1"/>
+          <a:stretch/>
+        </p:blipFill>
+        <p:spPr>
+          <a:xfrm>
+            <a:off x="6750141" y="-2"/>
+            <a:ext cx="5441859" cy="5654940"/>
+          </a:xfrm>
+          <a:custGeom>
+            <a:avLst/>
+            <a:gdLst>
+              <a:gd name="connsiteX0" fmla="*/ 1041368 w 5441859"/>
+              <a:gd name="connsiteY0" fmla="*/ 0 h 5654940"/>
+              <a:gd name="connsiteX1" fmla="*/ 5441859 w 5441859"/>
+              <a:gd name="connsiteY1" fmla="*/ 0 h 5654940"/>
+              <a:gd name="connsiteX2" fmla="*/ 5441859 w 5441859"/>
+              <a:gd name="connsiteY2" fmla="*/ 4820612 h 5654940"/>
+              <a:gd name="connsiteX3" fmla="*/ 5285166 w 5441859"/>
+              <a:gd name="connsiteY3" fmla="*/ 4957981 h 5654940"/>
+              <a:gd name="connsiteX4" fmla="*/ 3267719 w 5441859"/>
+              <a:gd name="connsiteY4" fmla="*/ 5654940 h 5654940"/>
+              <a:gd name="connsiteX5" fmla="*/ 0 w 5441859"/>
+              <a:gd name="connsiteY5" fmla="*/ 2387221 h 5654940"/>
+              <a:gd name="connsiteX6" fmla="*/ 957093 w 5441859"/>
+              <a:gd name="connsiteY6" fmla="*/ 76595 h 5654940"/>
+            </a:gdLst>
+            <a:ahLst/>
+            <a:cxnLst>
+              <a:cxn ang="0">
+                <a:pos x="connsiteX0" y="connsiteY0"/>
+              </a:cxn>
+              <a:cxn ang="0">
+                <a:pos x="connsiteX1" y="connsiteY1"/>
+              </a:cxn>
+              <a:cxn ang="0">
+                <a:pos x="connsiteX2" y="connsiteY2"/>
+              </a:cxn>
+              <a:cxn ang="0">
+                <a:pos x="connsiteX3" y="connsiteY3"/>
+              </a:cxn>
+              <a:cxn ang="0">
+                <a:pos x="connsiteX4" y="connsiteY4"/>
+              </a:cxn>
+              <a:cxn ang="0">
+                <a:pos x="connsiteX5" y="connsiteY5"/>
+              </a:cxn>
+              <a:cxn ang="0">
+                <a:pos x="connsiteX6" y="connsiteY6"/>
+              </a:cxn>
+            </a:cxnLst>
+            <a:rect l="l" t="t" r="r" b="b"/>
+            <a:pathLst>
+              <a:path w="5441859" h="5654940">
+                <a:moveTo>
+                  <a:pt x="1041368" y="0"/>
+                </a:moveTo>
+                <a:lnTo>
+                  <a:pt x="5441859" y="0"/>
+                </a:lnTo>
+                <a:lnTo>
+                  <a:pt x="5441859" y="4820612"/>
+                </a:lnTo>
+                <a:lnTo>
+                  <a:pt x="5285166" y="4957981"/>
+                </a:lnTo>
+                <a:cubicBezTo>
+                  <a:pt x="4729628" y="5394557"/>
+                  <a:pt x="4029081" y="5654940"/>
+                  <a:pt x="3267719" y="5654940"/>
+                </a:cubicBezTo>
+                <a:cubicBezTo>
+                  <a:pt x="1463008" y="5654940"/>
+                  <a:pt x="0" y="4191932"/>
+                  <a:pt x="0" y="2387221"/>
+                </a:cubicBezTo>
+                <a:cubicBezTo>
+                  <a:pt x="0" y="1484866"/>
+                  <a:pt x="365752" y="667936"/>
+                  <a:pt x="957093" y="76595"/>
+                </a:cubicBezTo>
+                <a:close/>
+              </a:path>
+            </a:pathLst>
+          </a:custGeom>
+        </p:spPr>
+      </p:pic>
+      <p:sp>
+        <p:nvSpPr>
+          <p:cNvPr id="10" name="Content Placeholder 9">
+            <a:extLst>
+              <a:ext uri="{FF2B5EF4-FFF2-40B4-BE49-F238E27FC236}">
+                <a16:creationId xmlns:a16="http://schemas.microsoft.com/office/drawing/2014/main" xmlns="" id="{C2ADAFC9-23A1-45E8-9303-B30614C3B545}"/>
+              </a:ext>
+            </a:extLst>
+          </p:cNvPr>
+          <p:cNvSpPr>
+            <a:spLocks noGrp="1"/>
+          </p:cNvSpPr>
+          <p:nvPr>
+            <p:ph idx="1"/>
+          </p:nvPr>
+        </p:nvSpPr>
+        <p:spPr>
+          <a:xfrm>
+            <a:off x="937591" y="1470993"/>
+            <a:ext cx="4482549" cy="3773128"/>
+          </a:xfrm>
+        </p:spPr>
+        <p:txBody>
+          <a:bodyPr anchor="t">
+            <a:normAutofit/>
+          </a:bodyPr>
+          <a:lstStyle/>
+          <a:p>
+            <a:r>
+              <a:rPr lang="en-US" dirty="0" smtClean="0">
+                <a:latin typeface="Gentium Plus" panose="02000503060000020004" pitchFamily="2" charset="0"/>
+                <a:ea typeface="Gentium Plus" panose="02000503060000020004" pitchFamily="2" charset="0"/>
+                <a:cs typeface="Gentium Plus" panose="02000503060000020004" pitchFamily="2" charset="0"/>
+              </a:rPr>
+              <a:t>Accurate</a:t>
+            </a:r>
+            <a:endParaRPr lang="en-US" dirty="0">
+              <a:latin typeface="Gentium Plus" panose="02000503060000020004" pitchFamily="2" charset="0"/>
+              <a:ea typeface="Gentium Plus" panose="02000503060000020004" pitchFamily="2" charset="0"/>
+              <a:cs typeface="Gentium Plus" panose="02000503060000020004" pitchFamily="2" charset="0"/>
+            </a:endParaRPr>
+          </a:p>
+          <a:p>
+            <a:pPr lvl="1"/>
+            <a:r>
+              <a:rPr lang="en-US" b="1" dirty="0"/>
+              <a:t>±</a:t>
+            </a:r>
+            <a:r>
+              <a:rPr lang="en-US" dirty="0">
+                <a:latin typeface="Gentium Plus" panose="02000503060000020004" pitchFamily="2" charset="0"/>
+                <a:ea typeface="Gentium Plus" panose="02000503060000020004" pitchFamily="2" charset="0"/>
+                <a:cs typeface="Gentium Plus" panose="02000503060000020004" pitchFamily="2" charset="0"/>
+              </a:rPr>
+              <a:t>2 mm </a:t>
+            </a:r>
+          </a:p>
+          <a:p>
+            <a:pPr lvl="1"/>
+            <a:r>
+              <a:rPr lang="en-US" b="1" dirty="0"/>
+              <a:t>±</a:t>
+            </a:r>
+            <a:r>
+              <a:rPr lang="en-US" dirty="0">
+                <a:latin typeface="Gentium Plus" panose="02000503060000020004" pitchFamily="2" charset="0"/>
+                <a:ea typeface="Gentium Plus" panose="02000503060000020004" pitchFamily="2" charset="0"/>
+                <a:cs typeface="Gentium Plus" panose="02000503060000020004" pitchFamily="2" charset="0"/>
+              </a:rPr>
+              <a:t>0.002 SG </a:t>
+            </a:r>
+            <a:endParaRPr lang="en-AU" dirty="0" smtClean="0">
+              <a:latin typeface="Gentium Plus" panose="02000503060000020004" pitchFamily="2" charset="0"/>
+              <a:ea typeface="Gentium Plus" panose="02000503060000020004" pitchFamily="2" charset="0"/>
+              <a:cs typeface="Gentium Plus" panose="02000503060000020004" pitchFamily="2" charset="0"/>
+            </a:endParaRPr>
+          </a:p>
+          <a:p>
+            <a:pPr lvl="1"/>
+            <a:r>
+              <a:rPr lang="en-US" b="1" dirty="0" smtClean="0"/>
+              <a:t>±</a:t>
+            </a:r>
+            <a:r>
+              <a:rPr lang="en-US" dirty="0" smtClean="0">
+                <a:latin typeface="Gentium Plus"/>
+              </a:rPr>
+              <a:t>0.26 ABV</a:t>
+            </a:r>
+          </a:p>
+          <a:p>
+            <a:pPr marL="457200" lvl="1" indent="0">
+              <a:buNone/>
+            </a:pPr>
+            <a:endParaRPr lang="en-US" dirty="0">
+              <a:latin typeface="Gentium Plus"/>
+              <a:ea typeface="Gentium Plus" panose="02000503060000020004" pitchFamily="2" charset="0"/>
+              <a:cs typeface="Gentium Plus" panose="02000503060000020004" pitchFamily="2" charset="0"/>
+            </a:endParaRPr>
+          </a:p>
+          <a:p>
+            <a:r>
+              <a:rPr lang="en-US" dirty="0">
+                <a:latin typeface="Gentium Plus" panose="02000503060000020004" pitchFamily="2" charset="0"/>
+                <a:ea typeface="Gentium Plus" panose="02000503060000020004" pitchFamily="2" charset="0"/>
+                <a:cs typeface="Gentium Plus" panose="02000503060000020004" pitchFamily="2" charset="0"/>
+              </a:rPr>
+              <a:t>Low Cost</a:t>
+            </a:r>
+          </a:p>
+          <a:p>
+            <a:pPr lvl="1"/>
+            <a:r>
+              <a:rPr lang="en-US" dirty="0">
+                <a:latin typeface="Gentium Plus" panose="02000503060000020004" pitchFamily="2" charset="0"/>
+                <a:ea typeface="Gentium Plus" panose="02000503060000020004" pitchFamily="2" charset="0"/>
+                <a:cs typeface="Gentium Plus" panose="02000503060000020004" pitchFamily="2" charset="0"/>
+              </a:rPr>
+              <a:t>Priority</a:t>
+            </a:r>
+          </a:p>
+          <a:p>
+            <a:pPr lvl="1"/>
+            <a:r>
+              <a:rPr lang="en-US" dirty="0">
+                <a:latin typeface="Gentium Plus" panose="02000503060000020004" pitchFamily="2" charset="0"/>
+                <a:ea typeface="Gentium Plus" panose="02000503060000020004" pitchFamily="2" charset="0"/>
+                <a:cs typeface="Gentium Plus" panose="02000503060000020004" pitchFamily="2" charset="0"/>
+              </a:rPr>
+              <a:t>Less than 15 $US</a:t>
+            </a:r>
+          </a:p>
+          <a:p>
+            <a:pPr marL="457200" lvl="1" indent="0">
+              <a:buNone/>
+            </a:pPr>
+            <a:endParaRPr lang="en-US" dirty="0">
+              <a:latin typeface="Gentium Plus" panose="02000503060000020004" pitchFamily="2" charset="0"/>
+              <a:ea typeface="Gentium Plus" panose="02000503060000020004" pitchFamily="2" charset="0"/>
+              <a:cs typeface="Gentium Plus" panose="02000503060000020004" pitchFamily="2" charset="0"/>
+            </a:endParaRPr>
+          </a:p>
+          <a:p>
+            <a:pPr lvl="1"/>
+            <a:endParaRPr lang="en-US" dirty="0">
+              <a:latin typeface="Gentium Plus" panose="02000503060000020004" pitchFamily="2" charset="0"/>
+              <a:ea typeface="Gentium Plus" panose="02000503060000020004" pitchFamily="2" charset="0"/>
+              <a:cs typeface="Gentium Plus" panose="02000503060000020004" pitchFamily="2" charset="0"/>
+            </a:endParaRPr>
+          </a:p>
+          <a:p>
+            <a:endParaRPr lang="en-US" dirty="0">
+              <a:latin typeface="Gentium Plus" panose="02000503060000020004" pitchFamily="2" charset="0"/>
+              <a:ea typeface="Gentium Plus" panose="02000503060000020004" pitchFamily="2" charset="0"/>
+              <a:cs typeface="Gentium Plus" panose="02000503060000020004" pitchFamily="2" charset="0"/>
+            </a:endParaRPr>
+          </a:p>
+        </p:txBody>
+      </p:sp>
+      <p:sp>
+        <p:nvSpPr>
+          <p:cNvPr id="2" name="Slide Number Placeholder 1">
+            <a:extLst>
+              <a:ext uri="{FF2B5EF4-FFF2-40B4-BE49-F238E27FC236}">
+                <a16:creationId xmlns:a16="http://schemas.microsoft.com/office/drawing/2014/main" xmlns="" id="{7287051A-03E3-4D07-AD72-4A55E7E1712E}"/>
+              </a:ext>
+            </a:extLst>
+          </p:cNvPr>
+          <p:cNvSpPr>
+            <a:spLocks noGrp="1"/>
+          </p:cNvSpPr>
+          <p:nvPr>
+            <p:ph type="sldNum" sz="quarter" idx="12"/>
+          </p:nvPr>
+        </p:nvSpPr>
+        <p:spPr/>
+        <p:txBody>
+          <a:bodyPr/>
+          <a:lstStyle/>
+          <a:p>
+            <a:fld id="{F0CD063B-A75C-4963-B39E-9F4A7E238D4B}" type="slidenum">
+              <a:rPr lang="en-US" smtClean="0"/>
+              <a:t>5</a:t>
+            </a:fld>
+            <a:endParaRPr lang="en-US"/>
+          </a:p>
+        </p:txBody>
+      </p:sp>
+      <p:sp>
+        <p:nvSpPr>
+          <p:cNvPr id="3" name="TextBox 2">
+            <a:extLst>
+              <a:ext uri="{FF2B5EF4-FFF2-40B4-BE49-F238E27FC236}">
+                <a16:creationId xmlns:a16="http://schemas.microsoft.com/office/drawing/2014/main" xmlns="" id="{17C3291B-C178-4613-A8BE-3C4B984DA235}"/>
+              </a:ext>
+            </a:extLst>
+          </p:cNvPr>
+          <p:cNvSpPr txBox="1"/>
+          <p:nvPr/>
+        </p:nvSpPr>
+        <p:spPr>
+          <a:xfrm>
+            <a:off x="348987" y="450574"/>
+            <a:ext cx="5652473" cy="830997"/>
+          </a:xfrm>
+          <a:prstGeom prst="rect">
+            <a:avLst/>
+          </a:prstGeom>
+          <a:noFill/>
+        </p:spPr>
+        <p:txBody>
+          <a:bodyPr wrap="square" rtlCol="0">
+            <a:spAutoFit/>
+          </a:bodyPr>
+          <a:lstStyle/>
+          <a:p>
+            <a:r>
+              <a:rPr lang="en-US" sz="4800" dirty="0">
+                <a:latin typeface="Gentium Plus" panose="02000503060000020004" pitchFamily="2" charset="0"/>
+                <a:ea typeface="Gentium Plus" panose="02000503060000020004" pitchFamily="2" charset="0"/>
+                <a:cs typeface="Gentium Plus" panose="02000503060000020004" pitchFamily="2" charset="0"/>
+              </a:rPr>
+              <a:t>Parameters</a:t>
+            </a:r>
+          </a:p>
+        </p:txBody>
+      </p:sp>
+    </p:spTree>
+    <p:extLst>
+      <p:ext uri="{BB962C8B-B14F-4D97-AF65-F5344CB8AC3E}">
+        <p14:creationId xmlns:p14="http://schemas.microsoft.com/office/powerpoint/2010/main" val="99904349"/>
+      </p:ext>
+    </p:extLst>
+  </p:cSld>
+  <p:clrMapOvr>
+    <a:overrideClrMapping bg1="dk1" tx1="lt1" bg2="dk2" tx2="lt2" accent1="accent1" accent2="accent2" accent3="accent3" accent4="accent4" accent5="accent5" accent6="accent6" hlink="hlink" folHlink="folHlink"/>
+  </p:clrMapOvr>
+</p:sld>
+</file>
+
+<file path=ppt/slides/slide6.xml><?xml version="1.0" encoding="utf-8"?>
+<p:sld xmlns:a="http://schemas.openxmlformats.org/drawingml/2006/main" xmlns:r="http://schemas.openxmlformats.org/officeDocument/2006/relationships" xmlns:p="http://schemas.openxmlformats.org/presentationml/2006/main">
+  <p:cSld>
+    <p:bg>
+      <p:bgPr>
+        <a:solidFill>
+          <a:schemeClr val="bg1"/>
+        </a:solidFill>
+        <a:effectLst/>
+      </p:bgPr>
+    </p:bg>
+    <p:spTree>
+      <p:nvGrpSpPr>
+        <p:cNvPr id="1" name=""/>
+        <p:cNvGrpSpPr/>
+        <p:nvPr/>
+      </p:nvGrpSpPr>
+      <p:grpSpPr>
+        <a:xfrm>
+          <a:off x="0" y="0"/>
+          <a:ext cx="0" cy="0"/>
+          <a:chOff x="0" y="0"/>
+          <a:chExt cx="0" cy="0"/>
+        </a:xfrm>
+      </p:grpSpPr>
+      <p:sp>
+        <p:nvSpPr>
+          <p:cNvPr id="31" name="Rectangle: Top Corners Rounded 30">
+            <a:extLst>
+              <a:ext uri="{FF2B5EF4-FFF2-40B4-BE49-F238E27FC236}">
+                <a16:creationId xmlns:a16="http://schemas.microsoft.com/office/drawing/2014/main" xmlns="" id="{3BAF1561-20C4-41FD-A35F-BF2B9E727F3E}"/>
+              </a:ext>
+              <a:ext uri="{C183D7F6-B498-43B3-948B-1728B52AA6E4}">
+                <adec:decorative xmlns="" xmlns:adec="http://schemas.microsoft.com/office/drawing/2017/decorative" val="1"/>
+              </a:ext>
+            </a:extLst>
+          </p:cNvPr>
+          <p:cNvSpPr>
+            <a:spLocks noGrp="1" noRot="1" noChangeAspect="1" noMove="1" noResize="1" noEditPoints="1" noAdjustHandles="1" noChangeArrowheads="1" noChangeShapeType="1" noTextEdit="1"/>
+          </p:cNvSpPr>
+          <p:nvPr>
+            <p:extLst>
+              <p:ext uri="{386F3935-93C4-4BCD-93E2-E3B085C9AB24}">
+                <p16:designElem xmlns:p16="http://schemas.microsoft.com/office/powerpoint/2015/main" xmlns="" val="1"/>
+              </p:ext>
+            </p:extLst>
+          </p:nvPr>
+        </p:nvSpPr>
+        <p:spPr>
+          <a:xfrm rot="5400000" flipH="1">
+            <a:off x="-529466" y="996722"/>
+            <a:ext cx="5923488" cy="4864556"/>
+          </a:xfrm>
+          <a:prstGeom prst="round2SameRect">
+            <a:avLst>
+              <a:gd name="adj1" fmla="val 3762"/>
+              <a:gd name="adj2" fmla="val 0"/>
+            </a:avLst>
+          </a:prstGeom>
+          <a:solidFill>
+            <a:schemeClr val="tx1">
+              <a:lumMod val="75000"/>
+              <a:lumOff val="25000"/>
+            </a:schemeClr>
+          </a:solidFill>
+          <a:ln>
+            <a:noFill/>
+          </a:ln>
+        </p:spPr>
+        <p:style>
+          <a:lnRef idx="2">
+            <a:schemeClr val="accent1">
+              <a:shade val="50000"/>
+            </a:schemeClr>
+          </a:lnRef>
+          <a:fillRef idx="1">
+            <a:schemeClr val="accent1"/>
+          </a:fillRef>
+          <a:effectRef idx="0">
+            <a:schemeClr val="accent1"/>
+          </a:effectRef>
+          <a:fontRef idx="minor">
+            <a:schemeClr val="lt1"/>
+          </a:fontRef>
+        </p:style>
+        <p:txBody>
+          <a:bodyPr rtlCol="0" anchor="ctr"/>
+          <a:lstStyle/>
+          <a:p>
+            <a:pPr marL="0" marR="0" lvl="0" indent="0" algn="ctr" defTabSz="914400" rtl="0" eaLnBrk="1" fontAlgn="auto" latinLnBrk="0" hangingPunct="1">
+              <a:lnSpc>
+                <a:spcPct val="100000"/>
+              </a:lnSpc>
+              <a:spcBef>
+                <a:spcPts val="0"/>
+              </a:spcBef>
+              <a:spcAft>
+                <a:spcPts val="0"/>
+              </a:spcAft>
+              <a:buClrTx/>
+              <a:buSzTx/>
+              <a:buFontTx/>
+              <a:buNone/>
+              <a:tabLst/>
+              <a:defRPr/>
+            </a:pPr>
+            <a:endParaRPr kumimoji="0" lang="en-US" sz="1800" b="0" i="0" u="none" strike="noStrike" kern="1200" cap="none" spc="0" normalizeH="0" baseline="0" noProof="0">
+              <a:ln>
+                <a:noFill/>
+              </a:ln>
+              <a:solidFill>
+                <a:prstClr val="white"/>
+              </a:solidFill>
+              <a:effectLst/>
+              <a:uLnTx/>
+              <a:uFillTx/>
+              <a:latin typeface="Calibri" panose="020F0502020204030204"/>
+              <a:ea typeface="+mn-ea"/>
+              <a:cs typeface="+mn-cs"/>
+            </a:endParaRPr>
+          </a:p>
+        </p:txBody>
+      </p:sp>
+      <p:sp>
+        <p:nvSpPr>
+          <p:cNvPr id="33" name="Rectangle: Top Corners Rounded 32">
+            <a:extLst>
+              <a:ext uri="{FF2B5EF4-FFF2-40B4-BE49-F238E27FC236}">
+                <a16:creationId xmlns:a16="http://schemas.microsoft.com/office/drawing/2014/main" xmlns="" id="{839DC788-B140-4F3E-A91E-CB3E70ED940A}"/>
+              </a:ext>
+              <a:ext uri="{C183D7F6-B498-43B3-948B-1728B52AA6E4}">
+                <adec:decorative xmlns="" xmlns:adec="http://schemas.microsoft.com/office/drawing/2017/decorative" val="1"/>
+              </a:ext>
+            </a:extLst>
+          </p:cNvPr>
+          <p:cNvSpPr>
+            <a:spLocks noGrp="1" noRot="1" noChangeAspect="1" noMove="1" noResize="1" noEditPoints="1" noAdjustHandles="1" noChangeArrowheads="1" noChangeShapeType="1" noTextEdit="1"/>
+          </p:cNvSpPr>
+          <p:nvPr>
+            <p:extLst>
+              <p:ext uri="{386F3935-93C4-4BCD-93E2-E3B085C9AB24}">
+                <p16:designElem xmlns:p16="http://schemas.microsoft.com/office/powerpoint/2015/main" xmlns="" val="1"/>
+              </p:ext>
+            </p:extLst>
+          </p:nvPr>
+        </p:nvSpPr>
+        <p:spPr>
+          <a:xfrm rot="5400000" flipH="1">
+            <a:off x="-457200" y="1050468"/>
+            <a:ext cx="5609397" cy="4757058"/>
+          </a:xfrm>
+          <a:prstGeom prst="round2SameRect">
+            <a:avLst>
+              <a:gd name="adj1" fmla="val 2061"/>
+              <a:gd name="adj2" fmla="val 0"/>
+            </a:avLst>
+          </a:prstGeom>
+          <a:noFill/>
+          <a:ln w="50800">
+            <a:solidFill>
+              <a:schemeClr val="bg1"/>
+            </a:solidFill>
+          </a:ln>
+        </p:spPr>
+        <p:style>
+          <a:lnRef idx="2">
+            <a:schemeClr val="accent1">
+              <a:shade val="50000"/>
+            </a:schemeClr>
+          </a:lnRef>
+          <a:fillRef idx="1">
+            <a:schemeClr val="accent1"/>
+          </a:fillRef>
+          <a:effectRef idx="0">
+            <a:schemeClr val="accent1"/>
+          </a:effectRef>
+          <a:fontRef idx="minor">
+            <a:schemeClr val="lt1"/>
+          </a:fontRef>
+        </p:style>
+        <p:txBody>
+          <a:bodyPr rtlCol="0" anchor="ctr"/>
+          <a:lstStyle/>
+          <a:p>
+            <a:pPr marL="0" marR="0" lvl="0" indent="0" algn="ctr" defTabSz="914400" rtl="0" eaLnBrk="1" fontAlgn="auto" latinLnBrk="0" hangingPunct="1">
+              <a:lnSpc>
+                <a:spcPct val="100000"/>
+              </a:lnSpc>
+              <a:spcBef>
+                <a:spcPts val="0"/>
+              </a:spcBef>
+              <a:spcAft>
+                <a:spcPts val="0"/>
+              </a:spcAft>
+              <a:buClrTx/>
+              <a:buSzTx/>
+              <a:buFontTx/>
+              <a:buNone/>
+              <a:tabLst/>
+              <a:defRPr/>
+            </a:pPr>
+            <a:endParaRPr kumimoji="0" lang="en-US" sz="1800" b="0" i="0" u="none" strike="noStrike" kern="1200" cap="none" spc="0" normalizeH="0" baseline="0" noProof="0">
+              <a:ln>
+                <a:noFill/>
+              </a:ln>
+              <a:solidFill>
+                <a:prstClr val="white"/>
+              </a:solidFill>
+              <a:effectLst/>
+              <a:uLnTx/>
+              <a:uFillTx/>
+              <a:latin typeface="Calibri" panose="020F0502020204030204"/>
+              <a:ea typeface="+mn-ea"/>
+              <a:cs typeface="+mn-cs"/>
+            </a:endParaRPr>
+          </a:p>
+        </p:txBody>
+      </p:sp>
+      <p:cxnSp>
+        <p:nvCxnSpPr>
+          <p:cNvPr id="35" name="Straight Connector 34">
+            <a:extLst>
+              <a:ext uri="{FF2B5EF4-FFF2-40B4-BE49-F238E27FC236}">
+                <a16:creationId xmlns:a16="http://schemas.microsoft.com/office/drawing/2014/main" xmlns="" id="{FC18D930-0EEE-448F-ABF1-2AA3C83DA552}"/>
+              </a:ext>
+              <a:ext uri="{C183D7F6-B498-43B3-948B-1728B52AA6E4}">
+                <adec:decorative xmlns="" xmlns:adec="http://schemas.microsoft.com/office/drawing/2017/decorative" val="1"/>
+              </a:ext>
+            </a:extLst>
+          </p:cNvPr>
+          <p:cNvCxnSpPr>
+            <a:cxnSpLocks noGrp="1" noRot="1" noChangeAspect="1" noMove="1" noResize="1" noEditPoints="1" noAdjustHandles="1" noChangeArrowheads="1" noChangeShapeType="1"/>
+          </p:cNvCxnSpPr>
+          <p:nvPr>
+            <p:extLst>
+              <p:ext uri="{386F3935-93C4-4BCD-93E2-E3B085C9AB24}">
+                <p16:designElem xmlns:p16="http://schemas.microsoft.com/office/powerpoint/2015/main" xmlns="" val="1"/>
+              </p:ext>
+            </p:extLst>
+          </p:nvPr>
+        </p:nvCxnSpPr>
+        <p:spPr>
+          <a:xfrm>
+            <a:off x="524071" y="2705800"/>
+            <a:ext cx="1597456" cy="0"/>
+          </a:xfrm>
+          <a:prstGeom prst="line">
+            <a:avLst/>
+          </a:prstGeom>
+          <a:ln w="50800">
+            <a:solidFill>
+              <a:schemeClr val="bg1">
+                <a:lumMod val="65000"/>
+              </a:schemeClr>
+            </a:solidFill>
+          </a:ln>
+        </p:spPr>
+        <p:style>
+          <a:lnRef idx="1">
+            <a:schemeClr val="accent1"/>
+          </a:lnRef>
+          <a:fillRef idx="0">
+            <a:schemeClr val="accent1"/>
+          </a:fillRef>
+          <a:effectRef idx="0">
+            <a:schemeClr val="accent1"/>
+          </a:effectRef>
+          <a:fontRef idx="minor">
+            <a:schemeClr val="tx1"/>
+          </a:fontRef>
+        </p:style>
+      </p:cxnSp>
+      <p:pic>
+        <p:nvPicPr>
+          <p:cNvPr id="4" name="Picture 3">
+            <a:extLst>
+              <a:ext uri="{FF2B5EF4-FFF2-40B4-BE49-F238E27FC236}">
+                <a16:creationId xmlns:a16="http://schemas.microsoft.com/office/drawing/2014/main" xmlns="" id="{E5D117B4-334E-42D1-925A-A387834F7242}"/>
+              </a:ext>
+            </a:extLst>
+          </p:cNvPr>
+          <p:cNvPicPr>
+            <a:picLocks noChangeAspect="1"/>
+          </p:cNvPicPr>
+          <p:nvPr/>
+        </p:nvPicPr>
+        <p:blipFill>
+          <a:blip r:embed="rId2">
+            <a:extLst>
+              <a:ext uri="{28A0092B-C50C-407E-A947-70E740481C1C}">
+                <a14:useLocalDpi xmlns:a14="http://schemas.microsoft.com/office/drawing/2010/main" val="0"/>
+              </a:ext>
+            </a:extLst>
+          </a:blip>
+          <a:stretch>
+            <a:fillRect/>
+          </a:stretch>
+        </p:blipFill>
+        <p:spPr>
+          <a:xfrm>
+            <a:off x="5051522" y="351693"/>
+            <a:ext cx="6970519" cy="5977220"/>
+          </a:xfrm>
+          <a:prstGeom prst="rect">
+            <a:avLst/>
+          </a:prstGeom>
+        </p:spPr>
+      </p:pic>
+      <p:sp>
+        <p:nvSpPr>
+          <p:cNvPr id="2" name="Title 1">
+            <a:extLst>
+              <a:ext uri="{FF2B5EF4-FFF2-40B4-BE49-F238E27FC236}">
+                <a16:creationId xmlns:a16="http://schemas.microsoft.com/office/drawing/2014/main" xmlns="" id="{81002785-F1EA-47F3-9F9A-68FE8CC2BA4C}"/>
+              </a:ext>
+            </a:extLst>
+          </p:cNvPr>
+          <p:cNvSpPr>
+            <a:spLocks noGrp="1"/>
+          </p:cNvSpPr>
+          <p:nvPr>
+            <p:ph type="title"/>
+          </p:nvPr>
+        </p:nvSpPr>
+        <p:spPr>
+          <a:xfrm>
+            <a:off x="321733" y="981091"/>
+            <a:ext cx="4092951" cy="1624457"/>
+          </a:xfrm>
+        </p:spPr>
+        <p:txBody>
+          <a:bodyPr>
+            <a:normAutofit/>
+          </a:bodyPr>
+          <a:lstStyle/>
+          <a:p>
+            <a:r>
+              <a:rPr lang="en-US" sz="3600" b="1">
+                <a:solidFill>
+                  <a:schemeClr val="bg1"/>
+                </a:solidFill>
+                <a:latin typeface="Gentium Plus" panose="02000503060000020004" pitchFamily="2" charset="0"/>
+                <a:ea typeface="Gentium Plus" panose="02000503060000020004" pitchFamily="2" charset="0"/>
+                <a:cs typeface="Gentium Plus" panose="02000503060000020004" pitchFamily="2" charset="0"/>
+              </a:rPr>
+              <a:t>Physical Architecture</a:t>
+            </a:r>
+          </a:p>
+        </p:txBody>
+      </p:sp>
+      <p:sp>
+        <p:nvSpPr>
+          <p:cNvPr id="17" name="Content Placeholder 9">
+            <a:extLst>
+              <a:ext uri="{FF2B5EF4-FFF2-40B4-BE49-F238E27FC236}">
+                <a16:creationId xmlns:a16="http://schemas.microsoft.com/office/drawing/2014/main" xmlns="" id="{00A3C9AB-A80C-4B27-BCF4-660D60D43360}"/>
+              </a:ext>
+            </a:extLst>
+          </p:cNvPr>
+          <p:cNvSpPr>
+            <a:spLocks noGrp="1"/>
+          </p:cNvSpPr>
+          <p:nvPr>
+            <p:ph idx="1"/>
+          </p:nvPr>
+        </p:nvSpPr>
+        <p:spPr>
+          <a:xfrm>
+            <a:off x="321733" y="2834809"/>
+            <a:ext cx="4092951" cy="3042099"/>
+          </a:xfrm>
+        </p:spPr>
+        <p:txBody>
+          <a:bodyPr anchor="t">
+            <a:normAutofit/>
+          </a:bodyPr>
+          <a:lstStyle/>
+          <a:p>
+            <a:endParaRPr lang="en-US" sz="2000">
+              <a:solidFill>
+                <a:schemeClr val="bg1"/>
+              </a:solidFill>
+              <a:latin typeface="Gentium Plus" panose="02000503060000020004" pitchFamily="2" charset="0"/>
+              <a:ea typeface="Gentium Plus" panose="02000503060000020004" pitchFamily="2" charset="0"/>
+              <a:cs typeface="Gentium Plus" panose="02000503060000020004" pitchFamily="2" charset="0"/>
+            </a:endParaRPr>
+          </a:p>
+          <a:p>
+            <a:r>
+              <a:rPr lang="en-US" sz="2000">
+                <a:solidFill>
+                  <a:schemeClr val="bg1"/>
+                </a:solidFill>
+                <a:latin typeface="Gentium Plus" panose="02000503060000020004" pitchFamily="2" charset="0"/>
+                <a:ea typeface="Gentium Plus" panose="02000503060000020004" pitchFamily="2" charset="0"/>
+                <a:cs typeface="Gentium Plus" panose="02000503060000020004" pitchFamily="2" charset="0"/>
+              </a:rPr>
+              <a:t>Raspberry Pi Zero W</a:t>
+            </a:r>
+          </a:p>
+          <a:p>
+            <a:endParaRPr lang="en-US" sz="2000">
+              <a:solidFill>
+                <a:schemeClr val="bg1"/>
+              </a:solidFill>
+              <a:latin typeface="Gentium Plus" panose="02000503060000020004" pitchFamily="2" charset="0"/>
+              <a:ea typeface="Gentium Plus" panose="02000503060000020004" pitchFamily="2" charset="0"/>
+              <a:cs typeface="Gentium Plus" panose="02000503060000020004" pitchFamily="2" charset="0"/>
+            </a:endParaRPr>
+          </a:p>
+          <a:p>
+            <a:r>
+              <a:rPr lang="en-US" sz="2000">
+                <a:solidFill>
+                  <a:schemeClr val="bg1"/>
+                </a:solidFill>
+                <a:latin typeface="Gentium Plus" panose="02000503060000020004" pitchFamily="2" charset="0"/>
+                <a:ea typeface="Gentium Plus" panose="02000503060000020004" pitchFamily="2" charset="0"/>
+                <a:cs typeface="Gentium Plus" panose="02000503060000020004" pitchFamily="2" charset="0"/>
+              </a:rPr>
+              <a:t>HC-SR04</a:t>
+            </a:r>
+          </a:p>
+          <a:p>
+            <a:endParaRPr lang="en-US" sz="2000">
+              <a:solidFill>
+                <a:schemeClr val="bg1"/>
+              </a:solidFill>
+              <a:latin typeface="Gentium Plus" panose="02000503060000020004" pitchFamily="2" charset="0"/>
+              <a:ea typeface="Gentium Plus" panose="02000503060000020004" pitchFamily="2" charset="0"/>
+              <a:cs typeface="Gentium Plus" panose="02000503060000020004" pitchFamily="2" charset="0"/>
+            </a:endParaRPr>
+          </a:p>
+          <a:p>
+            <a:r>
+              <a:rPr lang="en-US" sz="2000">
+                <a:solidFill>
+                  <a:schemeClr val="bg1"/>
+                </a:solidFill>
+                <a:latin typeface="Gentium Plus" panose="02000503060000020004" pitchFamily="2" charset="0"/>
+                <a:ea typeface="Gentium Plus" panose="02000503060000020004" pitchFamily="2" charset="0"/>
+                <a:cs typeface="Gentium Plus" panose="02000503060000020004" pitchFamily="2" charset="0"/>
+              </a:rPr>
+              <a:t>DHT11</a:t>
+            </a:r>
+          </a:p>
+          <a:p>
+            <a:endParaRPr lang="en-US" sz="2000">
+              <a:solidFill>
+                <a:schemeClr val="bg1"/>
+              </a:solidFill>
+              <a:latin typeface="Gentium Plus" panose="02000503060000020004" pitchFamily="2" charset="0"/>
+              <a:ea typeface="Gentium Plus" panose="02000503060000020004" pitchFamily="2" charset="0"/>
+              <a:cs typeface="Gentium Plus" panose="02000503060000020004" pitchFamily="2" charset="0"/>
+            </a:endParaRPr>
+          </a:p>
+          <a:p>
+            <a:endParaRPr lang="en-US" sz="2000" dirty="0">
+              <a:solidFill>
+                <a:schemeClr val="bg1"/>
+              </a:solidFill>
+              <a:latin typeface="Gentium Plus" panose="02000503060000020004" pitchFamily="2" charset="0"/>
+              <a:ea typeface="Gentium Plus" panose="02000503060000020004" pitchFamily="2" charset="0"/>
+              <a:cs typeface="Gentium Plus" panose="02000503060000020004" pitchFamily="2" charset="0"/>
+            </a:endParaRPr>
+          </a:p>
+        </p:txBody>
+      </p:sp>
+      <p:sp>
+        <p:nvSpPr>
+          <p:cNvPr id="5" name="Slide Number Placeholder 4">
+            <a:extLst>
+              <a:ext uri="{FF2B5EF4-FFF2-40B4-BE49-F238E27FC236}">
+                <a16:creationId xmlns:a16="http://schemas.microsoft.com/office/drawing/2014/main" xmlns="" id="{34160D2A-1986-4BEA-873E-ED51E0C3F40D}"/>
+              </a:ext>
+            </a:extLst>
+          </p:cNvPr>
+          <p:cNvSpPr>
+            <a:spLocks noGrp="1"/>
+          </p:cNvSpPr>
+          <p:nvPr>
+            <p:ph type="sldNum" sz="quarter" idx="12"/>
+          </p:nvPr>
+        </p:nvSpPr>
+        <p:spPr/>
+        <p:txBody>
+          <a:bodyPr/>
+          <a:lstStyle/>
+          <a:p>
+            <a:fld id="{F0CD063B-A75C-4963-B39E-9F4A7E238D4B}" type="slidenum">
+              <a:rPr lang="en-US" smtClean="0"/>
+              <a:t>6</a:t>
+            </a:fld>
+            <a:endParaRPr lang="en-US"/>
+          </a:p>
+        </p:txBody>
+      </p:sp>
+    </p:spTree>
+    <p:extLst>
+      <p:ext uri="{BB962C8B-B14F-4D97-AF65-F5344CB8AC3E}">
+        <p14:creationId xmlns:p14="http://schemas.microsoft.com/office/powerpoint/2010/main" val="1677824859"/>
+      </p:ext>
+    </p:extLst>
+  </p:cSld>
+  <p:clrMapOvr>
+    <a:masterClrMapping/>
+  </p:clrMapOvr>
+</p:sld>
+</file>
+
+<file path=ppt/slides/slide7.xml><?xml version="1.0" encoding="utf-8"?>
+<p:sld xmlns:a="http://schemas.openxmlformats.org/drawingml/2006/main" xmlns:r="http://schemas.openxmlformats.org/officeDocument/2006/relationships" xmlns:p="http://schemas.openxmlformats.org/presentationml/2006/main">
+  <p:cSld>
+    <p:bg>
+      <p:bgPr>
+        <a:solidFill>
+          <a:schemeClr val="bg1"/>
+        </a:solidFill>
+        <a:effectLst/>
+      </p:bgPr>
+    </p:bg>
+    <p:spTree>
+      <p:nvGrpSpPr>
+        <p:cNvPr id="1" name=""/>
+        <p:cNvGrpSpPr/>
+        <p:nvPr/>
+      </p:nvGrpSpPr>
+      <p:grpSpPr>
+        <a:xfrm>
+          <a:off x="0" y="0"/>
+          <a:ext cx="0" cy="0"/>
+          <a:chOff x="0" y="0"/>
+          <a:chExt cx="0" cy="0"/>
+        </a:xfrm>
+      </p:grpSpPr>
+      <p:sp>
+        <p:nvSpPr>
+          <p:cNvPr id="27" name="Rectangle: Top Corners Rounded 26">
+            <a:extLst>
+              <a:ext uri="{FF2B5EF4-FFF2-40B4-BE49-F238E27FC236}">
+                <a16:creationId xmlns:a16="http://schemas.microsoft.com/office/drawing/2014/main" xmlns="" id="{3BAF1561-20C4-41FD-A35F-BF2B9E727F3E}"/>
+              </a:ext>
+              <a:ext uri="{C183D7F6-B498-43B3-948B-1728B52AA6E4}">
+                <adec:decorative xmlns="" xmlns:adec="http://schemas.microsoft.com/office/drawing/2017/decorative" val="1"/>
+              </a:ext>
+            </a:extLst>
+          </p:cNvPr>
+          <p:cNvSpPr>
+            <a:spLocks noGrp="1" noRot="1" noChangeAspect="1" noMove="1" noResize="1" noEditPoints="1" noAdjustHandles="1" noChangeArrowheads="1" noChangeShapeType="1" noTextEdit="1"/>
+          </p:cNvSpPr>
+          <p:nvPr>
+            <p:extLst>
+              <p:ext uri="{386F3935-93C4-4BCD-93E2-E3B085C9AB24}">
+                <p16:designElem xmlns:p16="http://schemas.microsoft.com/office/powerpoint/2015/main" xmlns="" val="1"/>
+              </p:ext>
+            </p:extLst>
+          </p:nvPr>
+        </p:nvSpPr>
+        <p:spPr>
+          <a:xfrm rot="5400000" flipH="1">
+            <a:off x="-529466" y="996722"/>
+            <a:ext cx="5923488" cy="4864556"/>
+          </a:xfrm>
+          <a:prstGeom prst="round2SameRect">
+            <a:avLst>
+              <a:gd name="adj1" fmla="val 3762"/>
+              <a:gd name="adj2" fmla="val 0"/>
+            </a:avLst>
+          </a:prstGeom>
+          <a:solidFill>
+            <a:schemeClr val="tx1">
+              <a:lumMod val="75000"/>
+              <a:lumOff val="25000"/>
+            </a:schemeClr>
+          </a:solidFill>
+          <a:ln>
+            <a:noFill/>
+          </a:ln>
+        </p:spPr>
+        <p:style>
+          <a:lnRef idx="2">
+            <a:schemeClr val="accent1">
+              <a:shade val="50000"/>
+            </a:schemeClr>
+          </a:lnRef>
+          <a:fillRef idx="1">
+            <a:schemeClr val="accent1"/>
+          </a:fillRef>
+          <a:effectRef idx="0">
+            <a:schemeClr val="accent1"/>
+          </a:effectRef>
+          <a:fontRef idx="minor">
+            <a:schemeClr val="lt1"/>
+          </a:fontRef>
+        </p:style>
+        <p:txBody>
+          <a:bodyPr rtlCol="0" anchor="ctr"/>
+          <a:lstStyle/>
+          <a:p>
+            <a:pPr marL="0" marR="0" lvl="0" indent="0" algn="ctr" defTabSz="914400" rtl="0" eaLnBrk="1" fontAlgn="auto" latinLnBrk="0" hangingPunct="1">
+              <a:lnSpc>
+                <a:spcPct val="100000"/>
+              </a:lnSpc>
+              <a:spcBef>
+                <a:spcPts val="0"/>
+              </a:spcBef>
+              <a:spcAft>
+                <a:spcPts val="0"/>
+              </a:spcAft>
+              <a:buClrTx/>
+              <a:buSzTx/>
+              <a:buFontTx/>
+              <a:buNone/>
+              <a:tabLst/>
+              <a:defRPr/>
+            </a:pPr>
+            <a:endParaRPr kumimoji="0" lang="en-US" sz="1800" b="0" i="0" u="none" strike="noStrike" kern="1200" cap="none" spc="0" normalizeH="0" baseline="0" noProof="0">
+              <a:ln>
+                <a:noFill/>
+              </a:ln>
+              <a:solidFill>
+                <a:prstClr val="white"/>
+              </a:solidFill>
+              <a:effectLst/>
+              <a:uLnTx/>
+              <a:uFillTx/>
+              <a:latin typeface="Calibri" panose="020F0502020204030204"/>
+              <a:ea typeface="+mn-ea"/>
+              <a:cs typeface="+mn-cs"/>
+            </a:endParaRPr>
+          </a:p>
+        </p:txBody>
+      </p:sp>
+      <p:sp>
+        <p:nvSpPr>
+          <p:cNvPr id="29" name="Rectangle: Top Corners Rounded 28">
+            <a:extLst>
+              <a:ext uri="{FF2B5EF4-FFF2-40B4-BE49-F238E27FC236}">
+                <a16:creationId xmlns:a16="http://schemas.microsoft.com/office/drawing/2014/main" xmlns="" id="{839DC788-B140-4F3E-A91E-CB3E70ED940A}"/>
+              </a:ext>
+              <a:ext uri="{C183D7F6-B498-43B3-948B-1728B52AA6E4}">
+                <adec:decorative xmlns="" xmlns:adec="http://schemas.microsoft.com/office/drawing/2017/decorative" val="1"/>
+              </a:ext>
+            </a:extLst>
+          </p:cNvPr>
+          <p:cNvSpPr>
+            <a:spLocks noGrp="1" noRot="1" noChangeAspect="1" noMove="1" noResize="1" noEditPoints="1" noAdjustHandles="1" noChangeArrowheads="1" noChangeShapeType="1" noTextEdit="1"/>
+          </p:cNvSpPr>
+          <p:nvPr>
+            <p:extLst>
+              <p:ext uri="{386F3935-93C4-4BCD-93E2-E3B085C9AB24}">
+                <p16:designElem xmlns:p16="http://schemas.microsoft.com/office/powerpoint/2015/main" xmlns="" val="1"/>
+              </p:ext>
+            </p:extLst>
+          </p:nvPr>
+        </p:nvSpPr>
+        <p:spPr>
+          <a:xfrm rot="5400000" flipH="1">
+            <a:off x="-457200" y="1050468"/>
+            <a:ext cx="5609397" cy="4757058"/>
+          </a:xfrm>
+          <a:prstGeom prst="round2SameRect">
+            <a:avLst>
+              <a:gd name="adj1" fmla="val 2061"/>
+              <a:gd name="adj2" fmla="val 0"/>
+            </a:avLst>
+          </a:prstGeom>
+          <a:noFill/>
+          <a:ln w="50800">
+            <a:solidFill>
+              <a:schemeClr val="bg1"/>
+            </a:solidFill>
+          </a:ln>
+        </p:spPr>
+        <p:style>
+          <a:lnRef idx="2">
+            <a:schemeClr val="accent1">
+              <a:shade val="50000"/>
+            </a:schemeClr>
+          </a:lnRef>
+          <a:fillRef idx="1">
+            <a:schemeClr val="accent1"/>
+          </a:fillRef>
+          <a:effectRef idx="0">
+            <a:schemeClr val="accent1"/>
+          </a:effectRef>
+          <a:fontRef idx="minor">
+            <a:schemeClr val="lt1"/>
+          </a:fontRef>
+        </p:style>
+        <p:txBody>
+          <a:bodyPr rtlCol="0" anchor="ctr"/>
+          <a:lstStyle/>
+          <a:p>
+            <a:pPr marL="0" marR="0" lvl="0" indent="0" algn="ctr" defTabSz="914400" rtl="0" eaLnBrk="1" fontAlgn="auto" latinLnBrk="0" hangingPunct="1">
+              <a:lnSpc>
+                <a:spcPct val="100000"/>
+              </a:lnSpc>
+              <a:spcBef>
+                <a:spcPts val="0"/>
+              </a:spcBef>
+              <a:spcAft>
+                <a:spcPts val="0"/>
+              </a:spcAft>
+              <a:buClrTx/>
+              <a:buSzTx/>
+              <a:buFontTx/>
+              <a:buNone/>
+              <a:tabLst/>
+              <a:defRPr/>
+            </a:pPr>
+            <a:endParaRPr kumimoji="0" lang="en-US" sz="1800" b="0" i="0" u="none" strike="noStrike" kern="1200" cap="none" spc="0" normalizeH="0" baseline="0" noProof="0">
+              <a:ln>
+                <a:noFill/>
+              </a:ln>
+              <a:solidFill>
+                <a:prstClr val="white"/>
+              </a:solidFill>
+              <a:effectLst/>
+              <a:uLnTx/>
+              <a:uFillTx/>
+              <a:latin typeface="Calibri" panose="020F0502020204030204"/>
+              <a:ea typeface="+mn-ea"/>
+              <a:cs typeface="+mn-cs"/>
+            </a:endParaRPr>
+          </a:p>
+        </p:txBody>
+      </p:sp>
+      <p:cxnSp>
+        <p:nvCxnSpPr>
+          <p:cNvPr id="31" name="Straight Connector 30">
+            <a:extLst>
+              <a:ext uri="{FF2B5EF4-FFF2-40B4-BE49-F238E27FC236}">
+                <a16:creationId xmlns:a16="http://schemas.microsoft.com/office/drawing/2014/main" xmlns="" id="{FC18D930-0EEE-448F-ABF1-2AA3C83DA552}"/>
+              </a:ext>
+              <a:ext uri="{C183D7F6-B498-43B3-948B-1728B52AA6E4}">
+                <adec:decorative xmlns="" xmlns:adec="http://schemas.microsoft.com/office/drawing/2017/decorative" val="1"/>
+              </a:ext>
+            </a:extLst>
+          </p:cNvPr>
+          <p:cNvCxnSpPr>
+            <a:cxnSpLocks noGrp="1" noRot="1" noChangeAspect="1" noMove="1" noResize="1" noEditPoints="1" noAdjustHandles="1" noChangeArrowheads="1" noChangeShapeType="1"/>
+          </p:cNvCxnSpPr>
+          <p:nvPr>
+            <p:extLst>
+              <p:ext uri="{386F3935-93C4-4BCD-93E2-E3B085C9AB24}">
+                <p16:designElem xmlns:p16="http://schemas.microsoft.com/office/powerpoint/2015/main" xmlns="" val="1"/>
+              </p:ext>
+            </p:extLst>
+          </p:nvPr>
+        </p:nvCxnSpPr>
+        <p:spPr>
+          <a:xfrm>
+            <a:off x="524071" y="2705800"/>
+            <a:ext cx="1597456" cy="0"/>
+          </a:xfrm>
+          <a:prstGeom prst="line">
+            <a:avLst/>
+          </a:prstGeom>
+          <a:ln w="50800">
+            <a:solidFill>
+              <a:schemeClr val="bg1">
+                <a:lumMod val="65000"/>
+              </a:schemeClr>
+            </a:solidFill>
+          </a:ln>
+        </p:spPr>
+        <p:style>
+          <a:lnRef idx="1">
+            <a:schemeClr val="accent1"/>
+          </a:lnRef>
+          <a:fillRef idx="0">
+            <a:schemeClr val="accent1"/>
+          </a:fillRef>
+          <a:effectRef idx="0">
+            <a:schemeClr val="accent1"/>
+          </a:effectRef>
+          <a:fontRef idx="minor">
+            <a:schemeClr val="tx1"/>
+          </a:fontRef>
+        </p:style>
+      </p:cxnSp>
+      <p:pic>
+        <p:nvPicPr>
+          <p:cNvPr id="4" name="Picture 3">
+            <a:extLst>
+              <a:ext uri="{FF2B5EF4-FFF2-40B4-BE49-F238E27FC236}">
+                <a16:creationId xmlns:a16="http://schemas.microsoft.com/office/drawing/2014/main" xmlns="" id="{FBCF7919-1DEF-49D1-A2E1-975B7728CFDB}"/>
+              </a:ext>
+            </a:extLst>
+          </p:cNvPr>
+          <p:cNvPicPr>
+            <a:picLocks noChangeAspect="1"/>
+          </p:cNvPicPr>
+          <p:nvPr/>
+        </p:nvPicPr>
+        <p:blipFill>
+          <a:blip r:embed="rId2">
+            <a:extLst>
+              <a:ext uri="{28A0092B-C50C-407E-A947-70E740481C1C}">
+                <a14:useLocalDpi xmlns:a14="http://schemas.microsoft.com/office/drawing/2010/main" val="0"/>
+              </a:ext>
+            </a:extLst>
+          </a:blip>
+          <a:stretch>
+            <a:fillRect/>
+          </a:stretch>
+        </p:blipFill>
+        <p:spPr>
+          <a:xfrm>
+            <a:off x="5186289" y="794451"/>
+            <a:ext cx="6869085" cy="5426576"/>
+          </a:xfrm>
+          <a:prstGeom prst="rect">
+            <a:avLst/>
+          </a:prstGeom>
+        </p:spPr>
+      </p:pic>
+      <p:sp>
+        <p:nvSpPr>
+          <p:cNvPr id="2" name="Title 1">
+            <a:extLst>
+              <a:ext uri="{FF2B5EF4-FFF2-40B4-BE49-F238E27FC236}">
+                <a16:creationId xmlns:a16="http://schemas.microsoft.com/office/drawing/2014/main" xmlns="" id="{4E4CBAD7-4BAC-4F3D-AF7D-B370C2EA95FB}"/>
+              </a:ext>
+            </a:extLst>
+          </p:cNvPr>
+          <p:cNvSpPr>
+            <a:spLocks noGrp="1"/>
+          </p:cNvSpPr>
+          <p:nvPr>
+            <p:ph type="title"/>
+          </p:nvPr>
+        </p:nvSpPr>
+        <p:spPr>
+          <a:xfrm>
+            <a:off x="321733" y="981091"/>
+            <a:ext cx="4092951" cy="1624457"/>
+          </a:xfrm>
+        </p:spPr>
+        <p:txBody>
+          <a:bodyPr>
+            <a:normAutofit/>
+          </a:bodyPr>
+          <a:lstStyle/>
+          <a:p>
+            <a:r>
+              <a:rPr lang="en-US" sz="3600" b="1" dirty="0">
+                <a:solidFill>
+                  <a:schemeClr val="bg1"/>
+                </a:solidFill>
+                <a:latin typeface="Gentium Plus" panose="02000503060000020004" pitchFamily="2" charset="0"/>
+                <a:ea typeface="Gentium Plus" panose="02000503060000020004" pitchFamily="2" charset="0"/>
+                <a:cs typeface="Gentium Plus" panose="02000503060000020004" pitchFamily="2" charset="0"/>
+              </a:rPr>
+              <a:t>Software Architecture</a:t>
+            </a:r>
+          </a:p>
+        </p:txBody>
+      </p:sp>
+      <p:sp>
+        <p:nvSpPr>
+          <p:cNvPr id="10" name="Content Placeholder 9">
+            <a:extLst>
+              <a:ext uri="{FF2B5EF4-FFF2-40B4-BE49-F238E27FC236}">
+                <a16:creationId xmlns:a16="http://schemas.microsoft.com/office/drawing/2014/main" xmlns="" id="{27855BF6-9710-44F3-A8BC-241CE5E9B07F}"/>
+              </a:ext>
+            </a:extLst>
+          </p:cNvPr>
+          <p:cNvSpPr>
+            <a:spLocks noGrp="1"/>
+          </p:cNvSpPr>
+          <p:nvPr>
+            <p:ph idx="1"/>
+          </p:nvPr>
+        </p:nvSpPr>
+        <p:spPr>
+          <a:xfrm>
+            <a:off x="321733" y="2834809"/>
+            <a:ext cx="4092951" cy="3042099"/>
+          </a:xfrm>
+        </p:spPr>
+        <p:txBody>
+          <a:bodyPr anchor="t">
+            <a:normAutofit/>
+          </a:bodyPr>
+          <a:lstStyle/>
+          <a:p>
+            <a:r>
+              <a:rPr lang="en-US" sz="2000" dirty="0">
+                <a:solidFill>
+                  <a:schemeClr val="bg1"/>
+                </a:solidFill>
+                <a:latin typeface="Gentium Plus" panose="02000503060000020004" pitchFamily="2" charset="0"/>
+                <a:ea typeface="Gentium Plus" panose="02000503060000020004" pitchFamily="2" charset="0"/>
+                <a:cs typeface="Gentium Plus" panose="02000503060000020004" pitchFamily="2" charset="0"/>
+              </a:rPr>
+              <a:t>Python, C</a:t>
+            </a:r>
+          </a:p>
+          <a:p>
+            <a:endParaRPr lang="en-US" sz="2000" dirty="0">
+              <a:solidFill>
+                <a:schemeClr val="bg1"/>
+              </a:solidFill>
+              <a:latin typeface="Gentium Plus" panose="02000503060000020004" pitchFamily="2" charset="0"/>
+              <a:ea typeface="Gentium Plus" panose="02000503060000020004" pitchFamily="2" charset="0"/>
+              <a:cs typeface="Gentium Plus" panose="02000503060000020004" pitchFamily="2" charset="0"/>
+            </a:endParaRPr>
+          </a:p>
+          <a:p>
+            <a:r>
+              <a:rPr lang="en-US" sz="2000" b="1" dirty="0">
+                <a:solidFill>
+                  <a:schemeClr val="bg1"/>
+                </a:solidFill>
+                <a:latin typeface="Gentium Plus" panose="02000503060000020004" pitchFamily="2" charset="0"/>
+                <a:ea typeface="Gentium Plus" panose="02000503060000020004" pitchFamily="2" charset="0"/>
+                <a:cs typeface="Gentium Plus" panose="02000503060000020004" pitchFamily="2" charset="0"/>
+              </a:rPr>
+              <a:t>Over 1000 lines of code</a:t>
+            </a:r>
+          </a:p>
+          <a:p>
+            <a:endParaRPr lang="en-US" sz="2000" b="1" dirty="0">
+              <a:solidFill>
+                <a:schemeClr val="bg1"/>
+              </a:solidFill>
+              <a:latin typeface="Gentium Plus" panose="02000503060000020004" pitchFamily="2" charset="0"/>
+              <a:ea typeface="Gentium Plus" panose="02000503060000020004" pitchFamily="2" charset="0"/>
+              <a:cs typeface="Gentium Plus" panose="02000503060000020004" pitchFamily="2" charset="0"/>
+            </a:endParaRPr>
+          </a:p>
+          <a:p>
+            <a:r>
+              <a:rPr lang="en-US" sz="2000" dirty="0">
+                <a:solidFill>
+                  <a:schemeClr val="bg1"/>
+                </a:solidFill>
+                <a:latin typeface="Gentium Plus" panose="02000503060000020004" pitchFamily="2" charset="0"/>
+                <a:ea typeface="Gentium Plus" panose="02000503060000020004" pitchFamily="2" charset="0"/>
+                <a:cs typeface="Gentium Plus" panose="02000503060000020004" pitchFamily="2" charset="0"/>
+              </a:rPr>
+              <a:t>Modular</a:t>
+            </a:r>
+          </a:p>
+          <a:p>
+            <a:endParaRPr lang="en-US" sz="2000" dirty="0">
+              <a:solidFill>
+                <a:schemeClr val="bg1"/>
+              </a:solidFill>
+              <a:latin typeface="Gentium Plus" panose="02000503060000020004" pitchFamily="2" charset="0"/>
+              <a:ea typeface="Gentium Plus" panose="02000503060000020004" pitchFamily="2" charset="0"/>
+              <a:cs typeface="Gentium Plus" panose="02000503060000020004" pitchFamily="2" charset="0"/>
+            </a:endParaRPr>
+          </a:p>
+          <a:p>
+            <a:r>
+              <a:rPr lang="en-US" sz="2000" dirty="0">
+                <a:solidFill>
+                  <a:schemeClr val="bg1"/>
+                </a:solidFill>
+                <a:latin typeface="Gentium Plus" panose="02000503060000020004" pitchFamily="2" charset="0"/>
+                <a:ea typeface="Gentium Plus" panose="02000503060000020004" pitchFamily="2" charset="0"/>
+                <a:cs typeface="Gentium Plus" panose="02000503060000020004" pitchFamily="2" charset="0"/>
+              </a:rPr>
+              <a:t>Maintainable, usable, extendable </a:t>
+            </a:r>
+          </a:p>
+          <a:p>
+            <a:endParaRPr lang="en-US" sz="2000" dirty="0">
+              <a:solidFill>
+                <a:schemeClr val="bg1"/>
+              </a:solidFill>
+              <a:latin typeface="Gentium Plus" panose="02000503060000020004" pitchFamily="2" charset="0"/>
+              <a:ea typeface="Gentium Plus" panose="02000503060000020004" pitchFamily="2" charset="0"/>
+              <a:cs typeface="Gentium Plus" panose="02000503060000020004" pitchFamily="2" charset="0"/>
+            </a:endParaRPr>
+          </a:p>
+        </p:txBody>
+      </p:sp>
+      <p:sp>
+        <p:nvSpPr>
+          <p:cNvPr id="5" name="Slide Number Placeholder 4">
+            <a:extLst>
+              <a:ext uri="{FF2B5EF4-FFF2-40B4-BE49-F238E27FC236}">
+                <a16:creationId xmlns:a16="http://schemas.microsoft.com/office/drawing/2014/main" xmlns="" id="{FB5E1C94-6968-4E2D-8773-6B78D933FF6E}"/>
+              </a:ext>
+            </a:extLst>
+          </p:cNvPr>
+          <p:cNvSpPr>
+            <a:spLocks noGrp="1"/>
+          </p:cNvSpPr>
+          <p:nvPr>
+            <p:ph type="sldNum" sz="quarter" idx="12"/>
+          </p:nvPr>
+        </p:nvSpPr>
+        <p:spPr/>
+        <p:txBody>
+          <a:bodyPr/>
+          <a:lstStyle/>
+          <a:p>
+            <a:fld id="{F0CD063B-A75C-4963-B39E-9F4A7E238D4B}" type="slidenum">
+              <a:rPr lang="en-US" smtClean="0"/>
+              <a:t>7</a:t>
+            </a:fld>
+            <a:endParaRPr lang="en-US"/>
+          </a:p>
+        </p:txBody>
+      </p:sp>
+    </p:spTree>
+    <p:extLst>
+      <p:ext uri="{BB962C8B-B14F-4D97-AF65-F5344CB8AC3E}">
+        <p14:creationId xmlns:p14="http://schemas.microsoft.com/office/powerpoint/2010/main" val="3742333842"/>
+      </p:ext>
+    </p:extLst>
+  </p:cSld>
+  <p:clrMapOvr>
+    <a:masterClrMapping/>
+  </p:clrMapOvr>
+</p:sld>
+</file>
+
+<file path=ppt/slides/slide8.xml><?xml version="1.0" encoding="utf-8"?>
+<p:sld xmlns:a="http://schemas.openxmlformats.org/drawingml/2006/main" xmlns:r="http://schemas.openxmlformats.org/officeDocument/2006/relationships" xmlns:p="http://schemas.openxmlformats.org/presentationml/2006/main">
+  <p:cSld>
+    <p:bg>
+      <p:bgPr>
+        <a:solidFill>
+          <a:schemeClr val="bg1"/>
+        </a:solidFill>
+        <a:effectLst/>
+      </p:bgPr>
+    </p:bg>
+    <p:spTree>
+      <p:nvGrpSpPr>
+        <p:cNvPr id="1" name=""/>
+        <p:cNvGrpSpPr/>
+        <p:nvPr/>
+      </p:nvGrpSpPr>
+      <p:grpSpPr>
+        <a:xfrm>
+          <a:off x="0" y="0"/>
+          <a:ext cx="0" cy="0"/>
+          <a:chOff x="0" y="0"/>
+          <a:chExt cx="0" cy="0"/>
+        </a:xfrm>
+      </p:grpSpPr>
+      <p:pic>
+        <p:nvPicPr>
+          <p:cNvPr id="5" name="Content Placeholder 4">
+            <a:extLst>
+              <a:ext uri="{FF2B5EF4-FFF2-40B4-BE49-F238E27FC236}">
+                <a16:creationId xmlns:a16="http://schemas.microsoft.com/office/drawing/2014/main" xmlns="" id="{A919BE45-BCA5-4F11-A84B-7AB44837D733}"/>
+              </a:ext>
+            </a:extLst>
+          </p:cNvPr>
+          <p:cNvPicPr>
+            <a:picLocks noGrp="1" noChangeAspect="1"/>
+          </p:cNvPicPr>
+          <p:nvPr>
+            <p:ph idx="1"/>
+          </p:nvPr>
+        </p:nvPicPr>
+        <p:blipFill rotWithShape="1">
+          <a:blip r:embed="rId2">
+            <a:extLst>
+              <a:ext uri="{28A0092B-C50C-407E-A947-70E740481C1C}">
+                <a14:useLocalDpi xmlns:a14="http://schemas.microsoft.com/office/drawing/2010/main" val="0"/>
+              </a:ext>
+            </a:extLst>
+          </a:blip>
+          <a:srcRect/>
+          <a:stretch/>
+        </p:blipFill>
+        <p:spPr>
+          <a:xfrm>
+            <a:off x="20" y="10"/>
+            <a:ext cx="12191980" cy="6857990"/>
+          </a:xfrm>
+          <a:prstGeom prst="rect">
+            <a:avLst/>
+          </a:prstGeom>
+        </p:spPr>
+      </p:pic>
+      <p:sp>
+        <p:nvSpPr>
+          <p:cNvPr id="2" name="Slide Number Placeholder 1">
+            <a:extLst>
+              <a:ext uri="{FF2B5EF4-FFF2-40B4-BE49-F238E27FC236}">
+                <a16:creationId xmlns:a16="http://schemas.microsoft.com/office/drawing/2014/main" xmlns="" id="{A0E95BF1-8BFF-4E17-8D0F-EF2D0A192F59}"/>
+              </a:ext>
+            </a:extLst>
+          </p:cNvPr>
+          <p:cNvSpPr>
+            <a:spLocks noGrp="1"/>
+          </p:cNvSpPr>
+          <p:nvPr>
+            <p:ph type="sldNum" sz="quarter" idx="12"/>
+          </p:nvPr>
+        </p:nvSpPr>
+        <p:spPr/>
+        <p:txBody>
+          <a:bodyPr/>
+          <a:lstStyle/>
+          <a:p>
+            <a:fld id="{F0CD063B-A75C-4963-B39E-9F4A7E238D4B}" type="slidenum">
+              <a:rPr lang="en-US" smtClean="0"/>
+              <a:t>8</a:t>
+            </a:fld>
+            <a:endParaRPr lang="en-US"/>
+          </a:p>
+        </p:txBody>
+      </p:sp>
+    </p:spTree>
+    <p:extLst>
+      <p:ext uri="{BB962C8B-B14F-4D97-AF65-F5344CB8AC3E}">
+        <p14:creationId xmlns:p14="http://schemas.microsoft.com/office/powerpoint/2010/main" val="4184466793"/>
+      </p:ext>
+    </p:extLst>
+  </p:cSld>
+  <p:clrMapOvr>
+    <a:masterClrMapping/>
+  </p:clrMapOvr>
+</p:sld>
+</file>
+
+<file path=ppt/slides/slide9.xml><?xml version="1.0" encoding="utf-8"?>
+<p:sld xmlns:a="http://schemas.openxmlformats.org/drawingml/2006/main" xmlns:r="http://schemas.openxmlformats.org/officeDocument/2006/relationships" xmlns:p="http://schemas.openxmlformats.org/presentationml/2006/main">
+  <p:cSld>
+    <p:bg>
+      <p:bgPr>
+        <a:solidFill>
+          <a:schemeClr val="bg1"/>
+        </a:solidFill>
+        <a:effectLst/>
+      </p:bgPr>
+    </p:bg>
+    <p:spTree>
+      <p:nvGrpSpPr>
+        <p:cNvPr id="1" name=""/>
+        <p:cNvGrpSpPr/>
+        <p:nvPr/>
+      </p:nvGrpSpPr>
+      <p:grpSpPr>
+        <a:xfrm>
+          <a:off x="0" y="0"/>
+          <a:ext cx="0" cy="0"/>
+          <a:chOff x="0" y="0"/>
+          <a:chExt cx="0" cy="0"/>
+        </a:xfrm>
+      </p:grpSpPr>
+      <p:pic>
+        <p:nvPicPr>
+          <p:cNvPr id="5" name="Content Placeholder 4">
+            <a:extLst>
+              <a:ext uri="{FF2B5EF4-FFF2-40B4-BE49-F238E27FC236}">
+                <a16:creationId xmlns:a16="http://schemas.microsoft.com/office/drawing/2014/main" xmlns="" id="{7D0E239E-6FC4-4D21-9E38-CD45103C7423}"/>
+              </a:ext>
+            </a:extLst>
+          </p:cNvPr>
+          <p:cNvPicPr>
+            <a:picLocks noGrp="1" noChangeAspect="1"/>
+          </p:cNvPicPr>
+          <p:nvPr>
+            <p:ph idx="1"/>
+          </p:nvPr>
+        </p:nvPicPr>
+        <p:blipFill rotWithShape="1">
+          <a:blip r:embed="rId2">
+            <a:extLst>
+              <a:ext uri="{28A0092B-C50C-407E-A947-70E740481C1C}">
+                <a14:useLocalDpi xmlns:a14="http://schemas.microsoft.com/office/drawing/2010/main" val="0"/>
+              </a:ext>
+            </a:extLst>
+          </a:blip>
+          <a:srcRect/>
+          <a:stretch/>
+        </p:blipFill>
+        <p:spPr>
+          <a:xfrm>
+            <a:off x="20" y="10"/>
+            <a:ext cx="12191980" cy="6857990"/>
+          </a:xfrm>
+          <a:prstGeom prst="rect">
+            <a:avLst/>
+          </a:prstGeom>
+        </p:spPr>
+      </p:pic>
+      <p:sp>
+        <p:nvSpPr>
+          <p:cNvPr id="2" name="Slide Number Placeholder 1">
+            <a:extLst>
+              <a:ext uri="{FF2B5EF4-FFF2-40B4-BE49-F238E27FC236}">
+                <a16:creationId xmlns:a16="http://schemas.microsoft.com/office/drawing/2014/main" xmlns="" id="{987F33EE-4E68-4FBB-8A2B-4A86BBE351DA}"/>
+              </a:ext>
+            </a:extLst>
+          </p:cNvPr>
+          <p:cNvSpPr>
+            <a:spLocks noGrp="1"/>
+          </p:cNvSpPr>
+          <p:nvPr>
+            <p:ph type="sldNum" sz="quarter" idx="12"/>
+          </p:nvPr>
+        </p:nvSpPr>
+        <p:spPr/>
+        <p:txBody>
+          <a:bodyPr/>
+          <a:lstStyle/>
+          <a:p>
+            <a:fld id="{F0CD063B-A75C-4963-B39E-9F4A7E238D4B}" type="slidenum">
+              <a:rPr lang="en-US" smtClean="0"/>
+              <a:t>9</a:t>
+            </a:fld>
+            <a:endParaRPr lang="en-US"/>
+          </a:p>
+        </p:txBody>
+      </p:sp>
+    </p:spTree>
+    <p:extLst>
+      <p:ext uri="{BB962C8B-B14F-4D97-AF65-F5344CB8AC3E}">
+        <p14:creationId xmlns:p14="http://schemas.microsoft.com/office/powerpoint/2010/main" val="4177718017"/>
+      </p:ext>
+    </p:extLst>
+  </p:cSld>
+  <p:clrMapOvr>
+    <a:masterClrMapping/>
+  </p:clrMapOvr>
+</p:sld>
+</file>
+
 <file path=ppt/theme/theme1.xml><?xml version="1.0" encoding="utf-8"?>
 <a:theme xmlns:a="http://schemas.openxmlformats.org/drawingml/2006/main" name="Office Theme">
   <a:themeElements>
@@ -7946,7 +8147,7 @@
   <a:extraClrSchemeLst/>
   <a:extLst>
     <a:ext uri="{05A4C25C-085E-4340-85A3-A5531E510DB2}">
-      <thm15:themeFamily xmlns:thm15="http://schemas.microsoft.com/office/thememl/2012/main" name="Office Theme" id="{62F939B6-93AF-4DB8-9C6B-D6C7DFDC589F}" vid="{4A3C46E8-61CC-4603-A589-7422A47A8E4A}"/>
+      <thm15:themeFamily xmlns:thm15="http://schemas.microsoft.com/office/thememl/2012/main" xmlns="" name="Office Theme" id="{62F939B6-93AF-4DB8-9C6B-D6C7DFDC589F}" vid="{4A3C46E8-61CC-4603-A589-7422A47A8E4A}"/>
     </a:ext>
   </a:extLst>
 </a:theme>
@@ -8241,7 +8442,7 @@
   <a:extraClrSchemeLst/>
   <a:extLst>
     <a:ext uri="{05A4C25C-085E-4340-85A3-A5531E510DB2}">
-      <thm15:themeFamily xmlns:thm15="http://schemas.microsoft.com/office/thememl/2012/main" name="Office Theme" id="{62F939B6-93AF-4DB8-9C6B-D6C7DFDC589F}" vid="{4A3C46E8-61CC-4603-A589-7422A47A8E4A}"/>
+      <thm15:themeFamily xmlns:thm15="http://schemas.microsoft.com/office/thememl/2012/main" xmlns="" name="Office Theme" id="{62F939B6-93AF-4DB8-9C6B-D6C7DFDC589F}" vid="{4A3C46E8-61CC-4603-A589-7422A47A8E4A}"/>
     </a:ext>
   </a:extLst>
 </a:theme>
